--- a/Skript-Folien/QM1-Thema04.pptx
+++ b/Skript-Folien/QM1-Thema04.pptx
@@ -44,6 +44,8 @@
     <p:sldId id="289" r:id="rId41"/>
     <p:sldId id="290" r:id="rId42"/>
     <p:sldId id="291" r:id="rId43"/>
+    <p:sldId id="292" r:id="rId44"/>
+    <p:sldId id="293" r:id="rId45"/>
   </p:sldIdLst>
   <p:sldSz cx="13004800" cy="9753600"/>
   <p:notesSz cx="6858000" cy="9144000"/>
@@ -371,7 +373,7 @@
       </p:grpSpPr>
       <p:sp>
         <p:nvSpPr>
-          <p:cNvPr id="119" name="Shape 119"/>
+          <p:cNvPr id="229" name="Shape 229"/>
           <p:cNvSpPr/>
           <p:nvPr>
             <p:ph type="sldImg"/>
@@ -396,7 +398,7 @@
       </p:sp>
       <p:sp>
         <p:nvSpPr>
-          <p:cNvPr id="120" name="Shape 120"/>
+          <p:cNvPr id="230" name="Shape 230"/>
           <p:cNvSpPr/>
           <p:nvPr>
             <p:ph type="body" sz="quarter" idx="1"/>
@@ -545,7 +547,7 @@
       </p:grpSpPr>
       <p:sp>
         <p:nvSpPr>
-          <p:cNvPr id="196" name="Shape 196"/>
+          <p:cNvPr id="306" name="Shape 306"/>
           <p:cNvSpPr/>
           <p:nvPr>
             <p:ph type="sldImg"/>
@@ -566,7 +568,7 @@
       </p:sp>
       <p:sp>
         <p:nvSpPr>
-          <p:cNvPr id="197" name="Shape 197"/>
+          <p:cNvPr id="307" name="Shape 307"/>
           <p:cNvSpPr/>
           <p:nvPr>
             <p:ph type="body" sz="quarter" idx="1"/>
@@ -954,6 +956,100 @@
                 <a:sym typeface="Courier"/>
               </a:rPr>
               <a:t>  geom_hline(yintercept=0,size=5, colour="green")</a:t>
+            </a:r>
+          </a:p>
+        </p:txBody>
+      </p:sp>
+    </p:spTree>
+  </p:cSld>
+  <p:clrMapOvr>
+    <a:masterClrMapping/>
+  </p:clrMapOvr>
+</p:notes>
+</file>
+
+<file path=ppt/notesSlides/notesSlide10.xml><?xml version="1.0" encoding="utf-8"?>
+<p:notes xmlns:a="http://schemas.openxmlformats.org/drawingml/2006/main" xmlns:r="http://schemas.openxmlformats.org/officeDocument/2006/relationships" xmlns:p="http://schemas.openxmlformats.org/presentationml/2006/main" xmlns:m="http://schemas.openxmlformats.org/officeDocument/2006/math" xmlns:a14="http://schemas.microsoft.com/office/drawing/2010/main" showMasterSp="1" showMasterPhAnim="1">
+  <p:cSld>
+    <p:spTree>
+      <p:nvGrpSpPr>
+        <p:cNvPr id="1" name=""/>
+        <p:cNvGrpSpPr/>
+        <p:nvPr/>
+      </p:nvGrpSpPr>
+      <p:grpSpPr>
+        <a:xfrm>
+          <a:off x="0" y="0"/>
+          <a:ext cx="0" cy="0"/>
+          <a:chOff x="0" y="0"/>
+          <a:chExt cx="0" cy="0"/>
+        </a:xfrm>
+      </p:grpSpPr>
+      <p:sp>
+        <p:nvSpPr>
+          <p:cNvPr id="495" name="Shape 495"/>
+          <p:cNvSpPr/>
+          <p:nvPr>
+            <p:ph type="sldImg"/>
+          </p:nvPr>
+        </p:nvSpPr>
+        <p:spPr>
+          <a:prstGeom prst="rect">
+            <a:avLst/>
+          </a:prstGeom>
+        </p:spPr>
+        <p:txBody>
+          <a:bodyPr/>
+          <a:lstStyle/>
+          <a:p>
+            <a:pPr/>
+          </a:p>
+        </p:txBody>
+      </p:sp>
+      <p:sp>
+        <p:nvSpPr>
+          <p:cNvPr id="496" name="Shape 496"/>
+          <p:cNvSpPr/>
+          <p:nvPr>
+            <p:ph type="body" sz="quarter" idx="1"/>
+          </p:nvPr>
+        </p:nvSpPr>
+        <p:spPr>
+          <a:prstGeom prst="rect">
+            <a:avLst/>
+          </a:prstGeom>
+        </p:spPr>
+        <p:txBody>
+          <a:bodyPr/>
+          <a:lstStyle/>
+          <a:p>
+            <a:pPr/>
+            <a:r>
+              <a:t>\begin{aligned}</a:t>
+            </a:r>
+          </a:p>
+          <a:p>
+            <a:pPr/>
+            <a:r>
+              <a:t>\text{CLES} &amp;= P(X_1 &gt; X_2) \\</a:t>
+            </a:r>
+          </a:p>
+          <a:p>
+            <a:pPr/>
+            <a:r>
+              <a:t>&amp;= P(X_1 - X_2 &gt; 0) \\</a:t>
+            </a:r>
+          </a:p>
+          <a:p>
+            <a:pPr/>
+            <a:r>
+              <a:t>&amp;= \Phi(\mu = 0, \sigma = \sqrt{\sigma_1^2 + \sigma_2^2}, x = X_1 - X_2) </a:t>
+            </a:r>
+          </a:p>
+          <a:p>
+            <a:pPr/>
+            <a:r>
+              <a:t>\end{aligned}</a:t>
             </a:r>
           </a:p>
         </p:txBody>
@@ -985,7 +1081,7 @@
       </p:grpSpPr>
       <p:sp>
         <p:nvSpPr>
-          <p:cNvPr id="203" name="Shape 203"/>
+          <p:cNvPr id="313" name="Shape 313"/>
           <p:cNvSpPr/>
           <p:nvPr>
             <p:ph type="sldImg"/>
@@ -1006,7 +1102,7 @@
       </p:sp>
       <p:sp>
         <p:nvSpPr>
-          <p:cNvPr id="204" name="Shape 204"/>
+          <p:cNvPr id="314" name="Shape 314"/>
           <p:cNvSpPr/>
           <p:nvPr>
             <p:ph type="body" sz="quarter" idx="1"/>
@@ -1055,7 +1151,7 @@
       </p:grpSpPr>
       <p:sp>
         <p:nvSpPr>
-          <p:cNvPr id="220" name="Shape 220"/>
+          <p:cNvPr id="330" name="Shape 330"/>
           <p:cNvSpPr/>
           <p:nvPr>
             <p:ph type="sldImg"/>
@@ -1076,7 +1172,7 @@
       </p:sp>
       <p:sp>
         <p:nvSpPr>
-          <p:cNvPr id="221" name="Shape 221"/>
+          <p:cNvPr id="331" name="Shape 331"/>
           <p:cNvSpPr/>
           <p:nvPr>
             <p:ph type="body" sz="quarter" idx="1"/>
@@ -1131,7 +1227,7 @@
       </p:grpSpPr>
       <p:sp>
         <p:nvSpPr>
-          <p:cNvPr id="229" name="Shape 229"/>
+          <p:cNvPr id="339" name="Shape 339"/>
           <p:cNvSpPr/>
           <p:nvPr>
             <p:ph type="sldImg"/>
@@ -1152,7 +1248,7 @@
       </p:sp>
       <p:sp>
         <p:nvSpPr>
-          <p:cNvPr id="230" name="Shape 230"/>
+          <p:cNvPr id="340" name="Shape 340"/>
           <p:cNvSpPr/>
           <p:nvPr>
             <p:ph type="body" sz="quarter" idx="1"/>
@@ -1219,7 +1315,7 @@
       </p:grpSpPr>
       <p:sp>
         <p:nvSpPr>
-          <p:cNvPr id="251" name="Shape 251"/>
+          <p:cNvPr id="361" name="Shape 361"/>
           <p:cNvSpPr/>
           <p:nvPr>
             <p:ph type="sldImg"/>
@@ -1240,7 +1336,7 @@
       </p:sp>
       <p:sp>
         <p:nvSpPr>
-          <p:cNvPr id="252" name="Shape 252"/>
+          <p:cNvPr id="362" name="Shape 362"/>
           <p:cNvSpPr/>
           <p:nvPr>
             <p:ph type="body" sz="quarter" idx="1"/>
@@ -1289,7 +1385,7 @@
       </p:grpSpPr>
       <p:sp>
         <p:nvSpPr>
-          <p:cNvPr id="308" name="Shape 308"/>
+          <p:cNvPr id="422" name="Shape 422"/>
           <p:cNvSpPr/>
           <p:nvPr>
             <p:ph type="sldImg"/>
@@ -1310,7 +1406,7 @@
       </p:sp>
       <p:sp>
         <p:nvSpPr>
-          <p:cNvPr id="309" name="Shape 309"/>
+          <p:cNvPr id="423" name="Shape 423"/>
           <p:cNvSpPr/>
           <p:nvPr>
             <p:ph type="body" sz="quarter" idx="1"/>
@@ -1850,7 +1946,7 @@
       </p:grpSpPr>
       <p:sp>
         <p:nvSpPr>
-          <p:cNvPr id="326" name="Shape 326"/>
+          <p:cNvPr id="464" name="Shape 464"/>
           <p:cNvSpPr/>
           <p:nvPr>
             <p:ph type="sldImg"/>
@@ -1871,7 +1967,7 @@
       </p:sp>
       <p:sp>
         <p:nvSpPr>
-          <p:cNvPr id="327" name="Shape 327"/>
+          <p:cNvPr id="465" name="Shape 465"/>
           <p:cNvSpPr/>
           <p:nvPr>
             <p:ph type="body" sz="quarter" idx="1"/>
@@ -1886,9 +1982,128 @@
           <a:bodyPr/>
           <a:lstStyle/>
           <a:p>
-            <a:pPr/>
-            <a:r>
-              <a:t>F_n(X) = \frac{\text{Anzahl Beobachtungen} \le x}{n}</a:t>
+            <a:pPr>
+              <a:lnSpc>
+                <a:spcPct val="117999"/>
+              </a:lnSpc>
+              <a:defRPr>
+                <a:latin typeface="Helvetica"/>
+                <a:ea typeface="Helvetica"/>
+                <a:cs typeface="Helvetica"/>
+                <a:sym typeface="Helvetica"/>
+              </a:defRPr>
+            </a:pPr>
+            <a:r>
+              <a:t>library(cowplot)</a:t>
+            </a:r>
+          </a:p>
+          <a:p>
+            <a:pPr>
+              <a:lnSpc>
+                <a:spcPct val="117999"/>
+              </a:lnSpc>
+              <a:defRPr>
+                <a:latin typeface="Helvetica"/>
+                <a:ea typeface="Helvetica"/>
+                <a:cs typeface="Helvetica"/>
+                <a:sym typeface="Helvetica"/>
+              </a:defRPr>
+            </a:pPr>
+          </a:p>
+          <a:p>
+            <a:pPr>
+              <a:lnSpc>
+                <a:spcPct val="117999"/>
+              </a:lnSpc>
+              <a:defRPr>
+                <a:latin typeface="Helvetica"/>
+                <a:ea typeface="Helvetica"/>
+                <a:cs typeface="Helvetica"/>
+                <a:sym typeface="Helvetica"/>
+              </a:defRPr>
+            </a:pPr>
+            <a:r>
+              <a:t>ggplot(NULL, aes(c(-3,3))) + </a:t>
+            </a:r>
+          </a:p>
+          <a:p>
+            <a:pPr>
+              <a:lnSpc>
+                <a:spcPct val="117999"/>
+              </a:lnSpc>
+              <a:defRPr>
+                <a:latin typeface="Helvetica"/>
+                <a:ea typeface="Helvetica"/>
+                <a:cs typeface="Helvetica"/>
+                <a:sym typeface="Helvetica"/>
+              </a:defRPr>
+            </a:pPr>
+            <a:r>
+              <a:t>  geom_area(stat = "function", fun = dnorm, fill = "#00998a", xlim = c(-3, 0)) +</a:t>
+            </a:r>
+          </a:p>
+          <a:p>
+            <a:pPr>
+              <a:lnSpc>
+                <a:spcPct val="117999"/>
+              </a:lnSpc>
+              <a:defRPr>
+                <a:latin typeface="Helvetica"/>
+                <a:ea typeface="Helvetica"/>
+                <a:cs typeface="Helvetica"/>
+                <a:sym typeface="Helvetica"/>
+              </a:defRPr>
+            </a:pPr>
+            <a:r>
+              <a:t>  geom_area(stat = "function", fun = dnorm, fill = "grey80", xlim = c(0, 3)) +</a:t>
+            </a:r>
+          </a:p>
+          <a:p>
+            <a:pPr>
+              <a:lnSpc>
+                <a:spcPct val="117999"/>
+              </a:lnSpc>
+              <a:defRPr>
+                <a:latin typeface="Helvetica"/>
+                <a:ea typeface="Helvetica"/>
+                <a:cs typeface="Helvetica"/>
+                <a:sym typeface="Helvetica"/>
+              </a:defRPr>
+            </a:pPr>
+            <a:r>
+              <a:t>  labs(x = "z", y = "") +</a:t>
+            </a:r>
+          </a:p>
+          <a:p>
+            <a:pPr>
+              <a:lnSpc>
+                <a:spcPct val="117999"/>
+              </a:lnSpc>
+              <a:defRPr>
+                <a:latin typeface="Helvetica"/>
+                <a:ea typeface="Helvetica"/>
+                <a:cs typeface="Helvetica"/>
+                <a:sym typeface="Helvetica"/>
+              </a:defRPr>
+            </a:pPr>
+            <a:r>
+              <a:t>  scale_y_continuous(breaks = NULL) +</a:t>
+            </a:r>
+          </a:p>
+          <a:p>
+            <a:pPr>
+              <a:lnSpc>
+                <a:spcPct val="117999"/>
+              </a:lnSpc>
+              <a:defRPr>
+                <a:latin typeface="Helvetica"/>
+                <a:ea typeface="Helvetica"/>
+                <a:cs typeface="Helvetica"/>
+                <a:sym typeface="Helvetica"/>
+              </a:defRPr>
+            </a:pPr>
+            <a:r>
+              <a:t>  scale_x_continuous(breaks = 0)</a:t>
             </a:r>
           </a:p>
         </p:txBody>
@@ -1920,7 +2135,7 @@
       </p:grpSpPr>
       <p:sp>
         <p:nvSpPr>
-          <p:cNvPr id="363" name="Shape 363"/>
+          <p:cNvPr id="474" name="Shape 474"/>
           <p:cNvSpPr/>
           <p:nvPr>
             <p:ph type="sldImg"/>
@@ -1941,7 +2156,7 @@
       </p:sp>
       <p:sp>
         <p:nvSpPr>
-          <p:cNvPr id="364" name="Shape 364"/>
+          <p:cNvPr id="475" name="Shape 475"/>
           <p:cNvSpPr/>
           <p:nvPr>
             <p:ph type="body" sz="quarter" idx="1"/>
@@ -1956,10 +2171,77 @@
           <a:bodyPr/>
           <a:lstStyle/>
           <a:p>
+            <a:pPr/>
+            <a:r>
+              <a:t>F_e(X) = \frac{\text{Anzahl Beobachtungen} \le x}{n}</a:t>
+            </a:r>
+          </a:p>
+        </p:txBody>
+      </p:sp>
+    </p:spTree>
+  </p:cSld>
+  <p:clrMapOvr>
+    <a:masterClrMapping/>
+  </p:clrMapOvr>
+</p:notes>
+</file>
+
+<file path=ppt/notesSlides/notesSlide9.xml><?xml version="1.0" encoding="utf-8"?>
+<p:notes xmlns:a="http://schemas.openxmlformats.org/drawingml/2006/main" xmlns:r="http://schemas.openxmlformats.org/officeDocument/2006/relationships" xmlns:p="http://schemas.openxmlformats.org/presentationml/2006/main" xmlns:m="http://schemas.openxmlformats.org/officeDocument/2006/math" xmlns:a14="http://schemas.microsoft.com/office/drawing/2010/main" showMasterSp="1" showMasterPhAnim="1">
+  <p:cSld>
+    <p:spTree>
+      <p:nvGrpSpPr>
+        <p:cNvPr id="1" name=""/>
+        <p:cNvGrpSpPr/>
+        <p:nvPr/>
+      </p:nvGrpSpPr>
+      <p:grpSpPr>
+        <a:xfrm>
+          <a:off x="0" y="0"/>
+          <a:ext cx="0" cy="0"/>
+          <a:chOff x="0" y="0"/>
+          <a:chExt cx="0" cy="0"/>
+        </a:xfrm>
+      </p:grpSpPr>
+      <p:sp>
+        <p:nvSpPr>
+          <p:cNvPr id="488" name="Shape 488"/>
+          <p:cNvSpPr/>
+          <p:nvPr>
+            <p:ph type="sldImg"/>
+          </p:nvPr>
+        </p:nvSpPr>
+        <p:spPr>
+          <a:prstGeom prst="rect">
+            <a:avLst/>
+          </a:prstGeom>
+        </p:spPr>
+        <p:txBody>
+          <a:bodyPr/>
+          <a:lstStyle/>
+          <a:p>
+            <a:pPr/>
+          </a:p>
+        </p:txBody>
+      </p:sp>
+      <p:sp>
+        <p:nvSpPr>
+          <p:cNvPr id="489" name="Shape 489"/>
+          <p:cNvSpPr/>
+          <p:nvPr>
+            <p:ph type="body" sz="quarter" idx="1"/>
+          </p:nvPr>
+        </p:nvSpPr>
+        <p:spPr>
+          <a:prstGeom prst="rect">
+            <a:avLst/>
+          </a:prstGeom>
+        </p:spPr>
+        <p:txBody>
+          <a:bodyPr/>
+          <a:lstStyle/>
+          <a:p>
             <a:pPr>
-              <a:lnSpc>
-                <a:spcPct val="117999"/>
-              </a:lnSpc>
               <a:defRPr>
                 <a:latin typeface="Helvetica"/>
                 <a:ea typeface="Helvetica"/>
@@ -1968,14 +2250,11 @@
               </a:defRPr>
             </a:pPr>
             <a:r>
-              <a:t>library(cowplot)</a:t>
+              <a:t>d = \frac{\bar(X_1) - \bar{X_2}}{sd}</a:t>
             </a:r>
           </a:p>
           <a:p>
             <a:pPr>
-              <a:lnSpc>
-                <a:spcPct val="117999"/>
-              </a:lnSpc>
               <a:defRPr>
                 <a:latin typeface="Helvetica"/>
                 <a:ea typeface="Helvetica"/>
@@ -1986,9 +2265,6 @@
           </a:p>
           <a:p>
             <a:pPr>
-              <a:lnSpc>
-                <a:spcPct val="117999"/>
-              </a:lnSpc>
               <a:defRPr>
                 <a:latin typeface="Helvetica"/>
                 <a:ea typeface="Helvetica"/>
@@ -1997,14 +2273,11 @@
               </a:defRPr>
             </a:pPr>
             <a:r>
-              <a:t>ggplot(NULL, aes(c(-3,3))) + </a:t>
+              <a:t>library(tidyverse)</a:t>
             </a:r>
           </a:p>
           <a:p>
             <a:pPr>
-              <a:lnSpc>
-                <a:spcPct val="117999"/>
-              </a:lnSpc>
               <a:defRPr>
                 <a:latin typeface="Helvetica"/>
                 <a:ea typeface="Helvetica"/>
@@ -2012,15 +2285,9 @@
                 <a:sym typeface="Helvetica"/>
               </a:defRPr>
             </a:pPr>
-            <a:r>
-              <a:t>  geom_area(stat = "function", fun = dnorm, fill = "#00998a", xlim = c(-3, 0)) +</a:t>
-            </a:r>
           </a:p>
           <a:p>
             <a:pPr>
-              <a:lnSpc>
-                <a:spcPct val="117999"/>
-              </a:lnSpc>
               <a:defRPr>
                 <a:latin typeface="Helvetica"/>
                 <a:ea typeface="Helvetica"/>
@@ -2029,14 +2296,11 @@
               </a:defRPr>
             </a:pPr>
             <a:r>
-              <a:t>  geom_area(stat = "function", fun = dnorm, fill = "grey80", xlim = c(0, 3)) +</a:t>
+              <a:t>df &lt;- data.frame()</a:t>
             </a:r>
           </a:p>
           <a:p>
             <a:pPr>
-              <a:lnSpc>
-                <a:spcPct val="117999"/>
-              </a:lnSpc>
               <a:defRPr>
                 <a:latin typeface="Helvetica"/>
                 <a:ea typeface="Helvetica"/>
@@ -2044,15 +2308,9 @@
                 <a:sym typeface="Helvetica"/>
               </a:defRPr>
             </a:pPr>
-            <a:r>
-              <a:t>  labs(x = "z", y = "") +</a:t>
-            </a:r>
           </a:p>
           <a:p>
             <a:pPr>
-              <a:lnSpc>
-                <a:spcPct val="117999"/>
-              </a:lnSpc>
               <a:defRPr>
                 <a:latin typeface="Helvetica"/>
                 <a:ea typeface="Helvetica"/>
@@ -2061,14 +2319,11 @@
               </a:defRPr>
             </a:pPr>
             <a:r>
-              <a:t>  scale_y_continuous(breaks = NULL) +</a:t>
+              <a:t>minx &lt;- -3</a:t>
             </a:r>
           </a:p>
           <a:p>
             <a:pPr>
-              <a:lnSpc>
-                <a:spcPct val="117999"/>
-              </a:lnSpc>
               <a:defRPr>
                 <a:latin typeface="Helvetica"/>
                 <a:ea typeface="Helvetica"/>
@@ -2077,8 +2332,612 @@
               </a:defRPr>
             </a:pPr>
             <a:r>
-              <a:t>  scale_x_continuous(breaks = 0)</a:t>
-            </a:r>
+              <a:t>maxx &lt;- 6</a:t>
+            </a:r>
+          </a:p>
+          <a:p>
+            <a:pPr>
+              <a:defRPr>
+                <a:latin typeface="Helvetica"/>
+                <a:ea typeface="Helvetica"/>
+                <a:cs typeface="Helvetica"/>
+                <a:sym typeface="Helvetica"/>
+              </a:defRPr>
+            </a:pPr>
+          </a:p>
+          <a:p>
+            <a:pPr>
+              <a:defRPr>
+                <a:latin typeface="Helvetica"/>
+                <a:ea typeface="Helvetica"/>
+                <a:cs typeface="Helvetica"/>
+                <a:sym typeface="Helvetica"/>
+              </a:defRPr>
+            </a:pPr>
+            <a:r>
+              <a:t># plot 1</a:t>
+            </a:r>
+          </a:p>
+          <a:p>
+            <a:pPr>
+              <a:defRPr>
+                <a:latin typeface="Helvetica"/>
+                <a:ea typeface="Helvetica"/>
+                <a:cs typeface="Helvetica"/>
+                <a:sym typeface="Helvetica"/>
+              </a:defRPr>
+            </a:pPr>
+            <a:r>
+              <a:t>p1 &lt;- ggplot() + stat_function(aes(x = -6:6), fun = dnorm, n = 101,</a:t>
+            </a:r>
+          </a:p>
+          <a:p>
+            <a:pPr>
+              <a:defRPr>
+                <a:latin typeface="Helvetica"/>
+                <a:ea typeface="Helvetica"/>
+                <a:cs typeface="Helvetica"/>
+                <a:sym typeface="Helvetica"/>
+              </a:defRPr>
+            </a:pPr>
+            <a:r>
+              <a:t>                               args = list(mean = 0, sd = 1)) +</a:t>
+            </a:r>
+          </a:p>
+          <a:p>
+            <a:pPr>
+              <a:defRPr>
+                <a:latin typeface="Helvetica"/>
+                <a:ea typeface="Helvetica"/>
+                <a:cs typeface="Helvetica"/>
+                <a:sym typeface="Helvetica"/>
+              </a:defRPr>
+            </a:pPr>
+            <a:r>
+              <a:t>  stat_function(aes(x = -4:8), fun = dnorm, n = 1000, args = list(mean = 2, sd = 1))+</a:t>
+            </a:r>
+          </a:p>
+          <a:p>
+            <a:pPr>
+              <a:defRPr>
+                <a:latin typeface="Helvetica"/>
+                <a:ea typeface="Helvetica"/>
+                <a:cs typeface="Helvetica"/>
+                <a:sym typeface="Helvetica"/>
+              </a:defRPr>
+            </a:pPr>
+            <a:r>
+              <a:t>  geom_vline(xintercept = 0, linetype = "dashed") +</a:t>
+            </a:r>
+          </a:p>
+          <a:p>
+            <a:pPr>
+              <a:defRPr>
+                <a:latin typeface="Helvetica"/>
+                <a:ea typeface="Helvetica"/>
+                <a:cs typeface="Helvetica"/>
+                <a:sym typeface="Helvetica"/>
+              </a:defRPr>
+            </a:pPr>
+            <a:r>
+              <a:t>  geom_vline(xintercept = 2, linetype = "dashed") +</a:t>
+            </a:r>
+          </a:p>
+          <a:p>
+            <a:pPr>
+              <a:defRPr>
+                <a:latin typeface="Helvetica"/>
+                <a:ea typeface="Helvetica"/>
+                <a:cs typeface="Helvetica"/>
+                <a:sym typeface="Helvetica"/>
+              </a:defRPr>
+            </a:pPr>
+            <a:r>
+              <a:t>  scale_x_continuous(breaks = c(0, 2)) + xlab("") + ylab("") +</a:t>
+            </a:r>
+          </a:p>
+          <a:p>
+            <a:pPr>
+              <a:defRPr>
+                <a:latin typeface="Helvetica"/>
+                <a:ea typeface="Helvetica"/>
+                <a:cs typeface="Helvetica"/>
+                <a:sym typeface="Helvetica"/>
+              </a:defRPr>
+            </a:pPr>
+            <a:r>
+              <a:t>  scale_y_continuous(breaks = NULL) + </a:t>
+            </a:r>
+          </a:p>
+          <a:p>
+            <a:pPr>
+              <a:defRPr>
+                <a:latin typeface="Helvetica"/>
+                <a:ea typeface="Helvetica"/>
+                <a:cs typeface="Helvetica"/>
+                <a:sym typeface="Helvetica"/>
+              </a:defRPr>
+            </a:pPr>
+            <a:r>
+              <a:t>  theme(axis.text=element_text(size=18))</a:t>
+            </a:r>
+          </a:p>
+          <a:p>
+            <a:pPr>
+              <a:defRPr>
+                <a:latin typeface="Helvetica"/>
+                <a:ea typeface="Helvetica"/>
+                <a:cs typeface="Helvetica"/>
+                <a:sym typeface="Helvetica"/>
+              </a:defRPr>
+            </a:pPr>
+            <a:r>
+              <a:t>p1</a:t>
+            </a:r>
+          </a:p>
+          <a:p>
+            <a:pPr>
+              <a:defRPr>
+                <a:latin typeface="Helvetica"/>
+                <a:ea typeface="Helvetica"/>
+                <a:cs typeface="Helvetica"/>
+                <a:sym typeface="Helvetica"/>
+              </a:defRPr>
+            </a:pPr>
+          </a:p>
+          <a:p>
+            <a:pPr>
+              <a:defRPr>
+                <a:latin typeface="Helvetica"/>
+                <a:ea typeface="Helvetica"/>
+                <a:cs typeface="Helvetica"/>
+                <a:sym typeface="Helvetica"/>
+              </a:defRPr>
+            </a:pPr>
+          </a:p>
+          <a:p>
+            <a:pPr>
+              <a:defRPr>
+                <a:latin typeface="Helvetica"/>
+                <a:ea typeface="Helvetica"/>
+                <a:cs typeface="Helvetica"/>
+                <a:sym typeface="Helvetica"/>
+              </a:defRPr>
+            </a:pPr>
+            <a:r>
+              <a:t># plot 2</a:t>
+            </a:r>
+          </a:p>
+          <a:p>
+            <a:pPr>
+              <a:defRPr>
+                <a:latin typeface="Helvetica"/>
+                <a:ea typeface="Helvetica"/>
+                <a:cs typeface="Helvetica"/>
+                <a:sym typeface="Helvetica"/>
+              </a:defRPr>
+            </a:pPr>
+            <a:r>
+              <a:t>p2 &lt;- ggplot() + stat_function(aes(x = -6:6), fun = dnorm, n = 101,</a:t>
+            </a:r>
+          </a:p>
+          <a:p>
+            <a:pPr>
+              <a:defRPr>
+                <a:latin typeface="Helvetica"/>
+                <a:ea typeface="Helvetica"/>
+                <a:cs typeface="Helvetica"/>
+                <a:sym typeface="Helvetica"/>
+              </a:defRPr>
+            </a:pPr>
+            <a:r>
+              <a:t>                               args = list(mean = 0, sd = 2)) +</a:t>
+            </a:r>
+          </a:p>
+          <a:p>
+            <a:pPr>
+              <a:defRPr>
+                <a:latin typeface="Helvetica"/>
+                <a:ea typeface="Helvetica"/>
+                <a:cs typeface="Helvetica"/>
+                <a:sym typeface="Helvetica"/>
+              </a:defRPr>
+            </a:pPr>
+            <a:r>
+              <a:t>  stat_function(aes(x = -4:8), fun = dnorm, n = 1001, args = list(mean = 2, sd = 2))+</a:t>
+            </a:r>
+          </a:p>
+          <a:p>
+            <a:pPr>
+              <a:defRPr>
+                <a:latin typeface="Helvetica"/>
+                <a:ea typeface="Helvetica"/>
+                <a:cs typeface="Helvetica"/>
+                <a:sym typeface="Helvetica"/>
+              </a:defRPr>
+            </a:pPr>
+            <a:r>
+              <a:t>  geom_vline(xintercept = 0, linetype = "dashed") +</a:t>
+            </a:r>
+          </a:p>
+          <a:p>
+            <a:pPr>
+              <a:defRPr>
+                <a:latin typeface="Helvetica"/>
+                <a:ea typeface="Helvetica"/>
+                <a:cs typeface="Helvetica"/>
+                <a:sym typeface="Helvetica"/>
+              </a:defRPr>
+            </a:pPr>
+            <a:r>
+              <a:t>  geom_vline(xintercept = 2, linetype = "dashed") +</a:t>
+            </a:r>
+          </a:p>
+          <a:p>
+            <a:pPr>
+              <a:defRPr>
+                <a:latin typeface="Helvetica"/>
+                <a:ea typeface="Helvetica"/>
+                <a:cs typeface="Helvetica"/>
+                <a:sym typeface="Helvetica"/>
+              </a:defRPr>
+            </a:pPr>
+            <a:r>
+              <a:t>  scale_x_continuous(breaks = c(0, 2)) + xlab("") + ylab("")  +</a:t>
+            </a:r>
+          </a:p>
+          <a:p>
+            <a:pPr>
+              <a:defRPr>
+                <a:latin typeface="Helvetica"/>
+                <a:ea typeface="Helvetica"/>
+                <a:cs typeface="Helvetica"/>
+                <a:sym typeface="Helvetica"/>
+              </a:defRPr>
+            </a:pPr>
+            <a:r>
+              <a:t>  scale_y_continuous(breaks = NULL) + </a:t>
+            </a:r>
+          </a:p>
+          <a:p>
+            <a:pPr>
+              <a:defRPr>
+                <a:latin typeface="Helvetica"/>
+                <a:ea typeface="Helvetica"/>
+                <a:cs typeface="Helvetica"/>
+                <a:sym typeface="Helvetica"/>
+              </a:defRPr>
+            </a:pPr>
+            <a:r>
+              <a:t>  theme(axis.text=element_text(size=18))</a:t>
+            </a:r>
+          </a:p>
+          <a:p>
+            <a:pPr>
+              <a:defRPr>
+                <a:latin typeface="Helvetica"/>
+                <a:ea typeface="Helvetica"/>
+                <a:cs typeface="Helvetica"/>
+                <a:sym typeface="Helvetica"/>
+              </a:defRPr>
+            </a:pPr>
+            <a:r>
+              <a:t>p2</a:t>
+            </a:r>
+          </a:p>
+          <a:p>
+            <a:pPr>
+              <a:defRPr>
+                <a:latin typeface="Helvetica"/>
+                <a:ea typeface="Helvetica"/>
+                <a:cs typeface="Helvetica"/>
+                <a:sym typeface="Helvetica"/>
+              </a:defRPr>
+            </a:pPr>
+          </a:p>
+          <a:p>
+            <a:pPr>
+              <a:defRPr>
+                <a:latin typeface="Helvetica"/>
+                <a:ea typeface="Helvetica"/>
+                <a:cs typeface="Helvetica"/>
+                <a:sym typeface="Helvetica"/>
+              </a:defRPr>
+            </a:pPr>
+          </a:p>
+          <a:p>
+            <a:pPr>
+              <a:defRPr>
+                <a:latin typeface="Helvetica"/>
+                <a:ea typeface="Helvetica"/>
+                <a:cs typeface="Helvetica"/>
+                <a:sym typeface="Helvetica"/>
+              </a:defRPr>
+            </a:pPr>
+          </a:p>
+          <a:p>
+            <a:pPr>
+              <a:defRPr>
+                <a:latin typeface="Helvetica"/>
+                <a:ea typeface="Helvetica"/>
+                <a:cs typeface="Helvetica"/>
+                <a:sym typeface="Helvetica"/>
+              </a:defRPr>
+            </a:pPr>
+            <a:r>
+              <a:t>p3 &lt;- ggplot() + stat_function(aes(x = -6:6), fun = dnorm, n = 101,</a:t>
+            </a:r>
+          </a:p>
+          <a:p>
+            <a:pPr>
+              <a:defRPr>
+                <a:latin typeface="Helvetica"/>
+                <a:ea typeface="Helvetica"/>
+                <a:cs typeface="Helvetica"/>
+                <a:sym typeface="Helvetica"/>
+              </a:defRPr>
+            </a:pPr>
+            <a:r>
+              <a:t>                                  args = list(mean = -1, sd = 1)) +</a:t>
+            </a:r>
+          </a:p>
+          <a:p>
+            <a:pPr>
+              <a:defRPr>
+                <a:latin typeface="Helvetica"/>
+                <a:ea typeface="Helvetica"/>
+                <a:cs typeface="Helvetica"/>
+                <a:sym typeface="Helvetica"/>
+              </a:defRPr>
+            </a:pPr>
+            <a:r>
+              <a:t>  stat_function(aes(x = -4:8), fun = dnorm, n = 1001, args = list(mean = 3, sd = 1))+</a:t>
+            </a:r>
+          </a:p>
+          <a:p>
+            <a:pPr>
+              <a:defRPr>
+                <a:latin typeface="Helvetica"/>
+                <a:ea typeface="Helvetica"/>
+                <a:cs typeface="Helvetica"/>
+                <a:sym typeface="Helvetica"/>
+              </a:defRPr>
+            </a:pPr>
+            <a:r>
+              <a:t>  geom_vline(xintercept = -1, linetype = "dashed") +</a:t>
+            </a:r>
+          </a:p>
+          <a:p>
+            <a:pPr>
+              <a:defRPr>
+                <a:latin typeface="Helvetica"/>
+                <a:ea typeface="Helvetica"/>
+                <a:cs typeface="Helvetica"/>
+                <a:sym typeface="Helvetica"/>
+              </a:defRPr>
+            </a:pPr>
+            <a:r>
+              <a:t>  geom_vline(xintercept = 3, linetype = "dashed") +</a:t>
+            </a:r>
+          </a:p>
+          <a:p>
+            <a:pPr>
+              <a:defRPr>
+                <a:latin typeface="Helvetica"/>
+                <a:ea typeface="Helvetica"/>
+                <a:cs typeface="Helvetica"/>
+                <a:sym typeface="Helvetica"/>
+              </a:defRPr>
+            </a:pPr>
+            <a:r>
+              <a:t>  scale_x_continuous(breaks = c(-1, 3)) + xlab("") + ylab("") +</a:t>
+            </a:r>
+          </a:p>
+          <a:p>
+            <a:pPr>
+              <a:defRPr>
+                <a:latin typeface="Helvetica"/>
+                <a:ea typeface="Helvetica"/>
+                <a:cs typeface="Helvetica"/>
+                <a:sym typeface="Helvetica"/>
+              </a:defRPr>
+            </a:pPr>
+            <a:r>
+              <a:t>  scale_y_continuous(breaks = NULL) + </a:t>
+            </a:r>
+          </a:p>
+          <a:p>
+            <a:pPr>
+              <a:defRPr>
+                <a:latin typeface="Helvetica"/>
+                <a:ea typeface="Helvetica"/>
+                <a:cs typeface="Helvetica"/>
+                <a:sym typeface="Helvetica"/>
+              </a:defRPr>
+            </a:pPr>
+            <a:r>
+              <a:t>  theme(axis.text=element_text(size=18))</a:t>
+            </a:r>
+          </a:p>
+          <a:p>
+            <a:pPr>
+              <a:defRPr>
+                <a:latin typeface="Helvetica"/>
+                <a:ea typeface="Helvetica"/>
+                <a:cs typeface="Helvetica"/>
+                <a:sym typeface="Helvetica"/>
+              </a:defRPr>
+            </a:pPr>
+            <a:r>
+              <a:t>p3</a:t>
+            </a:r>
+          </a:p>
+          <a:p>
+            <a:pPr>
+              <a:defRPr>
+                <a:latin typeface="Helvetica"/>
+                <a:ea typeface="Helvetica"/>
+                <a:cs typeface="Helvetica"/>
+                <a:sym typeface="Helvetica"/>
+              </a:defRPr>
+            </a:pPr>
+          </a:p>
+          <a:p>
+            <a:pPr>
+              <a:defRPr>
+                <a:latin typeface="Helvetica"/>
+                <a:ea typeface="Helvetica"/>
+                <a:cs typeface="Helvetica"/>
+                <a:sym typeface="Helvetica"/>
+              </a:defRPr>
+            </a:pPr>
+          </a:p>
+          <a:p>
+            <a:pPr>
+              <a:defRPr>
+                <a:latin typeface="Helvetica"/>
+                <a:ea typeface="Helvetica"/>
+                <a:cs typeface="Helvetica"/>
+                <a:sym typeface="Helvetica"/>
+              </a:defRPr>
+            </a:pPr>
+          </a:p>
+          <a:p>
+            <a:pPr>
+              <a:defRPr>
+                <a:latin typeface="Helvetica"/>
+                <a:ea typeface="Helvetica"/>
+                <a:cs typeface="Helvetica"/>
+                <a:sym typeface="Helvetica"/>
+              </a:defRPr>
+            </a:pPr>
+            <a:r>
+              <a:t>p4 &lt;- ggplot() + stat_function(aes(x = -6:6), fun = dnorm, n = 101,</a:t>
+            </a:r>
+          </a:p>
+          <a:p>
+            <a:pPr>
+              <a:defRPr>
+                <a:latin typeface="Helvetica"/>
+                <a:ea typeface="Helvetica"/>
+                <a:cs typeface="Helvetica"/>
+                <a:sym typeface="Helvetica"/>
+              </a:defRPr>
+            </a:pPr>
+            <a:r>
+              <a:t>                               args = list(mean = -1, sd = 2)) +</a:t>
+            </a:r>
+          </a:p>
+          <a:p>
+            <a:pPr>
+              <a:defRPr>
+                <a:latin typeface="Helvetica"/>
+                <a:ea typeface="Helvetica"/>
+                <a:cs typeface="Helvetica"/>
+                <a:sym typeface="Helvetica"/>
+              </a:defRPr>
+            </a:pPr>
+            <a:r>
+              <a:t>  stat_function(aes(x = -4:8), fun = dnorm, n = 101, args = list(mean = 3, sd = 2))+</a:t>
+            </a:r>
+          </a:p>
+          <a:p>
+            <a:pPr>
+              <a:defRPr>
+                <a:latin typeface="Helvetica"/>
+                <a:ea typeface="Helvetica"/>
+                <a:cs typeface="Helvetica"/>
+                <a:sym typeface="Helvetica"/>
+              </a:defRPr>
+            </a:pPr>
+            <a:r>
+              <a:t>  geom_vline(xintercept = -1, linetype = "dashed") +</a:t>
+            </a:r>
+          </a:p>
+          <a:p>
+            <a:pPr>
+              <a:defRPr>
+                <a:latin typeface="Helvetica"/>
+                <a:ea typeface="Helvetica"/>
+                <a:cs typeface="Helvetica"/>
+                <a:sym typeface="Helvetica"/>
+              </a:defRPr>
+            </a:pPr>
+            <a:r>
+              <a:t>  geom_vline(xintercept = 3, linetype = "dashed") +</a:t>
+            </a:r>
+          </a:p>
+          <a:p>
+            <a:pPr>
+              <a:defRPr>
+                <a:latin typeface="Helvetica"/>
+                <a:ea typeface="Helvetica"/>
+                <a:cs typeface="Helvetica"/>
+                <a:sym typeface="Helvetica"/>
+              </a:defRPr>
+            </a:pPr>
+            <a:r>
+              <a:t>  scale_x_continuous(breaks = c(-1, 3)) + xlab("") + ylab("") +</a:t>
+            </a:r>
+          </a:p>
+          <a:p>
+            <a:pPr>
+              <a:defRPr>
+                <a:latin typeface="Helvetica"/>
+                <a:ea typeface="Helvetica"/>
+                <a:cs typeface="Helvetica"/>
+                <a:sym typeface="Helvetica"/>
+              </a:defRPr>
+            </a:pPr>
+            <a:r>
+              <a:t>  scale_y_continuous(breaks = NULL) + </a:t>
+            </a:r>
+          </a:p>
+          <a:p>
+            <a:pPr>
+              <a:defRPr>
+                <a:latin typeface="Helvetica"/>
+                <a:ea typeface="Helvetica"/>
+                <a:cs typeface="Helvetica"/>
+                <a:sym typeface="Helvetica"/>
+              </a:defRPr>
+            </a:pPr>
+            <a:r>
+              <a:t>  theme(axis.text=element_text(size=18))</a:t>
+            </a:r>
+          </a:p>
+          <a:p>
+            <a:pPr>
+              <a:defRPr>
+                <a:latin typeface="Helvetica"/>
+                <a:ea typeface="Helvetica"/>
+                <a:cs typeface="Helvetica"/>
+                <a:sym typeface="Helvetica"/>
+              </a:defRPr>
+            </a:pPr>
+            <a:r>
+              <a:t>p4</a:t>
+            </a:r>
+          </a:p>
+          <a:p>
+            <a:pPr>
+              <a:defRPr>
+                <a:latin typeface="Helvetica"/>
+                <a:ea typeface="Helvetica"/>
+                <a:cs typeface="Helvetica"/>
+                <a:sym typeface="Helvetica"/>
+              </a:defRPr>
+            </a:pPr>
+          </a:p>
+          <a:p>
+            <a:pPr>
+              <a:defRPr>
+                <a:latin typeface="Helvetica"/>
+                <a:ea typeface="Helvetica"/>
+                <a:cs typeface="Helvetica"/>
+                <a:sym typeface="Helvetica"/>
+              </a:defRPr>
+            </a:pPr>
           </a:p>
         </p:txBody>
       </p:sp>
@@ -2109,7 +2968,7 @@
       </p:grpSpPr>
       <p:sp>
         <p:nvSpPr>
-          <p:cNvPr id="6" name="Titeltext"/>
+          <p:cNvPr id="11" name="Titeltext"/>
           <p:cNvSpPr txBox="1"/>
           <p:nvPr>
             <p:ph type="title"/>
@@ -2153,7 +3012,7 @@
       </p:sp>
       <p:sp>
         <p:nvSpPr>
-          <p:cNvPr id="7" name="Textebene 1…"/>
+          <p:cNvPr id="12" name="Textebene 1…"/>
           <p:cNvSpPr txBox="1"/>
           <p:nvPr>
             <p:ph type="body" sz="quarter" idx="1"/>
@@ -2283,7 +3142,7 @@
       </p:sp>
       <p:sp>
         <p:nvSpPr>
-          <p:cNvPr id="8" name="Rechteck 6"/>
+          <p:cNvPr id="13" name="Rechteck 6"/>
           <p:cNvSpPr/>
           <p:nvPr/>
         </p:nvSpPr>
@@ -2328,7 +3187,7 @@
       </p:sp>
       <p:pic>
         <p:nvPicPr>
-          <p:cNvPr id="9" name="Grafik 7" descr="Grafik 7"/>
+          <p:cNvPr id="14" name="Grafik 7" descr="Grafik 7"/>
           <p:cNvPicPr>
             <a:picLocks noChangeAspect="1"/>
           </p:cNvPicPr>
@@ -2357,7 +3216,7 @@
       </p:pic>
       <p:sp>
         <p:nvSpPr>
-          <p:cNvPr id="10" name="Textfeld 8"/>
+          <p:cNvPr id="15" name="Textfeld 8"/>
           <p:cNvSpPr txBox="1"/>
           <p:nvPr/>
         </p:nvSpPr>
@@ -2436,7 +3295,7 @@
       </p:sp>
       <p:pic>
         <p:nvPicPr>
-          <p:cNvPr id="11" name="Grafik 11" descr="Grafik 11"/>
+          <p:cNvPr id="16" name="Grafik 11" descr="Grafik 11"/>
           <p:cNvPicPr>
             <a:picLocks noChangeAspect="1"/>
           </p:cNvPicPr>
@@ -2465,7 +3324,7 @@
       </p:pic>
       <p:sp>
         <p:nvSpPr>
-          <p:cNvPr id="12" name="Foliennummer"/>
+          <p:cNvPr id="17" name="Foliennummer"/>
           <p:cNvSpPr txBox="1"/>
           <p:nvPr>
             <p:ph type="sldNum" sz="quarter" idx="2"/>
@@ -2529,7 +3388,7 @@
       </p:grpSpPr>
       <p:sp>
         <p:nvSpPr>
-          <p:cNvPr id="49" name="Foliennummer"/>
+          <p:cNvPr id="99" name="Foliennummer"/>
           <p:cNvSpPr txBox="1"/>
           <p:nvPr>
             <p:ph type="sldNum" sz="quarter" idx="2"/>
@@ -2555,7 +3414,7 @@
       </p:sp>
       <p:sp>
         <p:nvSpPr>
-          <p:cNvPr id="50" name="Titeltext"/>
+          <p:cNvPr id="100" name="Titeltext"/>
           <p:cNvSpPr txBox="1"/>
           <p:nvPr>
             <p:ph type="body" sz="quarter" idx="21" hasCustomPrompt="1"/>
@@ -2609,7 +3468,7 @@
       </p:sp>
       <p:sp>
         <p:nvSpPr>
-          <p:cNvPr id="51" name="Büste"/>
+          <p:cNvPr id="101" name="Büste"/>
           <p:cNvSpPr/>
           <p:nvPr/>
         </p:nvSpPr>
@@ -2779,7 +3638,7 @@
       </p:sp>
       <p:sp>
         <p:nvSpPr>
-          <p:cNvPr id="52" name="Linie"/>
+          <p:cNvPr id="102" name="Linie"/>
           <p:cNvSpPr/>
           <p:nvPr/>
         </p:nvSpPr>
@@ -2858,7 +3717,7 @@
       </p:grpSpPr>
       <p:sp>
         <p:nvSpPr>
-          <p:cNvPr id="54" name="Foliennummer"/>
+          <p:cNvPr id="109" name="Foliennummer"/>
           <p:cNvSpPr txBox="1"/>
           <p:nvPr>
             <p:ph type="sldNum" sz="quarter" idx="2"/>
@@ -2917,7 +3776,7 @@
       </p:grpSpPr>
       <p:sp>
         <p:nvSpPr>
-          <p:cNvPr id="56" name="Foliennummer"/>
+          <p:cNvPr id="116" name="Foliennummer"/>
           <p:cNvSpPr txBox="1"/>
           <p:nvPr>
             <p:ph type="sldNum" sz="quarter" idx="2"/>
@@ -2943,7 +3802,7 @@
       </p:sp>
       <p:sp>
         <p:nvSpPr>
-          <p:cNvPr id="57" name="Titeltext"/>
+          <p:cNvPr id="117" name="Titeltext"/>
           <p:cNvSpPr txBox="1"/>
           <p:nvPr>
             <p:ph type="body" sz="quarter" idx="21" hasCustomPrompt="1"/>
@@ -2993,7 +3852,7 @@
       </p:sp>
       <p:sp>
         <p:nvSpPr>
-          <p:cNvPr id="58" name="Linie"/>
+          <p:cNvPr id="118" name="Linie"/>
           <p:cNvSpPr/>
           <p:nvPr/>
         </p:nvSpPr>
@@ -3061,7 +3920,7 @@
       </p:grpSpPr>
       <p:sp>
         <p:nvSpPr>
-          <p:cNvPr id="60" name="Foliennummer"/>
+          <p:cNvPr id="125" name="Foliennummer"/>
           <p:cNvSpPr txBox="1"/>
           <p:nvPr>
             <p:ph type="sldNum" sz="quarter" idx="2"/>
@@ -3087,7 +3946,7 @@
       </p:sp>
       <p:sp>
         <p:nvSpPr>
-          <p:cNvPr id="61" name="Titeltext"/>
+          <p:cNvPr id="126" name="Titeltext"/>
           <p:cNvSpPr txBox="1"/>
           <p:nvPr>
             <p:ph type="body" sz="quarter" idx="21" hasCustomPrompt="1"/>
@@ -3141,7 +4000,7 @@
       </p:sp>
       <p:sp>
         <p:nvSpPr>
-          <p:cNvPr id="62" name="Textebene…"/>
+          <p:cNvPr id="127" name="Textebene…"/>
           <p:cNvSpPr txBox="1"/>
           <p:nvPr>
             <p:ph type="body" sz="half" idx="22" hasCustomPrompt="1"/>
@@ -3199,7 +4058,7 @@
       </p:sp>
       <p:sp>
         <p:nvSpPr>
-          <p:cNvPr id="63" name="Linie"/>
+          <p:cNvPr id="128" name="Linie"/>
           <p:cNvSpPr/>
           <p:nvPr/>
         </p:nvSpPr>
@@ -3241,7 +4100,7 @@
       </p:sp>
       <p:sp>
         <p:nvSpPr>
-          <p:cNvPr id="64" name="Textebene 1…"/>
+          <p:cNvPr id="129" name="Textebene 1…"/>
           <p:cNvSpPr txBox="1"/>
           <p:nvPr>
             <p:ph type="body" sz="half" idx="23"/>
@@ -3325,7 +4184,7 @@
       </p:grpSpPr>
       <p:sp>
         <p:nvSpPr>
-          <p:cNvPr id="66" name="Rechteck 14"/>
+          <p:cNvPr id="136" name="Rechteck 14"/>
           <p:cNvSpPr/>
           <p:nvPr/>
         </p:nvSpPr>
@@ -3374,7 +4233,7 @@
       </p:sp>
       <p:sp>
         <p:nvSpPr>
-          <p:cNvPr id="67" name="Rechteck 6"/>
+          <p:cNvPr id="137" name="Rechteck 6"/>
           <p:cNvSpPr/>
           <p:nvPr/>
         </p:nvSpPr>
@@ -3423,7 +4282,7 @@
       </p:sp>
       <p:pic>
         <p:nvPicPr>
-          <p:cNvPr id="68" name="Picture 2" descr="Picture 2"/>
+          <p:cNvPr id="138" name="Picture 2" descr="Picture 2"/>
           <p:cNvPicPr>
             <a:picLocks noChangeAspect="1"/>
           </p:cNvPicPr>
@@ -3452,7 +4311,7 @@
       </p:pic>
       <p:sp>
         <p:nvSpPr>
-          <p:cNvPr id="69" name="Titeltext"/>
+          <p:cNvPr id="139" name="Titeltext"/>
           <p:cNvSpPr txBox="1"/>
           <p:nvPr>
             <p:ph type="title"/>
@@ -3497,7 +4356,7 @@
       </p:sp>
       <p:sp>
         <p:nvSpPr>
-          <p:cNvPr id="70" name="Textebene 1…"/>
+          <p:cNvPr id="140" name="Textebene 1…"/>
           <p:cNvSpPr txBox="1"/>
           <p:nvPr>
             <p:ph type="body" sz="quarter" idx="1"/>
@@ -3626,7 +4485,7 @@
       </p:sp>
       <p:sp>
         <p:nvSpPr>
-          <p:cNvPr id="71" name="Foliennummer"/>
+          <p:cNvPr id="141" name="Foliennummer"/>
           <p:cNvSpPr txBox="1"/>
           <p:nvPr>
             <p:ph type="sldNum" sz="quarter" idx="2"/>
@@ -3680,7 +4539,7 @@
       </p:grpSpPr>
       <p:pic>
         <p:nvPicPr>
-          <p:cNvPr id="73" name="T:\Projektorganisation\Allgemein\Vorlagen\Logos\Initiale\FOM_Initial_2012.jpg" descr="T:\Projektorganisation\Allgemein\Vorlagen\Logos\Initiale\FOM_Initial_2012.jpg"/>
+          <p:cNvPr id="148" name="T:\Projektorganisation\Allgemein\Vorlagen\Logos\Initiale\FOM_Initial_2012.jpg" descr="T:\Projektorganisation\Allgemein\Vorlagen\Logos\Initiale\FOM_Initial_2012.jpg"/>
           <p:cNvPicPr>
             <a:picLocks noChangeAspect="1"/>
           </p:cNvPicPr>
@@ -3709,7 +4568,7 @@
       </p:pic>
       <p:sp>
         <p:nvSpPr>
-          <p:cNvPr id="74" name="Rechteck"/>
+          <p:cNvPr id="149" name="Rechteck"/>
           <p:cNvSpPr/>
           <p:nvPr/>
         </p:nvSpPr>
@@ -3758,7 +4617,7 @@
       </p:sp>
       <p:sp>
         <p:nvSpPr>
-          <p:cNvPr id="75" name="Rechteck"/>
+          <p:cNvPr id="150" name="Rechteck"/>
           <p:cNvSpPr/>
           <p:nvPr/>
         </p:nvSpPr>
@@ -3807,7 +4666,7 @@
       </p:sp>
       <p:sp>
         <p:nvSpPr>
-          <p:cNvPr id="76" name="Foliennummer"/>
+          <p:cNvPr id="151" name="Foliennummer"/>
           <p:cNvSpPr txBox="1"/>
           <p:nvPr>
             <p:ph type="sldNum" sz="quarter" idx="2"/>
@@ -3846,7 +4705,7 @@
       </p:sp>
       <p:sp>
         <p:nvSpPr>
-          <p:cNvPr id="77" name="Textebene 1…"/>
+          <p:cNvPr id="152" name="Textebene 1…"/>
           <p:cNvSpPr txBox="1"/>
           <p:nvPr>
             <p:ph type="body" idx="1"/>
@@ -3982,7 +4841,7 @@
       </p:sp>
       <p:sp>
         <p:nvSpPr>
-          <p:cNvPr id="78" name="Titeltext"/>
+          <p:cNvPr id="153" name="Titeltext"/>
           <p:cNvSpPr txBox="1"/>
           <p:nvPr>
             <p:ph type="title"/>
@@ -4055,7 +4914,7 @@
       </p:grpSpPr>
       <p:pic>
         <p:nvPicPr>
-          <p:cNvPr id="80" name="T:\Projektorganisation\Allgemein\Vorlagen\Logos\Initiale\FOM_Initial_2012.jpg" descr="T:\Projektorganisation\Allgemein\Vorlagen\Logos\Initiale\FOM_Initial_2012.jpg"/>
+          <p:cNvPr id="160" name="T:\Projektorganisation\Allgemein\Vorlagen\Logos\Initiale\FOM_Initial_2012.jpg" descr="T:\Projektorganisation\Allgemein\Vorlagen\Logos\Initiale\FOM_Initial_2012.jpg"/>
           <p:cNvPicPr>
             <a:picLocks noChangeAspect="1"/>
           </p:cNvPicPr>
@@ -4084,7 +4943,7 @@
       </p:pic>
       <p:sp>
         <p:nvSpPr>
-          <p:cNvPr id="81" name="Rechteck"/>
+          <p:cNvPr id="161" name="Rechteck"/>
           <p:cNvSpPr/>
           <p:nvPr/>
         </p:nvSpPr>
@@ -4133,7 +4992,7 @@
       </p:sp>
       <p:sp>
         <p:nvSpPr>
-          <p:cNvPr id="82" name="Rechteck"/>
+          <p:cNvPr id="162" name="Rechteck"/>
           <p:cNvSpPr/>
           <p:nvPr/>
         </p:nvSpPr>
@@ -4182,7 +5041,7 @@
       </p:sp>
       <p:sp>
         <p:nvSpPr>
-          <p:cNvPr id="83" name="Textebene 1…"/>
+          <p:cNvPr id="163" name="Textebene 1…"/>
           <p:cNvSpPr txBox="1"/>
           <p:nvPr>
             <p:ph type="body" idx="1"/>
@@ -4300,7 +5159,7 @@
       </p:sp>
       <p:sp>
         <p:nvSpPr>
-          <p:cNvPr id="84" name="Foliennummer"/>
+          <p:cNvPr id="164" name="Foliennummer"/>
           <p:cNvSpPr txBox="1"/>
           <p:nvPr>
             <p:ph type="sldNum" sz="quarter" idx="2"/>
@@ -4326,7 +5185,7 @@
       </p:sp>
       <p:sp>
         <p:nvSpPr>
-          <p:cNvPr id="85" name="Titeltext"/>
+          <p:cNvPr id="165" name="Titeltext"/>
           <p:cNvSpPr txBox="1"/>
           <p:nvPr>
             <p:ph type="title"/>
@@ -4395,7 +5254,7 @@
       </p:grpSpPr>
       <p:pic>
         <p:nvPicPr>
-          <p:cNvPr id="87" name="T:\Projektorganisation\Allgemein\Vorlagen\Logos\Initiale\FOM_Initial_2012.jpg" descr="T:\Projektorganisation\Allgemein\Vorlagen\Logos\Initiale\FOM_Initial_2012.jpg"/>
+          <p:cNvPr id="172" name="T:\Projektorganisation\Allgemein\Vorlagen\Logos\Initiale\FOM_Initial_2012.jpg" descr="T:\Projektorganisation\Allgemein\Vorlagen\Logos\Initiale\FOM_Initial_2012.jpg"/>
           <p:cNvPicPr>
             <a:picLocks noChangeAspect="1"/>
           </p:cNvPicPr>
@@ -4424,7 +5283,7 @@
       </p:pic>
       <p:sp>
         <p:nvSpPr>
-          <p:cNvPr id="88" name="Rechteck"/>
+          <p:cNvPr id="173" name="Rechteck"/>
           <p:cNvSpPr/>
           <p:nvPr/>
         </p:nvSpPr>
@@ -4473,7 +5332,7 @@
       </p:sp>
       <p:sp>
         <p:nvSpPr>
-          <p:cNvPr id="89" name="Rechteck"/>
+          <p:cNvPr id="174" name="Rechteck"/>
           <p:cNvSpPr/>
           <p:nvPr/>
         </p:nvSpPr>
@@ -4522,7 +5381,7 @@
       </p:sp>
       <p:sp>
         <p:nvSpPr>
-          <p:cNvPr id="90" name="Foliennummer"/>
+          <p:cNvPr id="175" name="Foliennummer"/>
           <p:cNvSpPr txBox="1"/>
           <p:nvPr>
             <p:ph type="sldNum" sz="quarter" idx="2"/>
@@ -4555,7 +5414,7 @@
       </p:sp>
       <p:sp>
         <p:nvSpPr>
-          <p:cNvPr id="91" name="Linie"/>
+          <p:cNvPr id="176" name="Linie"/>
           <p:cNvSpPr/>
           <p:nvPr/>
         </p:nvSpPr>
@@ -4602,7 +5461,7 @@
       </p:sp>
       <p:sp>
         <p:nvSpPr>
-          <p:cNvPr id="92" name="Linie"/>
+          <p:cNvPr id="177" name="Linie"/>
           <p:cNvSpPr/>
           <p:nvPr/>
         </p:nvSpPr>
@@ -4649,7 +5508,7 @@
       </p:sp>
       <p:sp>
         <p:nvSpPr>
-          <p:cNvPr id="93" name="Titeltext"/>
+          <p:cNvPr id="178" name="Titeltext"/>
           <p:cNvSpPr txBox="1"/>
           <p:nvPr>
             <p:ph type="title"/>
@@ -4722,7 +5581,7 @@
       </p:grpSpPr>
       <p:pic>
         <p:nvPicPr>
-          <p:cNvPr id="95" name="T:\Projektorganisation\Allgemein\Vorlagen\Logos\Initiale\FOM_Initial_2012.jpg" descr="T:\Projektorganisation\Allgemein\Vorlagen\Logos\Initiale\FOM_Initial_2012.jpg"/>
+          <p:cNvPr id="185" name="T:\Projektorganisation\Allgemein\Vorlagen\Logos\Initiale\FOM_Initial_2012.jpg" descr="T:\Projektorganisation\Allgemein\Vorlagen\Logos\Initiale\FOM_Initial_2012.jpg"/>
           <p:cNvPicPr>
             <a:picLocks noChangeAspect="1"/>
           </p:cNvPicPr>
@@ -4751,7 +5610,7 @@
       </p:pic>
       <p:sp>
         <p:nvSpPr>
-          <p:cNvPr id="96" name="Rechteck"/>
+          <p:cNvPr id="186" name="Rechteck"/>
           <p:cNvSpPr/>
           <p:nvPr/>
         </p:nvSpPr>
@@ -4800,7 +5659,7 @@
       </p:sp>
       <p:sp>
         <p:nvSpPr>
-          <p:cNvPr id="97" name="Rechteck"/>
+          <p:cNvPr id="187" name="Rechteck"/>
           <p:cNvSpPr/>
           <p:nvPr/>
         </p:nvSpPr>
@@ -4849,7 +5708,7 @@
       </p:sp>
       <p:sp>
         <p:nvSpPr>
-          <p:cNvPr id="98" name="Foliennummer"/>
+          <p:cNvPr id="188" name="Foliennummer"/>
           <p:cNvSpPr txBox="1"/>
           <p:nvPr>
             <p:ph type="sldNum" sz="quarter" idx="2"/>
@@ -4875,7 +5734,7 @@
       </p:sp>
       <p:sp>
         <p:nvSpPr>
-          <p:cNvPr id="99" name="Titeltext"/>
+          <p:cNvPr id="189" name="Titeltext"/>
           <p:cNvSpPr txBox="1"/>
           <p:nvPr>
             <p:ph type="title"/>
@@ -4944,7 +5803,7 @@
       </p:grpSpPr>
       <p:pic>
         <p:nvPicPr>
-          <p:cNvPr id="101" name="T:\Projektorganisation\Allgemein\Vorlagen\Logos\Initiale\FOM_Initial_2012.jpg" descr="T:\Projektorganisation\Allgemein\Vorlagen\Logos\Initiale\FOM_Initial_2012.jpg"/>
+          <p:cNvPr id="196" name="T:\Projektorganisation\Allgemein\Vorlagen\Logos\Initiale\FOM_Initial_2012.jpg" descr="T:\Projektorganisation\Allgemein\Vorlagen\Logos\Initiale\FOM_Initial_2012.jpg"/>
           <p:cNvPicPr>
             <a:picLocks noChangeAspect="1"/>
           </p:cNvPicPr>
@@ -4973,7 +5832,7 @@
       </p:pic>
       <p:sp>
         <p:nvSpPr>
-          <p:cNvPr id="102" name="Rechteck"/>
+          <p:cNvPr id="197" name="Rechteck"/>
           <p:cNvSpPr/>
           <p:nvPr/>
         </p:nvSpPr>
@@ -5022,7 +5881,7 @@
       </p:sp>
       <p:sp>
         <p:nvSpPr>
-          <p:cNvPr id="103" name="Rechteck"/>
+          <p:cNvPr id="198" name="Rechteck"/>
           <p:cNvSpPr/>
           <p:nvPr/>
         </p:nvSpPr>
@@ -5071,7 +5930,7 @@
       </p:sp>
       <p:sp>
         <p:nvSpPr>
-          <p:cNvPr id="104" name="Foliennummer"/>
+          <p:cNvPr id="199" name="Foliennummer"/>
           <p:cNvSpPr txBox="1"/>
           <p:nvPr>
             <p:ph type="sldNum" sz="quarter" idx="2"/>
@@ -5097,7 +5956,7 @@
       </p:sp>
       <p:sp>
         <p:nvSpPr>
-          <p:cNvPr id="105" name="Textebene 1…"/>
+          <p:cNvPr id="200" name="Textebene 1…"/>
           <p:cNvSpPr txBox="1"/>
           <p:nvPr>
             <p:ph type="body" idx="1"/>
@@ -5215,7 +6074,7 @@
       </p:sp>
       <p:sp>
         <p:nvSpPr>
-          <p:cNvPr id="106" name="Titeltext"/>
+          <p:cNvPr id="201" name="Titeltext"/>
           <p:cNvSpPr txBox="1"/>
           <p:nvPr>
             <p:ph type="title"/>
@@ -5284,7 +6143,7 @@
       </p:grpSpPr>
       <p:sp>
         <p:nvSpPr>
-          <p:cNvPr id="14" name="Foliennummer"/>
+          <p:cNvPr id="24" name="Foliennummer"/>
           <p:cNvSpPr txBox="1"/>
           <p:nvPr>
             <p:ph type="sldNum" sz="quarter" idx="2"/>
@@ -5310,7 +6169,7 @@
       </p:sp>
       <p:sp>
         <p:nvSpPr>
-          <p:cNvPr id="15" name="Titeltext"/>
+          <p:cNvPr id="25" name="Titeltext"/>
           <p:cNvSpPr txBox="1"/>
           <p:nvPr>
             <p:ph type="title"/>
@@ -5372,7 +6231,7 @@
       </p:grpSpPr>
       <p:pic>
         <p:nvPicPr>
-          <p:cNvPr id="108" name="T:\Projektorganisation\Allgemein\Vorlagen\Logos\Initiale\FOM_Initial_2012.jpg" descr="T:\Projektorganisation\Allgemein\Vorlagen\Logos\Initiale\FOM_Initial_2012.jpg"/>
+          <p:cNvPr id="208" name="T:\Projektorganisation\Allgemein\Vorlagen\Logos\Initiale\FOM_Initial_2012.jpg" descr="T:\Projektorganisation\Allgemein\Vorlagen\Logos\Initiale\FOM_Initial_2012.jpg"/>
           <p:cNvPicPr>
             <a:picLocks noChangeAspect="1"/>
           </p:cNvPicPr>
@@ -5401,7 +6260,7 @@
       </p:pic>
       <p:sp>
         <p:nvSpPr>
-          <p:cNvPr id="109" name="Rechteck"/>
+          <p:cNvPr id="209" name="Rechteck"/>
           <p:cNvSpPr/>
           <p:nvPr/>
         </p:nvSpPr>
@@ -5450,7 +6309,7 @@
       </p:sp>
       <p:sp>
         <p:nvSpPr>
-          <p:cNvPr id="110" name="Rechteck"/>
+          <p:cNvPr id="210" name="Rechteck"/>
           <p:cNvSpPr/>
           <p:nvPr/>
         </p:nvSpPr>
@@ -5499,7 +6358,7 @@
       </p:sp>
       <p:sp>
         <p:nvSpPr>
-          <p:cNvPr id="111" name="Foliennummer"/>
+          <p:cNvPr id="211" name="Foliennummer"/>
           <p:cNvSpPr txBox="1"/>
           <p:nvPr>
             <p:ph type="sldNum" sz="quarter" idx="2"/>
@@ -5525,7 +6384,7 @@
       </p:sp>
       <p:sp>
         <p:nvSpPr>
-          <p:cNvPr id="112" name="Titeltext"/>
+          <p:cNvPr id="212" name="Titeltext"/>
           <p:cNvSpPr txBox="1"/>
           <p:nvPr>
             <p:ph type="title"/>
@@ -5594,7 +6453,7 @@
       </p:grpSpPr>
       <p:pic>
         <p:nvPicPr>
-          <p:cNvPr id="114" name="T:\Projektorganisation\Allgemein\Vorlagen\Logos\Initiale\FOM_Initial_2012.jpg" descr="T:\Projektorganisation\Allgemein\Vorlagen\Logos\Initiale\FOM_Initial_2012.jpg"/>
+          <p:cNvPr id="219" name="T:\Projektorganisation\Allgemein\Vorlagen\Logos\Initiale\FOM_Initial_2012.jpg" descr="T:\Projektorganisation\Allgemein\Vorlagen\Logos\Initiale\FOM_Initial_2012.jpg"/>
           <p:cNvPicPr>
             <a:picLocks noChangeAspect="1"/>
           </p:cNvPicPr>
@@ -5623,7 +6482,7 @@
       </p:pic>
       <p:sp>
         <p:nvSpPr>
-          <p:cNvPr id="115" name="Rechteck"/>
+          <p:cNvPr id="220" name="Rechteck"/>
           <p:cNvSpPr/>
           <p:nvPr/>
         </p:nvSpPr>
@@ -5672,7 +6531,7 @@
       </p:sp>
       <p:sp>
         <p:nvSpPr>
-          <p:cNvPr id="116" name="Rechteck"/>
+          <p:cNvPr id="221" name="Rechteck"/>
           <p:cNvSpPr/>
           <p:nvPr/>
         </p:nvSpPr>
@@ -5721,7 +6580,7 @@
       </p:sp>
       <p:sp>
         <p:nvSpPr>
-          <p:cNvPr id="117" name="Foliennummer"/>
+          <p:cNvPr id="222" name="Foliennummer"/>
           <p:cNvSpPr txBox="1"/>
           <p:nvPr>
             <p:ph type="sldNum" sz="quarter" idx="2"/>
@@ -5760,7 +6619,7 @@
       </p:sp>
       <p:sp>
         <p:nvSpPr>
-          <p:cNvPr id="118" name="Titeltext"/>
+          <p:cNvPr id="223" name="Titeltext"/>
           <p:cNvSpPr txBox="1"/>
           <p:nvPr>
             <p:ph type="title"/>
@@ -5833,7 +6692,7 @@
       </p:grpSpPr>
       <p:sp>
         <p:nvSpPr>
-          <p:cNvPr id="17" name="Foliennummer"/>
+          <p:cNvPr id="32" name="Foliennummer"/>
           <p:cNvSpPr txBox="1"/>
           <p:nvPr>
             <p:ph type="sldNum" sz="quarter" idx="2"/>
@@ -5859,7 +6718,7 @@
       </p:sp>
       <p:sp>
         <p:nvSpPr>
-          <p:cNvPr id="18" name="Titeltext"/>
+          <p:cNvPr id="33" name="Titeltext"/>
           <p:cNvSpPr txBox="1"/>
           <p:nvPr>
             <p:ph type="body" sz="quarter" idx="21" hasCustomPrompt="1"/>
@@ -5913,7 +6772,7 @@
       </p:sp>
       <p:sp>
         <p:nvSpPr>
-          <p:cNvPr id="19" name="Textebene 1"/>
+          <p:cNvPr id="34" name="Textebene 1"/>
           <p:cNvSpPr txBox="1"/>
           <p:nvPr>
             <p:ph type="body" idx="22" hasCustomPrompt="1"/>
@@ -5951,7 +6810,7 @@
       </p:sp>
       <p:sp>
         <p:nvSpPr>
-          <p:cNvPr id="20" name="Linie"/>
+          <p:cNvPr id="35" name="Linie"/>
           <p:cNvSpPr/>
           <p:nvPr/>
         </p:nvSpPr>
@@ -6019,7 +6878,7 @@
       </p:grpSpPr>
       <p:sp>
         <p:nvSpPr>
-          <p:cNvPr id="22" name="Foliennummer"/>
+          <p:cNvPr id="42" name="Foliennummer"/>
           <p:cNvSpPr txBox="1"/>
           <p:nvPr>
             <p:ph type="sldNum" sz="quarter" idx="2"/>
@@ -6045,7 +6904,7 @@
       </p:sp>
       <p:sp>
         <p:nvSpPr>
-          <p:cNvPr id="23" name="Titeltext"/>
+          <p:cNvPr id="43" name="Titeltext"/>
           <p:cNvSpPr txBox="1"/>
           <p:nvPr>
             <p:ph type="body" sz="quarter" idx="21" hasCustomPrompt="1"/>
@@ -6099,7 +6958,7 @@
       </p:sp>
       <p:sp>
         <p:nvSpPr>
-          <p:cNvPr id="24" name="Textebene 1"/>
+          <p:cNvPr id="44" name="Textebene 1"/>
           <p:cNvSpPr txBox="1"/>
           <p:nvPr>
             <p:ph type="body" idx="22" hasCustomPrompt="1"/>
@@ -6137,7 +6996,7 @@
       </p:sp>
       <p:sp>
         <p:nvSpPr>
-          <p:cNvPr id="25" name="Linie"/>
+          <p:cNvPr id="45" name="Linie"/>
           <p:cNvSpPr/>
           <p:nvPr/>
         </p:nvSpPr>
@@ -6205,7 +7064,7 @@
       </p:grpSpPr>
       <p:sp>
         <p:nvSpPr>
-          <p:cNvPr id="27" name="Foliennummer"/>
+          <p:cNvPr id="52" name="Foliennummer"/>
           <p:cNvSpPr txBox="1"/>
           <p:nvPr>
             <p:ph type="sldNum" sz="quarter" idx="2"/>
@@ -6231,7 +7090,7 @@
       </p:sp>
       <p:sp>
         <p:nvSpPr>
-          <p:cNvPr id="28" name="Titeltext"/>
+          <p:cNvPr id="53" name="Titeltext"/>
           <p:cNvSpPr txBox="1"/>
           <p:nvPr>
             <p:ph type="body" sz="quarter" idx="21" hasCustomPrompt="1"/>
@@ -6285,7 +7144,7 @@
       </p:sp>
       <p:sp>
         <p:nvSpPr>
-          <p:cNvPr id="29" name="Linie"/>
+          <p:cNvPr id="54" name="Linie"/>
           <p:cNvSpPr/>
           <p:nvPr/>
         </p:nvSpPr>
@@ -6353,7 +7212,7 @@
       </p:grpSpPr>
       <p:sp>
         <p:nvSpPr>
-          <p:cNvPr id="31" name="Foliennummer"/>
+          <p:cNvPr id="61" name="Foliennummer"/>
           <p:cNvSpPr txBox="1"/>
           <p:nvPr>
             <p:ph type="sldNum" sz="quarter" idx="2"/>
@@ -6379,7 +7238,7 @@
       </p:sp>
       <p:sp>
         <p:nvSpPr>
-          <p:cNvPr id="32" name="Titeltext"/>
+          <p:cNvPr id="62" name="Titeltext"/>
           <p:cNvSpPr txBox="1"/>
           <p:nvPr>
             <p:ph type="body" sz="quarter" idx="21" hasCustomPrompt="1"/>
@@ -6433,7 +7292,7 @@
       </p:sp>
       <p:sp>
         <p:nvSpPr>
-          <p:cNvPr id="33" name="Textebene 1"/>
+          <p:cNvPr id="63" name="Textebene 1"/>
           <p:cNvSpPr txBox="1"/>
           <p:nvPr>
             <p:ph type="body" sz="half" idx="22" hasCustomPrompt="1"/>
@@ -6471,7 +7330,7 @@
       </p:sp>
       <p:sp>
         <p:nvSpPr>
-          <p:cNvPr id="34" name="Linie"/>
+          <p:cNvPr id="64" name="Linie"/>
           <p:cNvSpPr/>
           <p:nvPr/>
         </p:nvSpPr>
@@ -6539,7 +7398,7 @@
       </p:grpSpPr>
       <p:sp>
         <p:nvSpPr>
-          <p:cNvPr id="36" name="Foliennummer"/>
+          <p:cNvPr id="71" name="Foliennummer"/>
           <p:cNvSpPr txBox="1"/>
           <p:nvPr>
             <p:ph type="sldNum" sz="quarter" idx="2"/>
@@ -6565,7 +7424,7 @@
       </p:sp>
       <p:sp>
         <p:nvSpPr>
-          <p:cNvPr id="37" name="Titeltext"/>
+          <p:cNvPr id="72" name="Titeltext"/>
           <p:cNvSpPr txBox="1"/>
           <p:nvPr>
             <p:ph type="body" sz="quarter" idx="21" hasCustomPrompt="1"/>
@@ -6619,7 +7478,7 @@
       </p:sp>
       <p:sp>
         <p:nvSpPr>
-          <p:cNvPr id="38" name="Textebene…"/>
+          <p:cNvPr id="73" name="Textebene…"/>
           <p:cNvSpPr txBox="1"/>
           <p:nvPr>
             <p:ph type="body" sz="half" idx="22" hasCustomPrompt="1"/>
@@ -6677,7 +7536,7 @@
       </p:sp>
       <p:sp>
         <p:nvSpPr>
-          <p:cNvPr id="39" name="Linie"/>
+          <p:cNvPr id="74" name="Linie"/>
           <p:cNvSpPr/>
           <p:nvPr/>
         </p:nvSpPr>
@@ -6745,7 +7604,7 @@
       </p:grpSpPr>
       <p:sp>
         <p:nvSpPr>
-          <p:cNvPr id="41" name="Foliennummer"/>
+          <p:cNvPr id="81" name="Foliennummer"/>
           <p:cNvSpPr txBox="1"/>
           <p:nvPr>
             <p:ph type="sldNum" sz="quarter" idx="2"/>
@@ -6793,7 +7652,7 @@
       </p:grpSpPr>
       <p:sp>
         <p:nvSpPr>
-          <p:cNvPr id="43" name="Foliennummer"/>
+          <p:cNvPr id="88" name="Foliennummer"/>
           <p:cNvSpPr txBox="1"/>
           <p:nvPr>
             <p:ph type="sldNum" sz="quarter" idx="2"/>
@@ -6819,7 +7678,7 @@
       </p:sp>
       <p:sp>
         <p:nvSpPr>
-          <p:cNvPr id="44" name="Textebene 1"/>
+          <p:cNvPr id="89" name="Textebene 1"/>
           <p:cNvSpPr txBox="1"/>
           <p:nvPr>
             <p:ph type="body" idx="21" hasCustomPrompt="1"/>
@@ -6857,7 +7716,7 @@
       </p:sp>
       <p:sp>
         <p:nvSpPr>
-          <p:cNvPr id="45" name="Titeltext"/>
+          <p:cNvPr id="90" name="Titeltext"/>
           <p:cNvSpPr txBox="1"/>
           <p:nvPr>
             <p:ph type="body" sz="quarter" idx="22" hasCustomPrompt="1"/>
@@ -6911,7 +7770,7 @@
       </p:sp>
       <p:sp>
         <p:nvSpPr>
-          <p:cNvPr id="46" name="Büste"/>
+          <p:cNvPr id="91" name="Büste"/>
           <p:cNvSpPr/>
           <p:nvPr/>
         </p:nvSpPr>
@@ -7081,7 +7940,7 @@
       </p:sp>
       <p:sp>
         <p:nvSpPr>
-          <p:cNvPr id="47" name="Linie"/>
+          <p:cNvPr id="92" name="Linie"/>
           <p:cNvSpPr/>
           <p:nvPr/>
         </p:nvSpPr>
@@ -8088,7 +8947,7 @@
       </p:grpSpPr>
       <p:sp>
         <p:nvSpPr>
-          <p:cNvPr id="122" name="Thema 3:  Univariate Deskriptivstatistik"/>
+          <p:cNvPr id="232" name="Thema 3:  Univariate Deskriptivstatistik"/>
           <p:cNvSpPr txBox="1"/>
           <p:nvPr>
             <p:ph type="ctrTitle"/>
@@ -8121,7 +8980,7 @@
       </p:sp>
       <p:sp>
         <p:nvSpPr>
-          <p:cNvPr id="123" name="QM1, SoSe 22"/>
+          <p:cNvPr id="233" name="QM1, SoSe 22"/>
           <p:cNvSpPr txBox="1"/>
           <p:nvPr>
             <p:ph type="subTitle" sz="quarter" idx="1"/>
@@ -8171,7 +9030,7 @@
       </p:grpSpPr>
       <p:sp>
         <p:nvSpPr>
-          <p:cNvPr id="206" name="Foliennummer"/>
+          <p:cNvPr id="316" name="Foliennummer"/>
           <p:cNvSpPr txBox="1"/>
           <p:nvPr>
             <p:ph type="sldNum" sz="quarter" idx="2"/>
@@ -8198,7 +9057,7 @@
       </p:sp>
       <p:sp>
         <p:nvSpPr>
-          <p:cNvPr id="207" name="So bastelt man sich einen Median"/>
+          <p:cNvPr id="317" name="So bastelt man sich einen Median"/>
           <p:cNvSpPr txBox="1"/>
           <p:nvPr>
             <p:ph type="body" idx="21"/>
@@ -8222,7 +9081,7 @@
       </p:sp>
       <p:sp>
         <p:nvSpPr>
-          <p:cNvPr id="208" name="Frau"/>
+          <p:cNvPr id="318" name="Frau"/>
           <p:cNvSpPr/>
           <p:nvPr/>
         </p:nvSpPr>
@@ -8739,7 +9598,7 @@
       </p:sp>
       <p:sp>
         <p:nvSpPr>
-          <p:cNvPr id="209" name="Frau"/>
+          <p:cNvPr id="319" name="Frau"/>
           <p:cNvSpPr/>
           <p:nvPr/>
         </p:nvSpPr>
@@ -9256,7 +10115,7 @@
       </p:sp>
       <p:sp>
         <p:nvSpPr>
-          <p:cNvPr id="210" name="Frau"/>
+          <p:cNvPr id="320" name="Frau"/>
           <p:cNvSpPr/>
           <p:nvPr/>
         </p:nvSpPr>
@@ -9773,14 +10632,14 @@
       </p:sp>
       <p:sp>
         <p:nvSpPr>
-          <p:cNvPr id="211" name="Frau"/>
+          <p:cNvPr id="321" name="Frau"/>
           <p:cNvSpPr/>
           <p:nvPr/>
         </p:nvSpPr>
         <p:spPr>
           <a:xfrm>
-            <a:off x="3800560" y="5093631"/>
-            <a:ext cx="579552" cy="1450849"/>
+            <a:off x="3800561" y="5093632"/>
+            <a:ext cx="579551" cy="1450849"/>
           </a:xfrm>
           <a:custGeom>
             <a:avLst/>
@@ -10290,7 +11149,7 @@
       </p:sp>
       <p:sp>
         <p:nvSpPr>
-          <p:cNvPr id="212" name="Frau"/>
+          <p:cNvPr id="322" name="Frau"/>
           <p:cNvSpPr/>
           <p:nvPr/>
         </p:nvSpPr>
@@ -10807,7 +11666,7 @@
       </p:sp>
       <p:sp>
         <p:nvSpPr>
-          <p:cNvPr id="213" name="Sortiere die Messobjekte aufsteigend.…"/>
+          <p:cNvPr id="323" name="Sortiere die Messobjekte aufsteigend.…"/>
           <p:cNvSpPr txBox="1"/>
           <p:nvPr/>
         </p:nvSpPr>
@@ -10902,7 +11761,7 @@
       </p:grpSpPr>
       <p:sp>
         <p:nvSpPr>
-          <p:cNvPr id="215" name="Foliennummer"/>
+          <p:cNvPr id="325" name="Foliennummer"/>
           <p:cNvSpPr txBox="1"/>
           <p:nvPr>
             <p:ph type="sldNum" sz="quarter" idx="2"/>
@@ -10929,7 +11788,7 @@
       </p:sp>
       <p:sp>
         <p:nvSpPr>
-          <p:cNvPr id="216" name="Median"/>
+          <p:cNvPr id="326" name="Median"/>
           <p:cNvSpPr txBox="1"/>
           <p:nvPr>
             <p:ph type="body" idx="21"/>
@@ -10953,7 +11812,7 @@
       </p:sp>
       <p:sp>
         <p:nvSpPr>
-          <p:cNvPr id="217" name="Der Median (Md, md) ist definiert als die Merkmalsausprägung, die bei (aufsteigend) sortierten Beobachtungen in der Mitte liegt.…"/>
+          <p:cNvPr id="327" name="Der Median (Md, md) ist definiert als die Merkmalsausprägung, die bei (aufsteigend) sortierten Beobachtungen in der Mitte liegt.…"/>
           <p:cNvSpPr txBox="1"/>
           <p:nvPr>
             <p:ph type="body" idx="22"/>
@@ -11011,7 +11870,7 @@
       </p:sp>
       <p:sp>
         <p:nvSpPr>
-          <p:cNvPr id="218" name="Gleichung"/>
+          <p:cNvPr id="328" name="Gleichung"/>
           <p:cNvSpPr txBox="1"/>
           <p:nvPr/>
         </p:nvSpPr>
@@ -11167,7 +12026,7 @@
       </p:sp>
       <p:sp>
         <p:nvSpPr>
-          <p:cNvPr id="219" name="Gleichung"/>
+          <p:cNvPr id="329" name="Gleichung"/>
           <p:cNvSpPr txBox="1"/>
           <p:nvPr/>
         </p:nvSpPr>
@@ -11471,7 +12330,7 @@
       </p:grpSpPr>
       <p:sp>
         <p:nvSpPr>
-          <p:cNvPr id="223" name="Foliennummer"/>
+          <p:cNvPr id="333" name="Foliennummer"/>
           <p:cNvSpPr txBox="1"/>
           <p:nvPr>
             <p:ph type="sldNum" sz="quarter" idx="2"/>
@@ -11498,7 +12357,7 @@
       </p:sp>
       <p:sp>
         <p:nvSpPr>
-          <p:cNvPr id="224" name="Arithmetischer Mittelwert und Median"/>
+          <p:cNvPr id="334" name="Arithmetischer Mittelwert und Median"/>
           <p:cNvSpPr txBox="1"/>
           <p:nvPr>
             <p:ph type="body" idx="21"/>
@@ -11522,7 +12381,7 @@
       </p:sp>
       <p:sp>
         <p:nvSpPr>
-          <p:cNvPr id="225" name="Der arithmetische Mittelwert minimiert die Summe der quadratischen Abweichungen der Beobachtungen von einer Zahl c:…"/>
+          <p:cNvPr id="335" name="Der arithmetische Mittelwert minimiert die Summe der quadratischen Abweichungen der Beobachtungen von einer Zahl c:…"/>
           <p:cNvSpPr txBox="1"/>
           <p:nvPr>
             <p:ph type="body" idx="22"/>
@@ -11596,7 +12455,7 @@
       </p:sp>
       <p:sp>
         <p:nvSpPr>
-          <p:cNvPr id="226" name="Gleichung"/>
+          <p:cNvPr id="336" name="Gleichung"/>
           <p:cNvSpPr txBox="1"/>
           <p:nvPr/>
         </p:nvSpPr>
@@ -11818,7 +12677,7 @@
       </p:sp>
       <p:sp>
         <p:nvSpPr>
-          <p:cNvPr id="227" name="Gleichung"/>
+          <p:cNvPr id="337" name="Gleichung"/>
           <p:cNvSpPr txBox="1"/>
           <p:nvPr/>
         </p:nvSpPr>
@@ -12031,14 +12890,14 @@
       </p:sp>
       <p:sp>
         <p:nvSpPr>
-          <p:cNvPr id="228" name="Gleichung"/>
+          <p:cNvPr id="338" name="Gleichung"/>
           <p:cNvSpPr txBox="1"/>
           <p:nvPr/>
         </p:nvSpPr>
         <p:spPr>
           <a:xfrm>
             <a:off x="798101" y="7911894"/>
-            <a:ext cx="6461513" cy="420234"/>
+            <a:ext cx="6461513" cy="420235"/>
           </a:xfrm>
           <a:prstGeom prst="rect">
             <a:avLst/>
@@ -12363,7 +13222,7 @@
       </p:grpSpPr>
       <p:sp>
         <p:nvSpPr>
-          <p:cNvPr id="232" name="Foliennummer"/>
+          <p:cNvPr id="342" name="Foliennummer"/>
           <p:cNvSpPr txBox="1"/>
           <p:nvPr>
             <p:ph type="sldNum" sz="quarter" idx="2"/>
@@ -12390,7 +13249,7 @@
       </p:sp>
       <p:sp>
         <p:nvSpPr>
-          <p:cNvPr id="233" name="Streuungsmaße"/>
+          <p:cNvPr id="343" name="Streuungsmaße"/>
           <p:cNvSpPr txBox="1"/>
           <p:nvPr>
             <p:ph type="title"/>
@@ -12440,7 +13299,7 @@
       </p:grpSpPr>
       <p:sp>
         <p:nvSpPr>
-          <p:cNvPr id="235" name="Foliennummer"/>
+          <p:cNvPr id="345" name="Foliennummer"/>
           <p:cNvSpPr txBox="1"/>
           <p:nvPr>
             <p:ph type="sldNum" sz="quarter" idx="2"/>
@@ -12467,7 +13326,7 @@
       </p:sp>
       <p:sp>
         <p:nvSpPr>
-          <p:cNvPr id="236" name="Streuung ist eine wichtige Information"/>
+          <p:cNvPr id="346" name="Streuung ist eine wichtige Information"/>
           <p:cNvSpPr txBox="1"/>
           <p:nvPr>
             <p:ph type="body" idx="21"/>
@@ -12491,7 +13350,7 @@
       </p:sp>
       <p:pic>
         <p:nvPicPr>
-          <p:cNvPr id="237" name="Bild" descr="Bild"/>
+          <p:cNvPr id="347" name="Bild" descr="Bild"/>
           <p:cNvPicPr>
             <a:picLocks noChangeAspect="1"/>
           </p:cNvPicPr>
@@ -12520,7 +13379,7 @@
       </p:pic>
       <p:sp>
         <p:nvSpPr>
-          <p:cNvPr id="238" name="„Ist der Fluss tief?“…"/>
+          <p:cNvPr id="348" name="„Ist der Fluss tief?“…"/>
           <p:cNvSpPr txBox="1"/>
           <p:nvPr/>
         </p:nvSpPr>
@@ -12597,7 +13456,7 @@
       </p:grpSpPr>
       <p:sp>
         <p:nvSpPr>
-          <p:cNvPr id="240" name="Foliennummer"/>
+          <p:cNvPr id="350" name="Foliennummer"/>
           <p:cNvSpPr txBox="1"/>
           <p:nvPr>
             <p:ph type="sldNum" sz="quarter" idx="2"/>
@@ -12624,7 +13483,7 @@
       </p:sp>
       <p:sp>
         <p:nvSpPr>
-          <p:cNvPr id="241" name="Viel Streuung vs. wenig Streuung"/>
+          <p:cNvPr id="351" name="Viel Streuung vs. wenig Streuung"/>
           <p:cNvSpPr txBox="1"/>
           <p:nvPr>
             <p:ph type="body" idx="21"/>
@@ -12648,7 +13507,7 @@
       </p:sp>
       <p:pic>
         <p:nvPicPr>
-          <p:cNvPr id="242" name="Bild" descr="Bild"/>
+          <p:cNvPr id="352" name="Bild" descr="Bild"/>
           <p:cNvPicPr>
             <a:picLocks noChangeAspect="1"/>
           </p:cNvPicPr>
@@ -12677,7 +13536,7 @@
       </p:pic>
       <p:sp>
         <p:nvSpPr>
-          <p:cNvPr id="243" name="Quelle"/>
+          <p:cNvPr id="353" name="Quelle"/>
           <p:cNvSpPr txBox="1"/>
           <p:nvPr/>
         </p:nvSpPr>
@@ -12771,7 +13630,7 @@
       </p:grpSpPr>
       <p:sp>
         <p:nvSpPr>
-          <p:cNvPr id="245" name="Foliennummer"/>
+          <p:cNvPr id="355" name="Foliennummer"/>
           <p:cNvSpPr txBox="1"/>
           <p:nvPr>
             <p:ph type="sldNum" sz="quarter" idx="2"/>
@@ -12798,7 +13657,7 @@
       </p:sp>
       <p:sp>
         <p:nvSpPr>
-          <p:cNvPr id="246" name="Viel Streuung vs. wenig Streuung"/>
+          <p:cNvPr id="356" name="Viel Streuung vs. wenig Streuung"/>
           <p:cNvSpPr txBox="1"/>
           <p:nvPr>
             <p:ph type="body" idx="21"/>
@@ -12822,7 +13681,7 @@
       </p:sp>
       <p:sp>
         <p:nvSpPr>
-          <p:cNvPr id="247" name="Die „Balkenlänge“ (blaue vertikale Balken) d kann als Maß der Streuung verstanden werden.…"/>
+          <p:cNvPr id="357" name="Die „Balkenlänge“ (blaue vertikale Balken) d kann als Maß der Streuung verstanden werden.…"/>
           <p:cNvSpPr txBox="1"/>
           <p:nvPr>
             <p:ph type="body" idx="22"/>
@@ -12852,7 +13711,7 @@
           <a:p>
             <a:pPr/>
             <a:r>
-              <a:t>Je kürzer die blauen Balken, desto weniger Streuung.</a:t>
+              <a:t>Je kürzer die blauen vertikalen Balken, desto geringer die Streuung.</a:t>
             </a:r>
           </a:p>
           <a:p>
@@ -12876,14 +13735,20 @@
           <a:p>
             <a:pPr/>
             <a:r>
-              <a:t>Als Bezugswert für die MAD wird entweder Mittelwert oder Median gewählt.</a:t>
-            </a:r>
-          </a:p>
-        </p:txBody>
-      </p:sp>
-      <p:sp>
-        <p:nvSpPr>
-          <p:cNvPr id="248" name="Quelle"/>
+              <a:t>Anschaulich gesprochen zeigt der MAA die mittlere Balkenlänge.</a:t>
+            </a:r>
+          </a:p>
+          <a:p>
+            <a:pPr/>
+            <a:r>
+              <a:t>Als Bezugswert für den MAD wird entweder Mittelwert oder Median gewählt.</a:t>
+            </a:r>
+          </a:p>
+        </p:txBody>
+      </p:sp>
+      <p:sp>
+        <p:nvSpPr>
+          <p:cNvPr id="358" name="Quelle"/>
           <p:cNvSpPr txBox="1"/>
           <p:nvPr/>
         </p:nvSpPr>
@@ -12951,7 +13816,7 @@
       </p:sp>
       <p:pic>
         <p:nvPicPr>
-          <p:cNvPr id="249" name="Bild" descr="Bild"/>
+          <p:cNvPr id="359" name="Bild" descr="Bild"/>
           <p:cNvPicPr>
             <a:picLocks noChangeAspect="1"/>
           </p:cNvPicPr>
@@ -12980,14 +13845,14 @@
       </p:pic>
       <p:sp>
         <p:nvSpPr>
-          <p:cNvPr id="250" name="Gleichung"/>
+          <p:cNvPr id="360" name="Gleichung"/>
           <p:cNvSpPr txBox="1"/>
           <p:nvPr/>
         </p:nvSpPr>
         <p:spPr>
           <a:xfrm>
-            <a:off x="8124347" y="6372612"/>
-            <a:ext cx="3208467" cy="1168655"/>
+            <a:off x="7893089" y="7352053"/>
+            <a:ext cx="3208468" cy="1168655"/>
           </a:xfrm>
           <a:prstGeom prst="rect">
             <a:avLst/>
@@ -13143,7 +14008,7 @@
       </p:grpSpPr>
       <p:sp>
         <p:nvSpPr>
-          <p:cNvPr id="254" name="Foliennummer"/>
+          <p:cNvPr id="364" name="Foliennummer"/>
           <p:cNvSpPr txBox="1"/>
           <p:nvPr>
             <p:ph type="sldNum" sz="quarter" idx="2"/>
@@ -13170,7 +14035,7 @@
       </p:sp>
       <p:sp>
         <p:nvSpPr>
-          <p:cNvPr id="255" name="Varianz als quadrierte Abweichungsbalken"/>
+          <p:cNvPr id="365" name="Varianz als quadrierte Abweichungsbalken"/>
           <p:cNvSpPr txBox="1"/>
           <p:nvPr>
             <p:ph type="body" idx="21"/>
@@ -13194,7 +14059,7 @@
       </p:sp>
       <p:pic>
         <p:nvPicPr>
-          <p:cNvPr id="256" name="Bild" descr="Bild"/>
+          <p:cNvPr id="366" name="Bild" descr="Bild"/>
           <p:cNvPicPr>
             <a:picLocks noChangeAspect="1"/>
           </p:cNvPicPr>
@@ -13210,8 +14075,8 @@
         </p:blipFill>
         <p:spPr>
           <a:xfrm>
-            <a:off x="2578100" y="3461421"/>
-            <a:ext cx="7848601" cy="3810001"/>
+            <a:off x="2578100" y="3461420"/>
+            <a:ext cx="7848600" cy="3810001"/>
           </a:xfrm>
           <a:prstGeom prst="rect">
             <a:avLst/>
@@ -13249,7 +14114,7 @@
       </p:grpSpPr>
       <p:sp>
         <p:nvSpPr>
-          <p:cNvPr id="258" name="Foliennummer"/>
+          <p:cNvPr id="368" name="Foliennummer"/>
           <p:cNvSpPr txBox="1"/>
           <p:nvPr>
             <p:ph type="sldNum" sz="quarter" idx="2"/>
@@ -13276,7 +14141,7 @@
       </p:sp>
       <p:sp>
         <p:nvSpPr>
-          <p:cNvPr id="259" name="Varianz und Standardabweichung"/>
+          <p:cNvPr id="369" name="Varianz und Standardabweichung"/>
           <p:cNvSpPr txBox="1"/>
           <p:nvPr>
             <p:ph type="body" idx="21"/>
@@ -13300,7 +14165,7 @@
       </p:sp>
       <p:sp>
         <p:nvSpPr>
-          <p:cNvPr id="260" name="Die Varianz (σ2, s2, V) ist ein Maß der Streuung.…"/>
+          <p:cNvPr id="370" name="Die Varianz (σ2, s2, V) ist ein Maß der Streuung.…"/>
           <p:cNvSpPr txBox="1"/>
           <p:nvPr>
             <p:ph type="body" idx="22"/>
@@ -13452,14 +14317,14 @@
       </p:sp>
       <p:sp>
         <p:nvSpPr>
-          <p:cNvPr id="261" name="Gleichung"/>
+          <p:cNvPr id="371" name="Gleichung"/>
           <p:cNvSpPr txBox="1"/>
           <p:nvPr/>
         </p:nvSpPr>
         <p:spPr>
           <a:xfrm>
             <a:off x="6964646" y="2050996"/>
-            <a:ext cx="4922968" cy="1467613"/>
+            <a:ext cx="4922967" cy="1467613"/>
           </a:xfrm>
           <a:prstGeom prst="rect">
             <a:avLst/>
@@ -13630,14 +14495,14 @@
       </p:sp>
       <p:sp>
         <p:nvSpPr>
-          <p:cNvPr id="262" name="Gleichung"/>
+          <p:cNvPr id="372" name="Gleichung"/>
           <p:cNvSpPr txBox="1"/>
           <p:nvPr/>
         </p:nvSpPr>
         <p:spPr>
           <a:xfrm>
             <a:off x="7464365" y="4905620"/>
-            <a:ext cx="3426412" cy="1298653"/>
+            <a:ext cx="3426411" cy="1298652"/>
           </a:xfrm>
           <a:prstGeom prst="rect">
             <a:avLst/>
@@ -13747,7 +14612,7 @@
       </p:grpSpPr>
       <p:sp>
         <p:nvSpPr>
-          <p:cNvPr id="264" name="Foliennummer"/>
+          <p:cNvPr id="374" name="Foliennummer"/>
           <p:cNvSpPr txBox="1"/>
           <p:nvPr>
             <p:ph type="sldNum" sz="quarter" idx="2"/>
@@ -13774,7 +14639,7 @@
       </p:sp>
       <p:sp>
         <p:nvSpPr>
-          <p:cNvPr id="265" name="Veranschaulichung der Varianz"/>
+          <p:cNvPr id="375" name="Veranschaulichung der Varianz"/>
           <p:cNvSpPr txBox="1"/>
           <p:nvPr>
             <p:ph type="body" idx="21"/>
@@ -13798,7 +14663,7 @@
       </p:sp>
       <p:pic>
         <p:nvPicPr>
-          <p:cNvPr id="266" name="Bild" descr="Bild"/>
+          <p:cNvPr id="376" name="Bild" descr="Bild"/>
           <p:cNvPicPr>
             <a:picLocks noChangeAspect="1"/>
           </p:cNvPicPr>
@@ -13827,7 +14692,7 @@
       </p:pic>
       <p:sp>
         <p:nvSpPr>
-          <p:cNvPr id="267" name="Sieben Objekte liegen geordnet entsprechend ihrem Wert."/>
+          <p:cNvPr id="377" name="Sieben Objekte liegen geordnet entsprechend ihrem Wert."/>
           <p:cNvSpPr/>
           <p:nvPr/>
         </p:nvSpPr>
@@ -13867,7 +14732,7 @@
       </p:sp>
       <p:sp>
         <p:nvSpPr>
-          <p:cNvPr id="268" name="Der Schwerpunkt der Messwertreihe ist das arithmetische Mittel."/>
+          <p:cNvPr id="378" name="Der Schwerpunkt der Messwertreihe ist das arithmetische Mittel."/>
           <p:cNvSpPr/>
           <p:nvPr/>
         </p:nvSpPr>
@@ -13907,7 +14772,7 @@
       </p:sp>
       <p:sp>
         <p:nvSpPr>
-          <p:cNvPr id="269" name="Wir bilden ein Quadrat für jedes Objekt; die Kantenlänge jedes Quadrats ist gleich dem Abstand des Wertes des Objekts zum Schwerpunkt ."/>
+          <p:cNvPr id="379" name="Wir bilden ein Quadrat für jedes Objekt; die Kantenlänge jedes Quadrats ist gleich dem Abstand des Wertes des Objekts zum Schwerpunkt ."/>
           <p:cNvSpPr/>
           <p:nvPr/>
         </p:nvSpPr>
@@ -13947,7 +14812,7 @@
       </p:sp>
       <p:sp>
         <p:nvSpPr>
-          <p:cNvPr id="270" name="Legt man die Quadrate so zu einem Rechteck zusammen, dass die eine Seitenlänge der Anzahl der Objekten (n) entspricht, so entspricht die andere Seitenlänge der Varianz (σ2)."/>
+          <p:cNvPr id="380" name="Legt man die Quadrate so zu einem Rechteck zusammen, dass die eine Seitenlänge der Anzahl der Objekten (n) entspricht, so entspricht die andere Seitenlänge der Varianz (σ2)."/>
           <p:cNvSpPr/>
           <p:nvPr/>
         </p:nvSpPr>
@@ -13992,7 +14857,7 @@
       </p:sp>
       <p:sp>
         <p:nvSpPr>
-          <p:cNvPr id="271" name="https://en.wikipedia.org/wiki/Standard_deviation"/>
+          <p:cNvPr id="381" name="https://en.wikipedia.org/wiki/Standard_deviation"/>
           <p:cNvSpPr/>
           <p:nvPr/>
         </p:nvSpPr>
@@ -14075,7 +14940,7 @@
       </p:grpSpPr>
       <p:sp>
         <p:nvSpPr>
-          <p:cNvPr id="125" name="Foliennummer"/>
+          <p:cNvPr id="235" name="Foliennummer"/>
           <p:cNvSpPr txBox="1"/>
           <p:nvPr>
             <p:ph type="sldNum" sz="quarter" idx="2"/>
@@ -14102,7 +14967,7 @@
       </p:sp>
       <p:sp>
         <p:nvSpPr>
-          <p:cNvPr id="126" name="Überblick"/>
+          <p:cNvPr id="236" name="Überblick"/>
           <p:cNvSpPr txBox="1"/>
           <p:nvPr>
             <p:ph type="title"/>
@@ -14152,7 +15017,7 @@
       </p:grpSpPr>
       <p:sp>
         <p:nvSpPr>
-          <p:cNvPr id="273" name="Foliennummer"/>
+          <p:cNvPr id="383" name="Foliennummer"/>
           <p:cNvSpPr txBox="1"/>
           <p:nvPr>
             <p:ph type="sldNum" sz="quarter" idx="2"/>
@@ -14179,7 +15044,7 @@
       </p:sp>
       <p:sp>
         <p:nvSpPr>
-          <p:cNvPr id="274" name="Verteilungen"/>
+          <p:cNvPr id="384" name="Verteilungen"/>
           <p:cNvSpPr txBox="1"/>
           <p:nvPr>
             <p:ph type="title"/>
@@ -14229,7 +15094,7 @@
       </p:grpSpPr>
       <p:sp>
         <p:nvSpPr>
-          <p:cNvPr id="276" name="Foliennummer"/>
+          <p:cNvPr id="386" name="Foliennummer"/>
           <p:cNvSpPr txBox="1"/>
           <p:nvPr>
             <p:ph type="sldNum" sz="quarter" idx="2"/>
@@ -14256,7 +15121,7 @@
       </p:sp>
       <p:sp>
         <p:nvSpPr>
-          <p:cNvPr id="277" name="Häufigkeitsverteilungen"/>
+          <p:cNvPr id="387" name="Häufigkeitsverteilungen"/>
           <p:cNvSpPr txBox="1"/>
           <p:nvPr>
             <p:ph type="body" idx="21"/>
@@ -14280,7 +15145,7 @@
       </p:sp>
       <p:sp>
         <p:nvSpPr>
-          <p:cNvPr id="278" name="Eine Häufigkeitsverteilung gibt an, wie häufig jeder der  Ausprägungen (Stufen) einer Variablen X in einer Stichprobe ist.…"/>
+          <p:cNvPr id="388" name="Eine Häufigkeitsverteilung gibt an, wie häufig jeder der  Ausprägungen (Stufen) einer Variablen X in einer Stichprobe ist.…"/>
           <p:cNvSpPr txBox="1"/>
           <p:nvPr>
             <p:ph type="body" idx="22"/>
@@ -14387,7 +15252,7 @@
       </p:sp>
       <p:pic>
         <p:nvPicPr>
-          <p:cNvPr id="279" name="Bild" descr="Bild"/>
+          <p:cNvPr id="389" name="Bild" descr="Bild"/>
           <p:cNvPicPr>
             <a:picLocks noChangeAspect="1"/>
           </p:cNvPicPr>
@@ -14416,7 +15281,7 @@
       </p:pic>
       <p:pic>
         <p:nvPicPr>
-          <p:cNvPr id="280" name="Bild" descr="Bild"/>
+          <p:cNvPr id="390" name="Bild" descr="Bild"/>
           <p:cNvPicPr>
             <a:picLocks noChangeAspect="1"/>
           </p:cNvPicPr>
@@ -14471,7 +15336,7 @@
       </p:grpSpPr>
       <p:sp>
         <p:nvSpPr>
-          <p:cNvPr id="282" name="Foliennummer"/>
+          <p:cNvPr id="392" name="Foliennummer"/>
           <p:cNvSpPr txBox="1"/>
           <p:nvPr>
             <p:ph type="sldNum" sz="quarter" idx="2"/>
@@ -14498,7 +15363,7 @@
       </p:sp>
       <p:sp>
         <p:nvSpPr>
-          <p:cNvPr id="283" name="Histogramm für Häufigkeitsverteilungen mit vielen Stufen"/>
+          <p:cNvPr id="393" name="Histogramm für Häufigkeitsverteilungen mit vielen Stufen"/>
           <p:cNvSpPr txBox="1"/>
           <p:nvPr>
             <p:ph type="body" idx="21"/>
@@ -14526,7 +15391,7 @@
       </p:sp>
       <p:sp>
         <p:nvSpPr>
-          <p:cNvPr id="284" name="Histogramme eignen sich, um die Häufigkeitsverteilung einer Variablen mit vielen Ausprägungen darzustellen.…"/>
+          <p:cNvPr id="394" name="Histogramme eignen sich, um die Häufigkeitsverteilung einer Variablen mit vielen Ausprägungen darzustellen.…"/>
           <p:cNvSpPr txBox="1"/>
           <p:nvPr>
             <p:ph type="body" idx="22"/>
@@ -14581,7 +15446,7 @@
       </p:sp>
       <p:pic>
         <p:nvPicPr>
-          <p:cNvPr id="285" name="Bild" descr="Bild"/>
+          <p:cNvPr id="395" name="Bild" descr="Bild"/>
           <p:cNvPicPr>
             <a:picLocks noChangeAspect="1"/>
           </p:cNvPicPr>
@@ -14610,7 +15475,7 @@
       </p:pic>
       <p:sp>
         <p:nvSpPr>
-          <p:cNvPr id="286" name="Häufigkeitsverteilung der Hauspreise im Saratoga County, New York, USA, 2006"/>
+          <p:cNvPr id="396" name="Häufigkeitsverteilung der Hauspreise im Saratoga County, New York, USA, 2006"/>
           <p:cNvSpPr txBox="1"/>
           <p:nvPr/>
         </p:nvSpPr>
@@ -14648,7 +15513,7 @@
       </p:sp>
       <p:pic>
         <p:nvPicPr>
-          <p:cNvPr id="287" name="Bild" descr="Bild"/>
+          <p:cNvPr id="397" name="Bild" descr="Bild"/>
           <p:cNvPicPr>
             <a:picLocks noChangeAspect="1"/>
           </p:cNvPicPr>
@@ -14677,7 +15542,7 @@
       </p:pic>
       <p:sp>
         <p:nvSpPr>
-          <p:cNvPr id="288" name="zu wenig Balken (k=3)"/>
+          <p:cNvPr id="398" name="zu wenig Balken (k=3)"/>
           <p:cNvSpPr txBox="1"/>
           <p:nvPr/>
         </p:nvSpPr>
@@ -14715,7 +15580,7 @@
       </p:sp>
       <p:pic>
         <p:nvPicPr>
-          <p:cNvPr id="289" name="Bild" descr="Bild"/>
+          <p:cNvPr id="399" name="Bild" descr="Bild"/>
           <p:cNvPicPr>
             <a:picLocks noChangeAspect="1"/>
           </p:cNvPicPr>
@@ -14744,13 +15609,13 @@
       </p:pic>
       <p:sp>
         <p:nvSpPr>
-          <p:cNvPr id="290" name="zu viele Balken (k=1000)"/>
+          <p:cNvPr id="400" name="zu viele Balken (k=1000)"/>
           <p:cNvSpPr txBox="1"/>
           <p:nvPr/>
         </p:nvSpPr>
         <p:spPr>
           <a:xfrm>
-            <a:off x="9792088" y="8468473"/>
+            <a:off x="9792089" y="8468473"/>
             <a:ext cx="2521566" cy="396749"/>
           </a:xfrm>
           <a:prstGeom prst="rect">
@@ -14808,7 +15673,7 @@
       </p:grpSpPr>
       <p:sp>
         <p:nvSpPr>
-          <p:cNvPr id="292" name="Foliennummer"/>
+          <p:cNvPr id="402" name="Foliennummer"/>
           <p:cNvSpPr txBox="1"/>
           <p:nvPr>
             <p:ph type="sldNum" sz="quarter" idx="2"/>
@@ -14835,7 +15700,7 @@
       </p:sp>
       <p:sp>
         <p:nvSpPr>
-          <p:cNvPr id="293" name="Verteilungsformen"/>
+          <p:cNvPr id="403" name="Verteilungsformen"/>
           <p:cNvSpPr txBox="1"/>
           <p:nvPr>
             <p:ph type="body" idx="21"/>
@@ -14859,7 +15724,7 @@
       </p:sp>
       <p:pic>
         <p:nvPicPr>
-          <p:cNvPr id="294" name="Bild" descr="Bild"/>
+          <p:cNvPr id="404" name="Bild" descr="Bild"/>
           <p:cNvPicPr>
             <a:picLocks noChangeAspect="1"/>
           </p:cNvPicPr>
@@ -14875,8 +15740,8 @@
         </p:blipFill>
         <p:spPr>
           <a:xfrm>
-            <a:off x="1138471" y="2311399"/>
-            <a:ext cx="9470156" cy="6506706"/>
+            <a:off x="1138471" y="2311400"/>
+            <a:ext cx="9470156" cy="6506705"/>
           </a:xfrm>
           <a:prstGeom prst="rect">
             <a:avLst/>
@@ -14914,7 +15779,7 @@
       </p:grpSpPr>
       <p:sp>
         <p:nvSpPr>
-          <p:cNvPr id="296" name="Foliennummer"/>
+          <p:cNvPr id="406" name="Foliennummer"/>
           <p:cNvSpPr txBox="1"/>
           <p:nvPr>
             <p:ph type="sldNum" sz="quarter" idx="2"/>
@@ -14941,7 +15806,7 @@
       </p:sp>
       <p:sp>
         <p:nvSpPr>
-          <p:cNvPr id="297" name="Hundert Studentis der Größe nach sortiert"/>
+          <p:cNvPr id="407" name="Hundert Studentis der Größe nach sortiert"/>
           <p:cNvSpPr txBox="1"/>
           <p:nvPr>
             <p:ph type="body" idx="21"/>
@@ -14965,7 +15830,7 @@
       </p:sp>
       <p:sp>
         <p:nvSpPr>
-          <p:cNvPr id="298" name="Ein kauziger Statistik-Prof läuft die Reihe ab, er ruft:…"/>
+          <p:cNvPr id="408" name="Ein kauziger Statistik-Prof läuft die Reihe ab, er ruft:…"/>
           <p:cNvSpPr txBox="1"/>
           <p:nvPr>
             <p:ph type="body" idx="22"/>
@@ -15042,20 +15907,38 @@
               <a:buNone/>
             </a:pPr>
             <a:r>
-              <a:t>Ein Quartil ist eine bestimmte Art von Quantil.</a:t>
-            </a:r>
-          </a:p>
-        </p:txBody>
-      </p:sp>
-      <p:sp>
-        <p:nvSpPr>
-          <p:cNvPr id="299" name="Quelle: Sauer, 2019, S. 106"/>
+              <a:t>Ein Quartil … </a:t>
+            </a:r>
+          </a:p>
+          <a:p>
+            <a:pPr/>
+            <a:r>
+              <a:t>ist eine bestimmte Art von Quantil</a:t>
+            </a:r>
+          </a:p>
+          <a:p>
+            <a:pPr/>
+            <a:r>
+              <a:t>verallgemeinert den Median, da der Median dem 2. Quartil entspricht</a:t>
+            </a:r>
+          </a:p>
+          <a:p>
+            <a:pPr/>
+            <a:r>
+              <a:t>entspricht dem 25. Perzentil </a:t>
+            </a:r>
+          </a:p>
+        </p:txBody>
+      </p:sp>
+      <p:sp>
+        <p:nvSpPr>
+          <p:cNvPr id="409" name="Quelle: Sauer, 2019, S. 106"/>
           <p:cNvSpPr txBox="1"/>
           <p:nvPr/>
         </p:nvSpPr>
         <p:spPr>
           <a:xfrm>
-            <a:off x="2177402" y="8740161"/>
+            <a:off x="2272493" y="8128863"/>
             <a:ext cx="2531552" cy="396749"/>
           </a:xfrm>
           <a:prstGeom prst="rect">
@@ -15085,7 +15968,7 @@
       </p:sp>
       <p:sp>
         <p:nvSpPr>
-          <p:cNvPr id="300" name="Etwa hundert Studentis stellen sich der Größe nach sortiert auf."/>
+          <p:cNvPr id="410" name="Etwa hundert Studentis stellen sich der Größe nach sortiert auf."/>
           <p:cNvSpPr txBox="1"/>
           <p:nvPr/>
         </p:nvSpPr>
@@ -15132,7 +16015,7 @@
       </p:sp>
       <p:pic>
         <p:nvPicPr>
-          <p:cNvPr id="301" name="Bild" descr="Bild"/>
+          <p:cNvPr id="411" name="Bild" descr="Bild"/>
           <p:cNvPicPr>
             <a:picLocks noChangeAspect="1"/>
           </p:cNvPicPr>
@@ -15187,7 +16070,7 @@
       </p:grpSpPr>
       <p:sp>
         <p:nvSpPr>
-          <p:cNvPr id="303" name="Foliennummer"/>
+          <p:cNvPr id="413" name="Foliennummer"/>
           <p:cNvSpPr txBox="1"/>
           <p:nvPr>
             <p:ph type="sldNum" sz="quarter" idx="2"/>
@@ -15214,7 +16097,7 @@
       </p:sp>
       <p:sp>
         <p:nvSpPr>
-          <p:cNvPr id="304" name="Der Interquartilsabstand als Maß für die Streuung"/>
+          <p:cNvPr id="414" name="Quantile"/>
           <p:cNvSpPr txBox="1"/>
           <p:nvPr>
             <p:ph type="body" idx="21"/>
@@ -15231,279 +16114,103 @@
           <a:p>
             <a:pPr/>
             <a:r>
-              <a:t>Der Interquartilsabstand als Maß für die Streuung</a:t>
-            </a:r>
-          </a:p>
-        </p:txBody>
-      </p:sp>
-      <p:sp>
-        <p:nvSpPr>
-          <p:cNvPr id="305" name="Betrachen wir zwei Länder, Equalizia und Extremistan. Im Bild sehen wir je 10 Menschen für jedes der zwei Länder.…"/>
+              <a:t>Quantile</a:t>
+            </a:r>
+          </a:p>
+        </p:txBody>
+      </p:sp>
+      <p:sp>
+        <p:nvSpPr>
+          <p:cNvPr id="415" name="Quantile sind Grenzwerte, die eine Verteilung in Bereiche gleich großer Anteile (oder Wahrscheinlichkeit) schneiden.…"/>
           <p:cNvSpPr txBox="1"/>
           <p:nvPr>
             <p:ph type="body" idx="22"/>
           </p:nvPr>
         </p:nvSpPr>
         <p:spPr>
-          <a:xfrm>
-            <a:off x="279552" y="1905000"/>
-            <a:ext cx="7553375" cy="7018064"/>
-          </a:xfrm>
-          <a:prstGeom prst="rect">
-            <a:avLst/>
-          </a:prstGeom>
-        </p:spPr>
-        <p:txBody>
-          <a:bodyPr>
-            <a:noAutofit/>
-          </a:bodyPr>
+          <a:prstGeom prst="rect">
+            <a:avLst/>
+          </a:prstGeom>
+        </p:spPr>
+        <p:txBody>
+          <a:bodyPr/>
           <a:lstStyle/>
           <a:p>
-            <a:pPr marL="317500" marR="0" indent="-317500" defTabSz="457200">
+            <a:pPr/>
+            <a:r>
+              <a:t>Quantile sind Grenzwerte, die eine Verteilung in Bereiche gleich großer Anteile (oder Wahrscheinlichkeit) schneiden.</a:t>
+            </a:r>
+          </a:p>
+          <a:p>
+            <a:pPr/>
+            <a:r>
+              <a:t>Gängige Quantile sind</a:t>
+            </a:r>
+          </a:p>
+          <a:p>
+            <a:pPr lvl="1" marL="774700" indent="-190500">
               <a:buClr>
                 <a:schemeClr val="accent5"/>
               </a:buClr>
               <a:buFont typeface="Arial"/>
               <a:buChar char="▶︎"/>
-              <a:defRPr>
-                <a:ln w="0" cap="flat">
-                  <a:solidFill>
-                    <a:srgbClr val="000000"/>
-                  </a:solidFill>
-                  <a:prstDash val="solid"/>
-                  <a:miter lim="400000"/>
-                </a:ln>
-                <a:solidFill>
-                  <a:srgbClr val="414141"/>
-                </a:solidFill>
-              </a:defRPr>
             </a:pPr>
             <a:r>
-              <a:t>Betrachen wir zwei Länder, Equalizia und Extremistan. Im Bild sehen wir je 10 Menschen für jedes der zwei Länder.</a:t>
-            </a:r>
-          </a:p>
-          <a:p>
-            <a:pPr marL="317500" marR="0" indent="-317500" defTabSz="457200">
+              <a:t>Quartile (Viertel)</a:t>
+            </a:r>
+          </a:p>
+          <a:p>
+            <a:pPr lvl="1" marL="774700" indent="-190500">
               <a:buClr>
                 <a:schemeClr val="accent5"/>
               </a:buClr>
               <a:buFont typeface="Arial"/>
               <a:buChar char="▶︎"/>
-              <a:defRPr>
-                <a:ln w="0" cap="flat">
-                  <a:solidFill>
-                    <a:srgbClr val="000000"/>
-                  </a:solidFill>
-                  <a:prstDash val="solid"/>
-                  <a:miter lim="400000"/>
-                </a:ln>
-                <a:solidFill>
-                  <a:srgbClr val="414141"/>
-                </a:solidFill>
-              </a:defRPr>
             </a:pPr>
             <a:r>
-              <a:t>Das mittlere Einkommen scheint ähnlich zu sein.</a:t>
-            </a:r>
-          </a:p>
-          <a:p>
-            <a:pPr marL="317500" marR="0" indent="-317500" defTabSz="457200">
+              <a:t>Quantile (Fünftel)</a:t>
+            </a:r>
+          </a:p>
+          <a:p>
+            <a:pPr lvl="1" marL="774700" indent="-190500">
               <a:buClr>
                 <a:schemeClr val="accent5"/>
               </a:buClr>
               <a:buFont typeface="Arial"/>
               <a:buChar char="▶︎"/>
-              <a:defRPr>
-                <a:ln w="0" cap="flat">
-                  <a:solidFill>
-                    <a:srgbClr val="000000"/>
-                  </a:solidFill>
-                  <a:prstDash val="solid"/>
-                  <a:miter lim="400000"/>
-                </a:ln>
-                <a:solidFill>
-                  <a:srgbClr val="414141"/>
-                </a:solidFill>
-              </a:defRPr>
             </a:pPr>
             <a:r>
-              <a:t>Die Streuung ist aber sehr unterschiedlich: In Equalizia verdienen die Menschen alle etwas gleich viel (kleine Streuung); in Extremistan geht die Schere zwischen arm und reich stark auf (große Streuung).</a:t>
-            </a:r>
-          </a:p>
-          <a:p>
-            <a:pPr marL="317500" marR="0" indent="-317500" defTabSz="457200">
+              <a:t>Dezile (Zehntel)</a:t>
+            </a:r>
+          </a:p>
+          <a:p>
+            <a:pPr lvl="1" marL="774700" indent="-190500">
               <a:buClr>
                 <a:schemeClr val="accent5"/>
               </a:buClr>
               <a:buFont typeface="Arial"/>
               <a:buChar char="▶︎"/>
-              <a:defRPr>
-                <a:ln w="0" cap="flat">
-                  <a:solidFill>
-                    <a:srgbClr val="000000"/>
-                  </a:solidFill>
-                  <a:prstDash val="solid"/>
-                  <a:miter lim="400000"/>
-                </a:ln>
-                <a:solidFill>
-                  <a:srgbClr val="414141"/>
-                </a:solidFill>
-              </a:defRPr>
             </a:pPr>
             <a:r>
-              <a:t>Die grün gestrichelten Linien im Bild zeigen jeweils das untere und das obere Viertel (1. bzw. 3. Quartil). </a:t>
-            </a:r>
-          </a:p>
-          <a:p>
-            <a:pPr marL="317500" marR="0" indent="-317500" defTabSz="457200">
-              <a:buClr>
-                <a:schemeClr val="accent5"/>
-              </a:buClr>
-              <a:buFont typeface="Arial"/>
-              <a:buChar char="▶︎"/>
-              <a:defRPr>
-                <a:ln w="0" cap="flat">
-                  <a:solidFill>
-                    <a:srgbClr val="000000"/>
-                  </a:solidFill>
-                  <a:prstDash val="solid"/>
-                  <a:miter lim="400000"/>
-                </a:ln>
-                <a:solidFill>
-                  <a:srgbClr val="414141"/>
-                </a:solidFill>
-              </a:defRPr>
-            </a:pPr>
-            <a:r>
-              <a:t>In Equalizia verdient das untere Viertel also höchstens ca. 40 Geldeinheiten; in Extremistan nur ca. 23 GE. Dafür ist das obere Viertel in Extremistan sehr reich; in Equalizia ist das obere Viertel hingen vergleichsweise nah am unteren Viertel.</a:t>
-            </a:r>
-          </a:p>
-          <a:p>
-            <a:pPr marL="317500" marR="0" indent="-317500" defTabSz="457200">
-              <a:buClr>
-                <a:schemeClr val="accent5"/>
-              </a:buClr>
-              <a:buFont typeface="Arial"/>
-              <a:buChar char="▶︎"/>
-              <a:defRPr>
-                <a:ln w="0" cap="flat">
-                  <a:solidFill>
-                    <a:srgbClr val="000000"/>
-                  </a:solidFill>
-                  <a:prstDash val="solid"/>
-                  <a:miter lim="400000"/>
-                </a:ln>
-                <a:solidFill>
-                  <a:srgbClr val="414141"/>
-                </a:solidFill>
-              </a:defRPr>
-            </a:pPr>
-            <a:r>
-              <a:t>Diese Differenz Q3-Q1 bezeichnet man als Interquartilsabstand (engl. inter quartile range; IQR); der IQR ist ein Maß für die Streuung.</a:t>
-            </a:r>
-          </a:p>
-          <a:p>
-            <a:pPr marL="317500" marR="0" indent="-317500" defTabSz="457200">
-              <a:buClr>
-                <a:schemeClr val="accent5"/>
-              </a:buClr>
-              <a:buFont typeface="Arial"/>
-              <a:buChar char="▶︎"/>
-              <a:defRPr>
-                <a:ln w="0" cap="flat">
-                  <a:solidFill>
-                    <a:srgbClr val="000000"/>
-                  </a:solidFill>
-                  <a:prstDash val="solid"/>
-                  <a:miter lim="400000"/>
-                </a:ln>
-                <a:solidFill>
-                  <a:srgbClr val="414141"/>
-                </a:solidFill>
-              </a:defRPr>
-            </a:pPr>
-            <a:r>
-              <a:t>Beachten Sie, dass die Extremwerte (die reichsten und ärmsten Menschen) keinen Einfluss auf die Berechnung des IRQ haben! Daher bezeichnet man den IQR als "robust".</a:t>
-            </a:r>
-          </a:p>
-        </p:txBody>
-      </p:sp>
-      <p:pic>
-        <p:nvPicPr>
-          <p:cNvPr id="306" name="Bild" descr="Bild"/>
-          <p:cNvPicPr>
-            <a:picLocks noChangeAspect="1"/>
-          </p:cNvPicPr>
-          <p:nvPr/>
-        </p:nvPicPr>
-        <p:blipFill>
-          <a:blip r:embed="rId3">
-            <a:extLst/>
-          </a:blip>
-          <a:stretch>
-            <a:fillRect/>
-          </a:stretch>
-        </p:blipFill>
-        <p:spPr>
-          <a:xfrm>
-            <a:off x="9200954" y="1381759"/>
-            <a:ext cx="3650321" cy="7300640"/>
-          </a:xfrm>
-          <a:prstGeom prst="rect">
-            <a:avLst/>
-          </a:prstGeom>
-          <a:ln w="12700">
-            <a:miter lim="400000"/>
-          </a:ln>
-        </p:spPr>
-      </p:pic>
-      <p:sp>
-        <p:nvSpPr>
-          <p:cNvPr id="307" name="Wo möchten Sie lieber leben?"/>
-          <p:cNvSpPr txBox="1"/>
-          <p:nvPr/>
-        </p:nvSpPr>
-        <p:spPr>
-          <a:xfrm>
-            <a:off x="9819764" y="8574773"/>
-            <a:ext cx="2850032" cy="371349"/>
-          </a:xfrm>
-          <a:prstGeom prst="rect">
-            <a:avLst/>
-          </a:prstGeom>
-          <a:ln w="12700">
-            <a:miter lim="400000"/>
-          </a:ln>
-          <a:extLst>
-            <a:ext uri="{C572A759-6A51-4108-AA02-DFA0A04FC94B}">
-              <ma14:wrappingTextBoxFlag xmlns:ma14="http://schemas.microsoft.com/office/mac/drawingml/2011/main" val="1"/>
-            </a:ext>
-          </a:extLst>
-        </p:spPr>
-        <p:txBody>
-          <a:bodyPr wrap="none" lIns="65023" tIns="65023" rIns="65023" bIns="65023">
-            <a:spAutoFit/>
-          </a:bodyPr>
-          <a:lstStyle>
-            <a:lvl1pPr>
-              <a:spcBef>
-                <a:spcPts val="800"/>
-              </a:spcBef>
-              <a:defRPr sz="1600">
-                <a:solidFill>
-                  <a:srgbClr val="000000"/>
-                </a:solidFill>
-                <a:latin typeface="Helvetica"/>
-                <a:ea typeface="Helvetica"/>
-                <a:cs typeface="Helvetica"/>
-                <a:sym typeface="Helvetica"/>
-              </a:defRPr>
-            </a:lvl1pPr>
-          </a:lstStyle>
+              <a:t>Perzentile (Hundertstel)</a:t>
+            </a:r>
+          </a:p>
           <a:p>
             <a:pPr/>
             <a:r>
-              <a:t>Wo möchten Sie lieber leben?</a:t>
+              <a:t>Ein Quantil ist also ein Oberbegriff für die Aufteilung einer Verteilung in eine bestimmte Anzahl an Bereichen gleicher Größe.</a:t>
+            </a:r>
+          </a:p>
+          <a:p>
+            <a:pPr/>
+            <a:r>
+              <a:t>Allgemein ist das p-Quantil definiert, als der Wert, für den gilt, dass er von p Prozent der Beobachtungen (oder, synonym, mit p Prozent Wahrscheinlichkeit) nicht überschritten wird.</a:t>
+            </a:r>
+          </a:p>
+          <a:p>
+            <a:pPr/>
+            <a:r>
+              <a:t>Die Quantilsfunktion q(p) gibt für eine gegebene Wahrscheinlichkeit p aus, welcher Wert q mit dieser Wahrscheinlichkeit nicht überschritten wird.</a:t>
             </a:r>
           </a:p>
         </p:txBody>
@@ -15536,7 +16243,7 @@
       </p:grpSpPr>
       <p:sp>
         <p:nvSpPr>
-          <p:cNvPr id="311" name="Foliennummer"/>
+          <p:cNvPr id="417" name="Foliennummer"/>
           <p:cNvSpPr txBox="1"/>
           <p:nvPr>
             <p:ph type="sldNum" sz="quarter" idx="2"/>
@@ -15563,7 +16270,7 @@
       </p:sp>
       <p:sp>
         <p:nvSpPr>
-          <p:cNvPr id="312" name="Quantile"/>
+          <p:cNvPr id="418" name="Der Interquartilsabstand als Maß für die Streuung"/>
           <p:cNvSpPr txBox="1"/>
           <p:nvPr>
             <p:ph type="body" idx="21"/>
@@ -15580,97 +16287,279 @@
           <a:p>
             <a:pPr/>
             <a:r>
-              <a:t>Quantile</a:t>
-            </a:r>
-          </a:p>
-        </p:txBody>
-      </p:sp>
-      <p:sp>
-        <p:nvSpPr>
-          <p:cNvPr id="313" name="Quantile sind Grenzwerte, die eine Verteilung in Bereiche gleich großer Anteile (oder Wahrscheinlichkeit) schneiden.…"/>
+              <a:t>Der Interquartilsabstand als Maß für die Streuung</a:t>
+            </a:r>
+          </a:p>
+        </p:txBody>
+      </p:sp>
+      <p:sp>
+        <p:nvSpPr>
+          <p:cNvPr id="419" name="Betrachen wir zwei Länder, Equalizia und Extremistan. Im Bild sehen wir je 10 Menschen für jedes der zwei Länder.…"/>
           <p:cNvSpPr txBox="1"/>
           <p:nvPr>
             <p:ph type="body" idx="22"/>
           </p:nvPr>
         </p:nvSpPr>
         <p:spPr>
-          <a:prstGeom prst="rect">
-            <a:avLst/>
-          </a:prstGeom>
-        </p:spPr>
-        <p:txBody>
-          <a:bodyPr/>
+          <a:xfrm>
+            <a:off x="279552" y="1905000"/>
+            <a:ext cx="7553375" cy="7018064"/>
+          </a:xfrm>
+          <a:prstGeom prst="rect">
+            <a:avLst/>
+          </a:prstGeom>
+        </p:spPr>
+        <p:txBody>
+          <a:bodyPr>
+            <a:noAutofit/>
+          </a:bodyPr>
           <a:lstStyle/>
           <a:p>
-            <a:pPr/>
-            <a:r>
-              <a:t>Quantile sind Grenzwerte, die eine Verteilung in Bereiche gleich großer Anteile (oder Wahrscheinlichkeit) schneiden.</a:t>
-            </a:r>
-          </a:p>
-          <a:p>
-            <a:pPr/>
-            <a:r>
-              <a:t>Gängige Quantile sind</a:t>
-            </a:r>
-          </a:p>
-          <a:p>
-            <a:pPr lvl="1" marL="774700" indent="-190500">
+            <a:pPr marL="317500" marR="0" indent="-317500" defTabSz="457200">
               <a:buClr>
                 <a:schemeClr val="accent5"/>
               </a:buClr>
               <a:buFont typeface="Arial"/>
               <a:buChar char="▶︎"/>
+              <a:defRPr>
+                <a:ln w="0" cap="flat">
+                  <a:solidFill>
+                    <a:srgbClr val="000000"/>
+                  </a:solidFill>
+                  <a:prstDash val="solid"/>
+                  <a:miter lim="400000"/>
+                </a:ln>
+                <a:solidFill>
+                  <a:srgbClr val="414141"/>
+                </a:solidFill>
+              </a:defRPr>
             </a:pPr>
             <a:r>
-              <a:t>Quartile (Viertel)</a:t>
-            </a:r>
-          </a:p>
-          <a:p>
-            <a:pPr lvl="1" marL="774700" indent="-190500">
+              <a:t>Betrachen wir zwei Länder, Equalizia und Extremistan. Im Bild sehen wir je 10 Menschen für jedes der zwei Länder.</a:t>
+            </a:r>
+          </a:p>
+          <a:p>
+            <a:pPr marL="317500" marR="0" indent="-317500" defTabSz="457200">
               <a:buClr>
                 <a:schemeClr val="accent5"/>
               </a:buClr>
               <a:buFont typeface="Arial"/>
               <a:buChar char="▶︎"/>
+              <a:defRPr>
+                <a:ln w="0" cap="flat">
+                  <a:solidFill>
+                    <a:srgbClr val="000000"/>
+                  </a:solidFill>
+                  <a:prstDash val="solid"/>
+                  <a:miter lim="400000"/>
+                </a:ln>
+                <a:solidFill>
+                  <a:srgbClr val="414141"/>
+                </a:solidFill>
+              </a:defRPr>
             </a:pPr>
             <a:r>
-              <a:t>Quantile (Fünftel)</a:t>
-            </a:r>
-          </a:p>
-          <a:p>
-            <a:pPr lvl="1" marL="774700" indent="-190500">
+              <a:t>Das mittlere Einkommen scheint ähnlich zu sein.</a:t>
+            </a:r>
+          </a:p>
+          <a:p>
+            <a:pPr marL="317500" marR="0" indent="-317500" defTabSz="457200">
               <a:buClr>
                 <a:schemeClr val="accent5"/>
               </a:buClr>
               <a:buFont typeface="Arial"/>
               <a:buChar char="▶︎"/>
+              <a:defRPr>
+                <a:ln w="0" cap="flat">
+                  <a:solidFill>
+                    <a:srgbClr val="000000"/>
+                  </a:solidFill>
+                  <a:prstDash val="solid"/>
+                  <a:miter lim="400000"/>
+                </a:ln>
+                <a:solidFill>
+                  <a:srgbClr val="414141"/>
+                </a:solidFill>
+              </a:defRPr>
             </a:pPr>
             <a:r>
-              <a:t>Dezile (Zehntel)</a:t>
-            </a:r>
-          </a:p>
-          <a:p>
-            <a:pPr lvl="1" marL="774700" indent="-190500">
+              <a:t>Die Streuung ist aber sehr unterschiedlich: In Equalizia verdienen die Menschen alle etwas gleich viel (kleine Streuung); in Extremistan geht die Schere zwischen arm und reich stark auf (große Streuung).</a:t>
+            </a:r>
+          </a:p>
+          <a:p>
+            <a:pPr marL="317500" marR="0" indent="-317500" defTabSz="457200">
               <a:buClr>
                 <a:schemeClr val="accent5"/>
               </a:buClr>
               <a:buFont typeface="Arial"/>
               <a:buChar char="▶︎"/>
+              <a:defRPr>
+                <a:ln w="0" cap="flat">
+                  <a:solidFill>
+                    <a:srgbClr val="000000"/>
+                  </a:solidFill>
+                  <a:prstDash val="solid"/>
+                  <a:miter lim="400000"/>
+                </a:ln>
+                <a:solidFill>
+                  <a:srgbClr val="414141"/>
+                </a:solidFill>
+              </a:defRPr>
             </a:pPr>
             <a:r>
-              <a:t>Perzentile (Hundertstel)</a:t>
-            </a:r>
-          </a:p>
+              <a:t>Die grün gestrichelten Linien im Bild zeigen jeweils das untere und das obere Viertel (1. bzw. 3. Quartil). </a:t>
+            </a:r>
+          </a:p>
+          <a:p>
+            <a:pPr marL="317500" marR="0" indent="-317500" defTabSz="457200">
+              <a:buClr>
+                <a:schemeClr val="accent5"/>
+              </a:buClr>
+              <a:buFont typeface="Arial"/>
+              <a:buChar char="▶︎"/>
+              <a:defRPr>
+                <a:ln w="0" cap="flat">
+                  <a:solidFill>
+                    <a:srgbClr val="000000"/>
+                  </a:solidFill>
+                  <a:prstDash val="solid"/>
+                  <a:miter lim="400000"/>
+                </a:ln>
+                <a:solidFill>
+                  <a:srgbClr val="414141"/>
+                </a:solidFill>
+              </a:defRPr>
+            </a:pPr>
+            <a:r>
+              <a:t>In Equalizia verdient das untere Viertel also höchstens ca. 40 Geldeinheiten; in Extremistan nur ca. 23 GE. Dafür ist das obere Viertel in Extremistan sehr reich; in Equalizia ist das obere Viertel hingen vergleichsweise nah am unteren Viertel.</a:t>
+            </a:r>
+          </a:p>
+          <a:p>
+            <a:pPr marL="317500" marR="0" indent="-317500" defTabSz="457200">
+              <a:buClr>
+                <a:schemeClr val="accent5"/>
+              </a:buClr>
+              <a:buFont typeface="Arial"/>
+              <a:buChar char="▶︎"/>
+              <a:defRPr>
+                <a:ln w="0" cap="flat">
+                  <a:solidFill>
+                    <a:srgbClr val="000000"/>
+                  </a:solidFill>
+                  <a:prstDash val="solid"/>
+                  <a:miter lim="400000"/>
+                </a:ln>
+                <a:solidFill>
+                  <a:srgbClr val="414141"/>
+                </a:solidFill>
+              </a:defRPr>
+            </a:pPr>
+            <a:r>
+              <a:t>Diese Differenz Q3-Q1 bezeichnet man als Interquartilsabstand (engl. inter quartile range; IQR); der IQR ist ein Maß für die Streuung.</a:t>
+            </a:r>
+          </a:p>
+          <a:p>
+            <a:pPr marL="317500" marR="0" indent="-317500" defTabSz="457200">
+              <a:buClr>
+                <a:schemeClr val="accent5"/>
+              </a:buClr>
+              <a:buFont typeface="Arial"/>
+              <a:buChar char="▶︎"/>
+              <a:defRPr>
+                <a:ln w="0" cap="flat">
+                  <a:solidFill>
+                    <a:srgbClr val="000000"/>
+                  </a:solidFill>
+                  <a:prstDash val="solid"/>
+                  <a:miter lim="400000"/>
+                </a:ln>
+                <a:solidFill>
+                  <a:srgbClr val="414141"/>
+                </a:solidFill>
+              </a:defRPr>
+            </a:pPr>
+            <a:r>
+              <a:t>Beachten Sie, dass die Extremwerte (die reichsten und ärmsten Menschen) keinen Einfluss auf die Berechnung des IRQ haben! Daher bezeichnet man den IQR als "robust".</a:t>
+            </a:r>
+          </a:p>
+        </p:txBody>
+      </p:sp>
+      <p:pic>
+        <p:nvPicPr>
+          <p:cNvPr id="420" name="Bild" descr="Bild"/>
+          <p:cNvPicPr>
+            <a:picLocks noChangeAspect="1"/>
+          </p:cNvPicPr>
+          <p:nvPr/>
+        </p:nvPicPr>
+        <p:blipFill>
+          <a:blip r:embed="rId3">
+            <a:extLst/>
+          </a:blip>
+          <a:stretch>
+            <a:fillRect/>
+          </a:stretch>
+        </p:blipFill>
+        <p:spPr>
+          <a:xfrm>
+            <a:off x="9200954" y="1381759"/>
+            <a:ext cx="3650321" cy="7300640"/>
+          </a:xfrm>
+          <a:prstGeom prst="rect">
+            <a:avLst/>
+          </a:prstGeom>
+          <a:ln w="12700">
+            <a:miter lim="400000"/>
+          </a:ln>
+        </p:spPr>
+      </p:pic>
+      <p:sp>
+        <p:nvSpPr>
+          <p:cNvPr id="421" name="Wo möchten Sie lieber leben?"/>
+          <p:cNvSpPr txBox="1"/>
+          <p:nvPr/>
+        </p:nvSpPr>
+        <p:spPr>
+          <a:xfrm>
+            <a:off x="9819764" y="8574773"/>
+            <a:ext cx="2850032" cy="371349"/>
+          </a:xfrm>
+          <a:prstGeom prst="rect">
+            <a:avLst/>
+          </a:prstGeom>
+          <a:ln w="12700">
+            <a:miter lim="400000"/>
+          </a:ln>
+          <a:extLst>
+            <a:ext uri="{C572A759-6A51-4108-AA02-DFA0A04FC94B}">
+              <ma14:wrappingTextBoxFlag xmlns:ma14="http://schemas.microsoft.com/office/mac/drawingml/2011/main" val="1"/>
+            </a:ext>
+          </a:extLst>
+        </p:spPr>
+        <p:txBody>
+          <a:bodyPr wrap="none" lIns="65023" tIns="65023" rIns="65023" bIns="65023">
+            <a:spAutoFit/>
+          </a:bodyPr>
+          <a:lstStyle>
+            <a:lvl1pPr>
+              <a:spcBef>
+                <a:spcPts val="800"/>
+              </a:spcBef>
+              <a:defRPr sz="1600">
+                <a:solidFill>
+                  <a:srgbClr val="000000"/>
+                </a:solidFill>
+                <a:latin typeface="Helvetica"/>
+                <a:ea typeface="Helvetica"/>
+                <a:cs typeface="Helvetica"/>
+                <a:sym typeface="Helvetica"/>
+              </a:defRPr>
+            </a:lvl1pPr>
+          </a:lstStyle>
           <a:p>
             <a:pPr/>
             <a:r>
-              <a:t>Allgemein ist das p-Quantil definiert, als der Wert, für den gilt, dass er von p Prozent der Beobachtungen (oder, synonym, mit p Prozent Wahrscheinlichkeit) nicht überschritten wird.</a:t>
-            </a:r>
-          </a:p>
-          <a:p>
-            <a:pPr/>
-            <a:r>
-              <a:t>Die Quantilsfunktion q(p) gibt für eine gegebene Wahrscheinlichkeit p aus, welcher Wert q mit dieser Wahrscheinlichkeit nicht überschritten wird.</a:t>
+              <a:t>Wo möchten Sie lieber leben?</a:t>
             </a:r>
           </a:p>
         </p:txBody>
@@ -15703,7 +16592,7 @@
       </p:grpSpPr>
       <p:sp>
         <p:nvSpPr>
-          <p:cNvPr id="315" name="Foliennummer"/>
+          <p:cNvPr id="425" name="Foliennummer"/>
           <p:cNvSpPr txBox="1"/>
           <p:nvPr>
             <p:ph type="sldNum" sz="quarter" idx="2"/>
@@ -15730,7 +16619,7 @@
       </p:sp>
       <p:sp>
         <p:nvSpPr>
-          <p:cNvPr id="316" name="Dezile der deutschen Vermögensverteilung"/>
+          <p:cNvPr id="426" name="Dezile der deutschen Vermögensverteilung"/>
           <p:cNvSpPr txBox="1"/>
           <p:nvPr>
             <p:ph type="body" idx="21"/>
@@ -15754,7 +16643,7 @@
       </p:sp>
       <p:pic>
         <p:nvPicPr>
-          <p:cNvPr id="317" name="Bild" descr="Bild"/>
+          <p:cNvPr id="427" name="Bild" descr="Bild"/>
           <p:cNvPicPr>
             <a:picLocks noChangeAspect="1"/>
           </p:cNvPicPr>
@@ -15783,13 +16672,13 @@
       </p:pic>
       <p:sp>
         <p:nvSpPr>
-          <p:cNvPr id="318" name="Quelle: SOEP zitiert nach Wikipedia"/>
+          <p:cNvPr id="428" name="Quelle: SOEP zitiert nach Wikipedia"/>
           <p:cNvSpPr txBox="1"/>
           <p:nvPr/>
         </p:nvSpPr>
         <p:spPr>
           <a:xfrm>
-            <a:off x="1512224" y="8876005"/>
+            <a:off x="1512224" y="8876006"/>
             <a:ext cx="3355650" cy="396749"/>
           </a:xfrm>
           <a:prstGeom prst="rect">
@@ -15877,7 +16766,7 @@
       </p:grpSpPr>
       <p:sp>
         <p:nvSpPr>
-          <p:cNvPr id="320" name="Foliennummer"/>
+          <p:cNvPr id="430" name="Foliennummer"/>
           <p:cNvSpPr txBox="1"/>
           <p:nvPr>
             <p:ph type="sldNum" sz="quarter" idx="2"/>
@@ -15904,7 +16793,7 @@
       </p:sp>
       <p:sp>
         <p:nvSpPr>
-          <p:cNvPr id="321" name="Verteilungsfunktion"/>
+          <p:cNvPr id="431" name="Quantilfunktion vs. Verteilungsfunktion"/>
           <p:cNvSpPr txBox="1"/>
           <p:nvPr>
             <p:ph type="body" idx="21"/>
@@ -15921,51 +16810,43 @@
           <a:p>
             <a:pPr/>
             <a:r>
-              <a:t>Verteilungsfunktion</a:t>
-            </a:r>
-          </a:p>
-        </p:txBody>
-      </p:sp>
-      <p:sp>
-        <p:nvSpPr>
-          <p:cNvPr id="322" name="Die empirische Verteilungsfunktion F(x) gibt an, welcher Anteil der Beobachtungen kleiner oder gleich x sind.…"/>
-          <p:cNvSpPr txBox="1"/>
-          <p:nvPr>
-            <p:ph type="body" idx="22"/>
-          </p:nvPr>
-        </p:nvSpPr>
-        <p:spPr>
-          <a:prstGeom prst="rect">
-            <a:avLst/>
-          </a:prstGeom>
-        </p:spPr>
-        <p:txBody>
-          <a:bodyPr/>
-          <a:lstStyle/>
-          <a:p>
-            <a:pPr/>
-            <a:r>
-              <a:t>Die empirische Verteilungsfunktion F(x) gibt an, welcher Anteil der Beobachtungen kleiner oder gleich </a:t>
-            </a:r>
-            <a:r>
-              <a:rPr i="1"/>
-              <a:t>x </a:t>
-            </a:r>
-            <a:r>
-              <a:t>sind.</a:t>
-            </a:r>
-          </a:p>
-          <a:p>
-            <a:pPr/>
-            <a:r>
-              <a:t>Sie sagt aus, wie wahrscheinlich es ist, einen Wert kleiner oder gleich x zu beobachten.</a:t>
+              <a:t>Quantilfunktion vs. Verteilungsfunktion</a:t>
             </a:r>
           </a:p>
         </p:txBody>
       </p:sp>
       <p:pic>
         <p:nvPicPr>
-          <p:cNvPr id="323" name="Bild" descr="Bild"/>
+          <p:cNvPr id="432" name="Bild" descr="Bild"/>
+          <p:cNvPicPr>
+            <a:picLocks noChangeAspect="1"/>
+          </p:cNvPicPr>
+          <p:nvPr/>
+        </p:nvPicPr>
+        <p:blipFill>
+          <a:blip r:embed="rId2">
+            <a:extLst/>
+          </a:blip>
+          <a:stretch>
+            <a:fillRect/>
+          </a:stretch>
+        </p:blipFill>
+        <p:spPr>
+          <a:xfrm>
+            <a:off x="-9728" y="3325505"/>
+            <a:ext cx="13024256" cy="1424920"/>
+          </a:xfrm>
+          <a:prstGeom prst="rect">
+            <a:avLst/>
+          </a:prstGeom>
+          <a:ln w="12700">
+            <a:miter lim="400000"/>
+          </a:ln>
+        </p:spPr>
+      </p:pic>
+      <p:pic>
+        <p:nvPicPr>
+          <p:cNvPr id="433" name="q-fun.png" descr="q-fun.png"/>
           <p:cNvPicPr>
             <a:picLocks noChangeAspect="1"/>
           </p:cNvPicPr>
@@ -15981,8 +16862,8 @@
         </p:blipFill>
         <p:spPr>
           <a:xfrm>
-            <a:off x="179054" y="3409007"/>
-            <a:ext cx="6048885" cy="4339418"/>
+            <a:off x="-122260" y="5818506"/>
+            <a:ext cx="13004801" cy="1485519"/>
           </a:xfrm>
           <a:prstGeom prst="rect">
             <a:avLst/>
@@ -15992,210 +16873,6 @@
           </a:ln>
         </p:spPr>
       </p:pic>
-      <p:sp>
-        <p:nvSpPr>
-          <p:cNvPr id="324" name="Verteilungsfunktion einer Normalverteilung  (MW = 0, SD = 1)"/>
-          <p:cNvSpPr txBox="1"/>
-          <p:nvPr/>
-        </p:nvSpPr>
-        <p:spPr>
-          <a:xfrm>
-            <a:off x="1172614" y="2436999"/>
-            <a:ext cx="4061765" cy="663449"/>
-          </a:xfrm>
-          <a:prstGeom prst="rect">
-            <a:avLst/>
-          </a:prstGeom>
-          <a:ln w="12700">
-            <a:miter lim="400000"/>
-          </a:ln>
-          <a:extLst>
-            <a:ext uri="{C572A759-6A51-4108-AA02-DFA0A04FC94B}">
-              <ma14:wrappingTextBoxFlag xmlns:ma14="http://schemas.microsoft.com/office/mac/drawingml/2011/main" val="1"/>
-            </a:ext>
-          </a:extLst>
-        </p:spPr>
-        <p:txBody>
-          <a:bodyPr wrap="none" lIns="65023" tIns="65023" rIns="65023" bIns="65023">
-            <a:spAutoFit/>
-          </a:bodyPr>
-          <a:lstStyle/>
-          <a:p>
-            <a:pPr algn="ctr"/>
-            <a:r>
-              <a:t>Verteilungsfunktion einer Normalverteilung </a:t>
-            </a:r>
-            <a:br/>
-            <a:r>
-              <a:t>(MW = 0, SD = 1)</a:t>
-            </a:r>
-          </a:p>
-        </p:txBody>
-      </p:sp>
-      <p:sp>
-        <p:nvSpPr>
-          <p:cNvPr id="325" name="Gleichung"/>
-          <p:cNvSpPr txBox="1"/>
-          <p:nvPr/>
-        </p:nvSpPr>
-        <p:spPr>
-          <a:xfrm>
-            <a:off x="7062578" y="4197775"/>
-            <a:ext cx="4797580" cy="731063"/>
-          </a:xfrm>
-          <a:prstGeom prst="rect">
-            <a:avLst/>
-          </a:prstGeom>
-          <a:ln w="12700">
-            <a:miter lim="400000"/>
-          </a:ln>
-        </p:spPr>
-        <p:txBody>
-          <a:bodyPr wrap="none" lIns="0" tIns="0" rIns="0" bIns="0">
-            <a:spAutoFit/>
-          </a:bodyPr>
-          <a:lstStyle/>
-          <a:p>
-            <a:pPr latinLnBrk="1">
-              <a:defRPr>
-                <a:solidFill>
-                  <a:srgbClr val="000000"/>
-                </a:solidFill>
-              </a:defRPr>
-            </a:pPr>
-            <a14:m>
-              <m:oMathPara>
-                <m:oMathParaPr>
-                  <m:jc m:val="centerGroup"/>
-                </m:oMathParaPr>
-                <m:oMath>
-                  <m:sSub>
-                    <m:e>
-                      <m:r>
-                        <a:rPr xmlns:a="http://schemas.openxmlformats.org/drawingml/2006/main" sz="2600" i="1">
-                          <a:solidFill>
-                            <a:srgbClr val="262626"/>
-                          </a:solidFill>
-                          <a:latin typeface="Cambria Math" panose="02040503050406030204" pitchFamily="18" charset="0"/>
-                        </a:rPr>
-                        <m:t>F</m:t>
-                      </m:r>
-                    </m:e>
-                    <m:sub>
-                      <m:r>
-                        <a:rPr xmlns:a="http://schemas.openxmlformats.org/drawingml/2006/main" sz="2600" i="1">
-                          <a:solidFill>
-                            <a:srgbClr val="262626"/>
-                          </a:solidFill>
-                          <a:latin typeface="Cambria Math" panose="02040503050406030204" pitchFamily="18" charset="0"/>
-                        </a:rPr>
-                        <m:t>n</m:t>
-                      </m:r>
-                    </m:sub>
-                  </m:sSub>
-                  <m:r>
-                    <a:rPr xmlns:a="http://schemas.openxmlformats.org/drawingml/2006/main" sz="2600" i="1">
-                      <a:solidFill>
-                        <a:srgbClr val="262626"/>
-                      </a:solidFill>
-                      <a:latin typeface="Cambria Math" panose="02040503050406030204" pitchFamily="18" charset="0"/>
-                    </a:rPr>
-                    <m:t>(</m:t>
-                  </m:r>
-                  <m:r>
-                    <a:rPr xmlns:a="http://schemas.openxmlformats.org/drawingml/2006/main" sz="2600" i="1">
-                      <a:solidFill>
-                        <a:srgbClr val="262626"/>
-                      </a:solidFill>
-                      <a:latin typeface="Cambria Math" panose="02040503050406030204" pitchFamily="18" charset="0"/>
-                    </a:rPr>
-                    <m:t>X</m:t>
-                  </m:r>
-                  <m:r>
-                    <a:rPr xmlns:a="http://schemas.openxmlformats.org/drawingml/2006/main" sz="2600" i="1">
-                      <a:solidFill>
-                        <a:srgbClr val="262626"/>
-                      </a:solidFill>
-                      <a:latin typeface="Cambria Math" panose="02040503050406030204" pitchFamily="18" charset="0"/>
-                    </a:rPr>
-                    <m:t>)</m:t>
-                  </m:r>
-                  <m:r>
-                    <a:rPr xmlns:a="http://schemas.openxmlformats.org/drawingml/2006/main" sz="2600" i="1">
-                      <a:solidFill>
-                        <a:srgbClr val="262626"/>
-                      </a:solidFill>
-                      <a:latin typeface="Cambria Math" panose="02040503050406030204" pitchFamily="18" charset="0"/>
-                    </a:rPr>
-                    <m:t>=</m:t>
-                  </m:r>
-                  <m:f>
-                    <m:fPr>
-                      <m:ctrlPr>
-                        <a:rPr xmlns:a="http://schemas.openxmlformats.org/drawingml/2006/main" sz="2600" i="1">
-                          <a:solidFill>
-                            <a:srgbClr val="262626"/>
-                          </a:solidFill>
-                          <a:latin typeface="Cambria Math" panose="02040503050406030204" pitchFamily="18" charset="0"/>
-                        </a:rPr>
-                      </m:ctrlPr>
-                      <m:type m:val="bar"/>
-                    </m:fPr>
-                    <m:num>
-                      <m:r>
-                        <m:rPr>
-                          <m:nor/>
-                        </m:rPr>
-                        <a:rPr xmlns:a="http://schemas.openxmlformats.org/drawingml/2006/main" sz="2600" i="1">
-                          <a:solidFill>
-                            <a:srgbClr val="262626"/>
-                          </a:solidFill>
-                          <a:latin typeface="Cambria Math" panose="02040503050406030204" pitchFamily="18" charset="0"/>
-                        </a:rPr>
-                        <m:t>Anzahl Beobachtungen</m:t>
-                      </m:r>
-                      <m:r>
-                        <a:rPr xmlns:a="http://schemas.openxmlformats.org/drawingml/2006/main" sz="2600" i="1">
-                          <a:solidFill>
-                            <a:srgbClr val="262626"/>
-                          </a:solidFill>
-                          <a:latin typeface="Cambria Math" panose="02040503050406030204" pitchFamily="18" charset="0"/>
-                        </a:rPr>
-                        <m:t>≤</m:t>
-                      </m:r>
-                      <m:r>
-                        <a:rPr xmlns:a="http://schemas.openxmlformats.org/drawingml/2006/main" sz="2600" i="1">
-                          <a:solidFill>
-                            <a:srgbClr val="262626"/>
-                          </a:solidFill>
-                          <a:latin typeface="Cambria Math" panose="02040503050406030204" pitchFamily="18" charset="0"/>
-                        </a:rPr>
-                        <m:t>x</m:t>
-                      </m:r>
-                    </m:num>
-                    <m:den>
-                      <m:r>
-                        <a:rPr xmlns:a="http://schemas.openxmlformats.org/drawingml/2006/main" sz="2600" i="1">
-                          <a:solidFill>
-                            <a:srgbClr val="262626"/>
-                          </a:solidFill>
-                          <a:latin typeface="Cambria Math" panose="02040503050406030204" pitchFamily="18" charset="0"/>
-                        </a:rPr>
-                        <m:t>n</m:t>
-                      </m:r>
-                    </m:den>
-                  </m:f>
-                </m:oMath>
-              </m:oMathPara>
-            </a14:m>
-            <a:endParaRPr sz="2600">
-              <a:solidFill>
-                <a:srgbClr val="262626"/>
-              </a:solidFill>
-            </a:endParaRPr>
-          </a:p>
-        </p:txBody>
-      </p:sp>
     </p:spTree>
   </p:cSld>
   <p:clrMapOvr>
@@ -16224,7 +16901,7 @@
       </p:grpSpPr>
       <p:sp>
         <p:nvSpPr>
-          <p:cNvPr id="329" name="Foliennummer"/>
+          <p:cNvPr id="435" name="Foliennummer"/>
           <p:cNvSpPr txBox="1"/>
           <p:nvPr>
             <p:ph type="sldNum" sz="quarter" idx="2"/>
@@ -16251,7 +16928,7 @@
       </p:sp>
       <p:sp>
         <p:nvSpPr>
-          <p:cNvPr id="330" name="Quantilfunktion vs. Verteilungsfunktion"/>
+          <p:cNvPr id="436" name="Normalverteilung"/>
           <p:cNvSpPr txBox="1"/>
           <p:nvPr>
             <p:ph type="body" idx="21"/>
@@ -16268,14 +16945,107 @@
           <a:p>
             <a:pPr/>
             <a:r>
-              <a:t>Quantilfunktion vs. Verteilungsfunktion</a:t>
+              <a:t>Normalverteilung</a:t>
+            </a:r>
+          </a:p>
+        </p:txBody>
+      </p:sp>
+      <p:sp>
+        <p:nvSpPr>
+          <p:cNvPr id="437" name="Die Normalverteilung ist eine Verteilung mit folgenden Eigenschaften:…"/>
+          <p:cNvSpPr txBox="1"/>
+          <p:nvPr>
+            <p:ph type="body" idx="22"/>
+          </p:nvPr>
+        </p:nvSpPr>
+        <p:spPr>
+          <a:xfrm>
+            <a:off x="282297" y="1905000"/>
+            <a:ext cx="7377661" cy="7648205"/>
+          </a:xfrm>
+          <a:prstGeom prst="rect">
+            <a:avLst/>
+          </a:prstGeom>
+        </p:spPr>
+        <p:txBody>
+          <a:bodyPr/>
+          <a:lstStyle/>
+          <a:p>
+            <a:pPr marL="127000" indent="0">
+              <a:buClrTx/>
+              <a:buSzTx/>
+              <a:buFontTx/>
+              <a:buNone/>
+            </a:pPr>
+            <a:r>
+              <a:t>Die Normalverteilung ist eine Verteilung mit folgenden Eigenschaften:</a:t>
+            </a:r>
+          </a:p>
+          <a:p>
+            <a:pPr/>
+            <a:r>
+              <a:t>Die Daten verteilen sich symmetrisch um das Zentrum aller Werte.</a:t>
+            </a:r>
+          </a:p>
+          <a:p>
+            <a:pPr/>
+            <a:r>
+              <a:t>Die Form erinnert an eine Glocke.</a:t>
+            </a:r>
+          </a:p>
+          <a:p>
+            <a:pPr/>
+            <a:r>
+              <a:t>Mittelwert = Median = Modus</a:t>
+            </a:r>
+          </a:p>
+          <a:p>
+            <a:pPr/>
+            <a:r>
+              <a:t>Normalverteilungen sind durch zwei Größen komplett determiniert: Mittelwert (µ) und Standardabweichung (sd).</a:t>
+            </a:r>
+          </a:p>
+          <a:p>
+            <a:pPr/>
+            <a:r>
+              <a:t>Es gibt unendlich viele verschiedene Normalverteilungen, die sich (nur) im Mittelwert und/oder Standardabweichung unterscheiden.</a:t>
+            </a:r>
+          </a:p>
+          <a:p>
+            <a:pPr/>
+            <a:r>
+              <a:t>Alle Normalverteilungen sind sich ähnlich in dem Sinne, dass ihre Form ähnlich ist: Das Verhältnis der Breite von „Mittelbereich“ zu „Randbereichen“ ist immer gleich.</a:t>
+            </a:r>
+          </a:p>
+          <a:p>
+            <a:pPr/>
+            <a:r>
+              <a:t>Viele Größen sind normalverteilt: z.B. IQ, Körpergröße und -gewicht von Erwachsenen, Messfehler, Gewichts eines maschinenproduzierten Gegenstands, …</a:t>
+            </a:r>
+          </a:p>
+          <a:p>
+            <a:pPr/>
+            <a:r>
+              <a:t>Andere Größen sind nicht normalverteilt: Einkommen, Vermögen, Erfolg, Zitationen, Bekanntheit, …</a:t>
+            </a:r>
+            <a:br/>
+          </a:p>
+          <a:p>
+            <a:pPr marL="127000" indent="0">
+              <a:buClrTx/>
+              <a:buSzTx/>
+              <a:buFontTx/>
+              <a:buNone/>
+            </a:pPr>
+            <a:r>
+              <a:t>Ob eine Größe normalverteilt ist, kann (und muss) empirisch übergeprüft werden.</a:t>
             </a:r>
           </a:p>
         </p:txBody>
       </p:sp>
       <p:pic>
         <p:nvPicPr>
-          <p:cNvPr id="331" name="Bild" descr="Bild"/>
+          <p:cNvPr id="438" name="Bild" descr="Bild"/>
           <p:cNvPicPr>
             <a:picLocks noChangeAspect="1"/>
           </p:cNvPicPr>
@@ -16291,8 +17061,8 @@
         </p:blipFill>
         <p:spPr>
           <a:xfrm>
-            <a:off x="-9728" y="3325505"/>
-            <a:ext cx="13024256" cy="1424920"/>
+            <a:off x="7982793" y="2247556"/>
+            <a:ext cx="4628060" cy="3320131"/>
           </a:xfrm>
           <a:prstGeom prst="rect">
             <a:avLst/>
@@ -16302,9 +17072,45 @@
           </a:ln>
         </p:spPr>
       </p:pic>
+      <p:sp>
+        <p:nvSpPr>
+          <p:cNvPr id="439" name="Normalverteilungen, Beispiele"/>
+          <p:cNvSpPr txBox="1"/>
+          <p:nvPr/>
+        </p:nvSpPr>
+        <p:spPr>
+          <a:xfrm>
+            <a:off x="8882535" y="1847151"/>
+            <a:ext cx="2828576" cy="396749"/>
+          </a:xfrm>
+          <a:prstGeom prst="rect">
+            <a:avLst/>
+          </a:prstGeom>
+          <a:ln w="12700">
+            <a:miter lim="400000"/>
+          </a:ln>
+          <a:extLst>
+            <a:ext uri="{C572A759-6A51-4108-AA02-DFA0A04FC94B}">
+              <ma14:wrappingTextBoxFlag xmlns:ma14="http://schemas.microsoft.com/office/mac/drawingml/2011/main" val="1"/>
+            </a:ext>
+          </a:extLst>
+        </p:spPr>
+        <p:txBody>
+          <a:bodyPr wrap="none" lIns="65023" tIns="65023" rIns="65023" bIns="65023">
+            <a:spAutoFit/>
+          </a:bodyPr>
+          <a:lstStyle/>
+          <a:p>
+            <a:pPr/>
+            <a:r>
+              <a:t>Normalverteilungen, Beispiele</a:t>
+            </a:r>
+          </a:p>
+        </p:txBody>
+      </p:sp>
       <p:pic>
         <p:nvPicPr>
-          <p:cNvPr id="332" name="q-fun.png" descr="q-fun.png"/>
+          <p:cNvPr id="440" name="Bild" descr="Bild"/>
           <p:cNvPicPr>
             <a:picLocks noChangeAspect="1"/>
           </p:cNvPicPr>
@@ -16320,8 +17126,8 @@
         </p:blipFill>
         <p:spPr>
           <a:xfrm>
-            <a:off x="-122260" y="5818506"/>
-            <a:ext cx="13004801" cy="1485519"/>
+            <a:off x="7675451" y="5945356"/>
+            <a:ext cx="4432779" cy="3180038"/>
           </a:xfrm>
           <a:prstGeom prst="rect">
             <a:avLst/>
@@ -16359,7 +17165,7 @@
       </p:grpSpPr>
       <p:sp>
         <p:nvSpPr>
-          <p:cNvPr id="128" name="Foliennummer"/>
+          <p:cNvPr id="238" name="Foliennummer"/>
           <p:cNvSpPr txBox="1"/>
           <p:nvPr>
             <p:ph type="sldNum" sz="quarter" idx="2"/>
@@ -16386,7 +17192,7 @@
       </p:sp>
       <p:sp>
         <p:nvSpPr>
-          <p:cNvPr id="129" name="Die deskriptive Statistik ist da, das Leben zu vereinfachen"/>
+          <p:cNvPr id="239" name="Die deskriptive Statistik ist da, das Leben zu vereinfachen"/>
           <p:cNvSpPr txBox="1"/>
           <p:nvPr>
             <p:ph type="body" idx="21"/>
@@ -16414,7 +17220,7 @@
       </p:sp>
       <p:sp>
         <p:nvSpPr>
-          <p:cNvPr id="130" name="[1] 16.99 10.34 21.01 23.68 24.59 25.29  8.77 26.88 15.04 14.78 10.27 35.26 15.42 18.43 14.83  [16] 21.58 10.33 16.29 16.97 20.65 17.92 20.29 15.77 39.42 19.82 17.81 13.37 12.69 21.70 19.65  [31]  9.55 18.35 15.06 20.69 17.78 24.06 16.31 16.93 18.69 31.2"/>
+          <p:cNvPr id="240" name="[1] 16.99 10.34 21.01 23.68 24.59 25.29  8.77 26.88 15.04 14.78 10.27 35.26 15.42 18.43 14.83  [16] 21.58 10.33 16.29 16.97 20.65 17.92 20.29 15.77 39.42 19.82 17.81 13.37 12.69 21.70 19.65  [31]  9.55 18.35 15.06 20.69 17.78 24.06 16.31 16.93 18.69 31.2"/>
           <p:cNvSpPr/>
           <p:nvPr/>
         </p:nvSpPr>
@@ -16487,7 +17293,7 @@
       </p:sp>
       <p:sp>
         <p:nvSpPr>
-          <p:cNvPr id="131" name="Vorbereitungszeit für die Klausur pro Student"/>
+          <p:cNvPr id="241" name="Vorbereitungszeit für die Klausur pro Student"/>
           <p:cNvSpPr/>
           <p:nvPr/>
         </p:nvSpPr>
@@ -16549,7 +17355,7 @@
       </p:sp>
       <p:sp>
         <p:nvSpPr>
-          <p:cNvPr id="132" name="… hört sich erstmal unglaubwürdig an 🤓"/>
+          <p:cNvPr id="242" name="… hört sich erstmal unglaubwürdig an 🤓"/>
           <p:cNvSpPr/>
           <p:nvPr/>
         </p:nvSpPr>
@@ -16596,7 +17402,7 @@
       </p:sp>
       <p:grpSp>
         <p:nvGrpSpPr>
-          <p:cNvPr id="137" name="Gruppieren"/>
+          <p:cNvPr id="247" name="Gruppieren"/>
           <p:cNvGrpSpPr/>
           <p:nvPr/>
         </p:nvGrpSpPr>
@@ -16610,7 +17416,7 @@
         </p:grpSpPr>
         <p:sp>
           <p:nvSpPr>
-            <p:cNvPr id="133" name="Prof. Dr. I. Ch. Weiß-Ois"/>
+            <p:cNvPr id="243" name="Prof. Dr. I. Ch. Weiß-Ois"/>
             <p:cNvSpPr txBox="1"/>
             <p:nvPr/>
           </p:nvSpPr>
@@ -16649,7 +17455,7 @@
         </p:sp>
         <p:grpSp>
           <p:nvGrpSpPr>
-            <p:cNvPr id="136" name="Gruppieren"/>
+            <p:cNvPr id="246" name="Gruppieren"/>
             <p:cNvGrpSpPr/>
             <p:nvPr/>
           </p:nvGrpSpPr>
@@ -16663,7 +17469,7 @@
           </p:grpSpPr>
           <p:pic>
             <p:nvPicPr>
-              <p:cNvPr id="134" name="Bild" descr="Bild"/>
+              <p:cNvPr id="244" name="Bild" descr="Bild"/>
               <p:cNvPicPr>
                 <a:picLocks noChangeAspect="1"/>
               </p:cNvPicPr>
@@ -16694,7 +17500,7 @@
           </p:pic>
           <p:sp>
             <p:nvSpPr>
-              <p:cNvPr id="135" name="Quelle"/>
+              <p:cNvPr id="245" name="Quelle"/>
               <p:cNvSpPr txBox="1"/>
               <p:nvPr/>
             </p:nvSpPr>
@@ -16767,7 +17573,7 @@
       </p:grpSp>
       <p:sp>
         <p:nvSpPr>
-          <p:cNvPr id="138" name="Puh, so viele Zahlen. Ich check nix!"/>
+          <p:cNvPr id="248" name="Puh, so viele Zahlen. Ich check nix!"/>
           <p:cNvSpPr/>
           <p:nvPr/>
         </p:nvSpPr>
@@ -16902,7 +17708,7 @@
       </p:grpSpPr>
       <p:sp>
         <p:nvSpPr>
-          <p:cNvPr id="334" name="Foliennummer"/>
+          <p:cNvPr id="442" name="Foliennummer"/>
           <p:cNvSpPr txBox="1"/>
           <p:nvPr>
             <p:ph type="sldNum" sz="quarter" idx="2"/>
@@ -16929,7 +17735,7 @@
       </p:sp>
       <p:sp>
         <p:nvSpPr>
-          <p:cNvPr id="335" name="Normalverteilung"/>
+          <p:cNvPr id="443" name="Wölbung (Kurtosis) im Vergleich zur Normalverteilung"/>
           <p:cNvSpPr txBox="1"/>
           <p:nvPr>
             <p:ph type="body" idx="21"/>
@@ -16942,28 +17748,28 @@
         </p:spPr>
         <p:txBody>
           <a:bodyPr/>
-          <a:lstStyle/>
+          <a:lstStyle>
+            <a:lvl1pPr marL="123190" marR="123190" indent="123190" defTabSz="1261465">
+              <a:defRPr sz="6014"/>
+            </a:lvl1pPr>
+          </a:lstStyle>
           <a:p>
             <a:pPr/>
             <a:r>
-              <a:t>Normalverteilung</a:t>
-            </a:r>
-          </a:p>
-        </p:txBody>
-      </p:sp>
-      <p:sp>
-        <p:nvSpPr>
-          <p:cNvPr id="336" name="Die Normalverteilung ist eine Verteilung mit folgenden Eigenschaften:…"/>
+              <a:t>Wölbung (Kurtosis) im Vergleich zur Normalverteilung</a:t>
+            </a:r>
+          </a:p>
+        </p:txBody>
+      </p:sp>
+      <p:sp>
+        <p:nvSpPr>
+          <p:cNvPr id="444" name="Steilgipflige Verteilungen…"/>
           <p:cNvSpPr txBox="1"/>
           <p:nvPr>
             <p:ph type="body" idx="22"/>
           </p:nvPr>
         </p:nvSpPr>
         <p:spPr>
-          <a:xfrm>
-            <a:off x="282297" y="1905000"/>
-            <a:ext cx="7377661" cy="7648205"/>
-          </a:xfrm>
           <a:prstGeom prst="rect">
             <a:avLst/>
           </a:prstGeom>
@@ -16973,80 +17779,143 @@
           <a:lstStyle/>
           <a:p>
             <a:pPr marL="127000" indent="0">
-              <a:buClrTx/>
               <a:buSzTx/>
-              <a:buFontTx/>
               <a:buNone/>
+              <a:defRPr sz="2800">
+                <a:solidFill>
+                  <a:schemeClr val="accent5">
+                    <a:hueOff val="-326855"/>
+                    <a:satOff val="32847"/>
+                    <a:lumOff val="-6386"/>
+                  </a:schemeClr>
+                </a:solidFill>
+                <a:latin typeface="Roboto Condensed Bold"/>
+                <a:ea typeface="Roboto Condensed Bold"/>
+                <a:cs typeface="Roboto Condensed Bold"/>
+                <a:sym typeface="Roboto Condensed Bold"/>
+              </a:defRPr>
             </a:pPr>
             <a:r>
-              <a:t>Die Normalverteilung ist eine Verteilung mit folgenden Eigenschaften:</a:t>
-            </a:r>
-          </a:p>
-          <a:p>
-            <a:pPr/>
-            <a:r>
-              <a:t>Die Daten verteilen sich symmetrisch um das Zentrum aller Werte.</a:t>
-            </a:r>
-          </a:p>
-          <a:p>
-            <a:pPr/>
-            <a:r>
-              <a:t>Die Form erinnert an eine Glocke.</a:t>
-            </a:r>
-          </a:p>
-          <a:p>
-            <a:pPr/>
-            <a:r>
-              <a:t>Mittelwert = Median = Modus</a:t>
-            </a:r>
-          </a:p>
-          <a:p>
-            <a:pPr/>
-            <a:r>
-              <a:t>Normalverteilungen sind durch zwei Größen komplett determiniert: Mittelwert (µ) und Standardabweichung (sd).</a:t>
-            </a:r>
-          </a:p>
-          <a:p>
-            <a:pPr/>
-            <a:r>
-              <a:t>Es gibt unendlich viele verschiedene Normalverteilungen, die sich (nur) im Mittelwert und/oder Standardabweichung unterscheiden.</a:t>
-            </a:r>
-          </a:p>
-          <a:p>
-            <a:pPr/>
-            <a:r>
-              <a:t>Alle Normalverteilungen sind sich ähnlich in dem Sinne, dass ihre Form ähnlich ist: Das Verhältnis der Breite von „Mittelbereich“ zu „Randbereichen“ ist immer gleich.</a:t>
-            </a:r>
-          </a:p>
-          <a:p>
-            <a:pPr/>
-            <a:r>
-              <a:t>Viele Größen sind normalverteilt: z.B. IQ, Körpergröße und -gewicht von Erwachsenen, Messfehler, Gewichts eines maschinenproduzierten Gegenstands, …</a:t>
-            </a:r>
-          </a:p>
-          <a:p>
-            <a:pPr/>
-            <a:r>
-              <a:t>Andere Größen sind nicht normalverteilt: Einkommen, Vermögen, Erfolg, Zitationen, Bekanntheit, …</a:t>
-            </a:r>
-            <a:br/>
-          </a:p>
+              <a:t>Steilgipflige Verteilungen </a:t>
+            </a:r>
+          </a:p>
+          <a:p>
+            <a:pPr marL="444500" indent="-317500">
+              <a:buClr>
+                <a:schemeClr val="accent5"/>
+              </a:buClr>
+              <a:buFont typeface="Arial"/>
+              <a:buChar char="▶︎"/>
+            </a:pPr>
+            <a:r>
+              <a:t>leptokurtisch</a:t>
+            </a:r>
+          </a:p>
+          <a:p>
+            <a:pPr marL="444500" indent="-317500">
+              <a:buClr>
+                <a:schemeClr val="accent5"/>
+              </a:buClr>
+              <a:buFont typeface="Arial"/>
+              <a:buChar char="▶︎"/>
+            </a:pPr>
+            <a:r>
+              <a:t>Die Werte verteilen sich eng um den Mittelwert</a:t>
+            </a:r>
+          </a:p>
+          <a:p>
+            <a:pPr marL="444500" indent="-317500">
+              <a:buClr>
+                <a:schemeClr val="accent5"/>
+              </a:buClr>
+              <a:buFont typeface="Arial"/>
+              <a:buChar char="▶︎"/>
+            </a:pPr>
+            <a:r>
+              <a:t>Die Verteilung erscheint „spitz“ und „schmalschulterig“</a:t>
+            </a:r>
+          </a:p>
+        </p:txBody>
+      </p:sp>
+      <p:sp>
+        <p:nvSpPr>
+          <p:cNvPr id="445" name="Flachgipflige Verteilungen…"/>
+          <p:cNvSpPr txBox="1"/>
+          <p:nvPr>
+            <p:ph type="body" idx="23"/>
+          </p:nvPr>
+        </p:nvSpPr>
+        <p:spPr>
+          <a:prstGeom prst="rect">
+            <a:avLst/>
+          </a:prstGeom>
+        </p:spPr>
+        <p:txBody>
+          <a:bodyPr/>
+          <a:lstStyle/>
           <a:p>
             <a:pPr marL="127000" indent="0">
-              <a:buClrTx/>
               <a:buSzTx/>
-              <a:buFontTx/>
               <a:buNone/>
+              <a:defRPr sz="2800">
+                <a:solidFill>
+                  <a:schemeClr val="accent5">
+                    <a:hueOff val="-326855"/>
+                    <a:satOff val="32847"/>
+                    <a:lumOff val="-6386"/>
+                  </a:schemeClr>
+                </a:solidFill>
+                <a:latin typeface="Roboto Condensed Bold"/>
+                <a:ea typeface="Roboto Condensed Bold"/>
+                <a:cs typeface="Roboto Condensed Bold"/>
+                <a:sym typeface="Roboto Condensed Bold"/>
+              </a:defRPr>
             </a:pPr>
             <a:r>
-              <a:t>Ob eine Größe normalverteilt ist, kann (und muss) empirisch übergeprüft werden.</a:t>
+              <a:t>Flachgipflige Verteilungen</a:t>
+            </a:r>
+          </a:p>
+          <a:p>
+            <a:pPr marL="444500" indent="-317500">
+              <a:buClr>
+                <a:schemeClr val="accent5"/>
+              </a:buClr>
+              <a:buFont typeface="Arial"/>
+              <a:buChar char="▶︎"/>
+            </a:pPr>
+            <a:r>
+              <a:t>platykurtisch</a:t>
+            </a:r>
+          </a:p>
+          <a:p>
+            <a:pPr marL="444500" indent="-317500">
+              <a:buClr>
+                <a:schemeClr val="accent5"/>
+              </a:buClr>
+              <a:buFont typeface="Arial"/>
+              <a:buChar char="▶︎"/>
+            </a:pPr>
+            <a:r>
+              <a:t>Die Werte verteilen sich weit um den Mittelwert in die „Ränder“ hinaus</a:t>
+            </a:r>
+          </a:p>
+          <a:p>
+            <a:pPr marL="444500" indent="-317500">
+              <a:buClr>
+                <a:schemeClr val="accent5"/>
+              </a:buClr>
+              <a:buFont typeface="Arial"/>
+              <a:buChar char="▶︎"/>
+            </a:pPr>
+            <a:r>
+              <a:t>Die Verteilung erscheint „platt“ und „breitschulterig“</a:t>
             </a:r>
           </a:p>
         </p:txBody>
       </p:sp>
       <p:pic>
         <p:nvPicPr>
-          <p:cNvPr id="337" name="Bild" descr="Bild"/>
+          <p:cNvPr id="446" name="Bild" descr="Bild"/>
           <p:cNvPicPr>
             <a:picLocks noChangeAspect="1"/>
           </p:cNvPicPr>
@@ -17062,8 +17931,8 @@
         </p:blipFill>
         <p:spPr>
           <a:xfrm>
-            <a:off x="7982793" y="2247557"/>
-            <a:ext cx="4628060" cy="3320130"/>
+            <a:off x="128347" y="4919558"/>
+            <a:ext cx="5174098" cy="3711853"/>
           </a:xfrm>
           <a:prstGeom prst="rect">
             <a:avLst/>
@@ -17073,45 +17942,9 @@
           </a:ln>
         </p:spPr>
       </p:pic>
-      <p:sp>
-        <p:nvSpPr>
-          <p:cNvPr id="338" name="Normalverteilungen, Beispiele"/>
-          <p:cNvSpPr txBox="1"/>
-          <p:nvPr/>
-        </p:nvSpPr>
-        <p:spPr>
-          <a:xfrm>
-            <a:off x="8882535" y="1847151"/>
-            <a:ext cx="2828576" cy="396749"/>
-          </a:xfrm>
-          <a:prstGeom prst="rect">
-            <a:avLst/>
-          </a:prstGeom>
-          <a:ln w="12700">
-            <a:miter lim="400000"/>
-          </a:ln>
-          <a:extLst>
-            <a:ext uri="{C572A759-6A51-4108-AA02-DFA0A04FC94B}">
-              <ma14:wrappingTextBoxFlag xmlns:ma14="http://schemas.microsoft.com/office/mac/drawingml/2011/main" val="1"/>
-            </a:ext>
-          </a:extLst>
-        </p:spPr>
-        <p:txBody>
-          <a:bodyPr wrap="none" lIns="65023" tIns="65023" rIns="65023" bIns="65023">
-            <a:spAutoFit/>
-          </a:bodyPr>
-          <a:lstStyle/>
-          <a:p>
-            <a:pPr/>
-            <a:r>
-              <a:t>Normalverteilungen, Beispiele</a:t>
-            </a:r>
-          </a:p>
-        </p:txBody>
-      </p:sp>
       <p:pic>
         <p:nvPicPr>
-          <p:cNvPr id="339" name="Bild" descr="Bild"/>
+          <p:cNvPr id="447" name="Bild" descr="Bild"/>
           <p:cNvPicPr>
             <a:picLocks noChangeAspect="1"/>
           </p:cNvPicPr>
@@ -17127,8 +17960,8 @@
         </p:blipFill>
         <p:spPr>
           <a:xfrm>
-            <a:off x="7675452" y="5945356"/>
-            <a:ext cx="4432778" cy="3180038"/>
+            <a:off x="6639142" y="4984290"/>
+            <a:ext cx="4993634" cy="3582389"/>
           </a:xfrm>
           <a:prstGeom prst="rect">
             <a:avLst/>
@@ -17166,7 +17999,7 @@
       </p:grpSpPr>
       <p:sp>
         <p:nvSpPr>
-          <p:cNvPr id="341" name="Foliennummer"/>
+          <p:cNvPr id="449" name="Foliennummer"/>
           <p:cNvSpPr txBox="1"/>
           <p:nvPr>
             <p:ph type="sldNum" sz="quarter" idx="2"/>
@@ -17193,7 +18026,7 @@
       </p:sp>
       <p:sp>
         <p:nvSpPr>
-          <p:cNvPr id="342" name="Wölbung (Kurtosis) im Vergleich zur Normalverteilung"/>
+          <p:cNvPr id="450" name="Standardisierung mit der z-Transformation"/>
           <p:cNvSpPr txBox="1"/>
           <p:nvPr>
             <p:ph type="body" idx="21"/>
@@ -17206,301 +18039,10 @@
         </p:spPr>
         <p:txBody>
           <a:bodyPr/>
-          <a:lstStyle>
-            <a:lvl1pPr marL="123190" marR="123190" indent="123190" defTabSz="1261465">
-              <a:defRPr sz="6014"/>
-            </a:lvl1pPr>
-          </a:lstStyle>
+          <a:lstStyle/>
           <a:p>
             <a:pPr/>
             <a:r>
-              <a:t>Wölbung (Kurtosis) im Vergleich zur Normalverteilung</a:t>
-            </a:r>
-          </a:p>
-        </p:txBody>
-      </p:sp>
-      <p:sp>
-        <p:nvSpPr>
-          <p:cNvPr id="343" name="Steilgipflige Verteilungen…"/>
-          <p:cNvSpPr txBox="1"/>
-          <p:nvPr>
-            <p:ph type="body" idx="22"/>
-          </p:nvPr>
-        </p:nvSpPr>
-        <p:spPr>
-          <a:prstGeom prst="rect">
-            <a:avLst/>
-          </a:prstGeom>
-        </p:spPr>
-        <p:txBody>
-          <a:bodyPr/>
-          <a:lstStyle/>
-          <a:p>
-            <a:pPr marL="127000" indent="0">
-              <a:buSzTx/>
-              <a:buNone/>
-              <a:defRPr sz="2800">
-                <a:solidFill>
-                  <a:schemeClr val="accent5">
-                    <a:hueOff val="-326855"/>
-                    <a:satOff val="32847"/>
-                    <a:lumOff val="-6386"/>
-                  </a:schemeClr>
-                </a:solidFill>
-                <a:latin typeface="Roboto Condensed Bold"/>
-                <a:ea typeface="Roboto Condensed Bold"/>
-                <a:cs typeface="Roboto Condensed Bold"/>
-                <a:sym typeface="Roboto Condensed Bold"/>
-              </a:defRPr>
-            </a:pPr>
-            <a:r>
-              <a:t>Steilgipflige Verteilungen </a:t>
-            </a:r>
-          </a:p>
-          <a:p>
-            <a:pPr marL="444500" indent="-317500">
-              <a:buClr>
-                <a:schemeClr val="accent5"/>
-              </a:buClr>
-              <a:buFont typeface="Arial"/>
-              <a:buChar char="▶︎"/>
-            </a:pPr>
-            <a:r>
-              <a:t>leptokurtisch</a:t>
-            </a:r>
-          </a:p>
-          <a:p>
-            <a:pPr marL="444500" indent="-317500">
-              <a:buClr>
-                <a:schemeClr val="accent5"/>
-              </a:buClr>
-              <a:buFont typeface="Arial"/>
-              <a:buChar char="▶︎"/>
-            </a:pPr>
-            <a:r>
-              <a:t>Die Werte verteilen sich eng um den Mittelwert</a:t>
-            </a:r>
-          </a:p>
-          <a:p>
-            <a:pPr marL="444500" indent="-317500">
-              <a:buClr>
-                <a:schemeClr val="accent5"/>
-              </a:buClr>
-              <a:buFont typeface="Arial"/>
-              <a:buChar char="▶︎"/>
-            </a:pPr>
-            <a:r>
-              <a:t>Die Verteilung erscheint „spitz“ und „schmalschulterig“</a:t>
-            </a:r>
-          </a:p>
-        </p:txBody>
-      </p:sp>
-      <p:sp>
-        <p:nvSpPr>
-          <p:cNvPr id="344" name="Flachgipflige Verteilungen…"/>
-          <p:cNvSpPr txBox="1"/>
-          <p:nvPr>
-            <p:ph type="body" idx="23"/>
-          </p:nvPr>
-        </p:nvSpPr>
-        <p:spPr>
-          <a:prstGeom prst="rect">
-            <a:avLst/>
-          </a:prstGeom>
-        </p:spPr>
-        <p:txBody>
-          <a:bodyPr/>
-          <a:lstStyle/>
-          <a:p>
-            <a:pPr marL="127000" indent="0">
-              <a:buSzTx/>
-              <a:buNone/>
-              <a:defRPr sz="2800">
-                <a:solidFill>
-                  <a:schemeClr val="accent5">
-                    <a:hueOff val="-326855"/>
-                    <a:satOff val="32847"/>
-                    <a:lumOff val="-6386"/>
-                  </a:schemeClr>
-                </a:solidFill>
-                <a:latin typeface="Roboto Condensed Bold"/>
-                <a:ea typeface="Roboto Condensed Bold"/>
-                <a:cs typeface="Roboto Condensed Bold"/>
-                <a:sym typeface="Roboto Condensed Bold"/>
-              </a:defRPr>
-            </a:pPr>
-            <a:r>
-              <a:t>Flachgipflige Verteilungen</a:t>
-            </a:r>
-          </a:p>
-          <a:p>
-            <a:pPr marL="444500" indent="-317500">
-              <a:buClr>
-                <a:schemeClr val="accent5"/>
-              </a:buClr>
-              <a:buFont typeface="Arial"/>
-              <a:buChar char="▶︎"/>
-            </a:pPr>
-            <a:r>
-              <a:t>platykurtisch</a:t>
-            </a:r>
-          </a:p>
-          <a:p>
-            <a:pPr marL="444500" indent="-317500">
-              <a:buClr>
-                <a:schemeClr val="accent5"/>
-              </a:buClr>
-              <a:buFont typeface="Arial"/>
-              <a:buChar char="▶︎"/>
-            </a:pPr>
-            <a:r>
-              <a:t>Die Werte verteilen sich weit um den Mittelwert in die „Ränder“ hinaus</a:t>
-            </a:r>
-          </a:p>
-          <a:p>
-            <a:pPr marL="444500" indent="-317500">
-              <a:buClr>
-                <a:schemeClr val="accent5"/>
-              </a:buClr>
-              <a:buFont typeface="Arial"/>
-              <a:buChar char="▶︎"/>
-            </a:pPr>
-            <a:r>
-              <a:t>Die Verteilung erscheint „platt“ und „breitschulterig“</a:t>
-            </a:r>
-          </a:p>
-        </p:txBody>
-      </p:sp>
-      <p:pic>
-        <p:nvPicPr>
-          <p:cNvPr id="345" name="Bild" descr="Bild"/>
-          <p:cNvPicPr>
-            <a:picLocks noChangeAspect="1"/>
-          </p:cNvPicPr>
-          <p:nvPr/>
-        </p:nvPicPr>
-        <p:blipFill>
-          <a:blip r:embed="rId2">
-            <a:extLst/>
-          </a:blip>
-          <a:stretch>
-            <a:fillRect/>
-          </a:stretch>
-        </p:blipFill>
-        <p:spPr>
-          <a:xfrm>
-            <a:off x="128347" y="4919558"/>
-            <a:ext cx="5174098" cy="3711853"/>
-          </a:xfrm>
-          <a:prstGeom prst="rect">
-            <a:avLst/>
-          </a:prstGeom>
-          <a:ln w="12700">
-            <a:miter lim="400000"/>
-          </a:ln>
-        </p:spPr>
-      </p:pic>
-      <p:pic>
-        <p:nvPicPr>
-          <p:cNvPr id="346" name="Bild" descr="Bild"/>
-          <p:cNvPicPr>
-            <a:picLocks noChangeAspect="1"/>
-          </p:cNvPicPr>
-          <p:nvPr/>
-        </p:nvPicPr>
-        <p:blipFill>
-          <a:blip r:embed="rId3">
-            <a:extLst/>
-          </a:blip>
-          <a:stretch>
-            <a:fillRect/>
-          </a:stretch>
-        </p:blipFill>
-        <p:spPr>
-          <a:xfrm>
-            <a:off x="6639143" y="4984290"/>
-            <a:ext cx="4993633" cy="3582389"/>
-          </a:xfrm>
-          <a:prstGeom prst="rect">
-            <a:avLst/>
-          </a:prstGeom>
-          <a:ln w="12700">
-            <a:miter lim="400000"/>
-          </a:ln>
-        </p:spPr>
-      </p:pic>
-    </p:spTree>
-  </p:cSld>
-  <p:clrMapOvr>
-    <a:masterClrMapping/>
-  </p:clrMapOvr>
-  <p:transition xmlns:p14="http://schemas.microsoft.com/office/powerpoint/2010/main" spd="med" advClick="1"/>
-</p:sld>
-</file>
-
-<file path=ppt/slides/slide32.xml><?xml version="1.0" encoding="utf-8"?>
-<p:sld xmlns:a="http://schemas.openxmlformats.org/drawingml/2006/main" xmlns:r="http://schemas.openxmlformats.org/officeDocument/2006/relationships" xmlns:p="http://schemas.openxmlformats.org/presentationml/2006/main" xmlns:m="http://schemas.openxmlformats.org/officeDocument/2006/math" xmlns:a14="http://schemas.microsoft.com/office/drawing/2010/main" showMasterSp="1" showMasterPhAnim="1">
-  <p:cSld>
-    <p:spTree>
-      <p:nvGrpSpPr>
-        <p:cNvPr id="1" name=""/>
-        <p:cNvGrpSpPr/>
-        <p:nvPr/>
-      </p:nvGrpSpPr>
-      <p:grpSpPr>
-        <a:xfrm>
-          <a:off x="0" y="0"/>
-          <a:ext cx="0" cy="0"/>
-          <a:chOff x="0" y="0"/>
-          <a:chExt cx="0" cy="0"/>
-        </a:xfrm>
-      </p:grpSpPr>
-      <p:sp>
-        <p:nvSpPr>
-          <p:cNvPr id="348" name="Foliennummer"/>
-          <p:cNvSpPr txBox="1"/>
-          <p:nvPr>
-            <p:ph type="sldNum" sz="quarter" idx="2"/>
-          </p:nvPr>
-        </p:nvSpPr>
-        <p:spPr>
-          <a:prstGeom prst="rect">
-            <a:avLst/>
-          </a:prstGeom>
-          <a:extLst>
-            <a:ext uri="{C572A759-6A51-4108-AA02-DFA0A04FC94B}">
-              <ma14:wrappingTextBoxFlag xmlns:ma14="http://schemas.microsoft.com/office/mac/drawingml/2011/main" val="1"/>
-            </a:ext>
-          </a:extLst>
-        </p:spPr>
-        <p:txBody>
-          <a:bodyPr/>
-          <a:lstStyle/>
-          <a:p>
-            <a:pPr/>
-            <a:fld id="{86CB4B4D-7CA3-9044-876B-883B54F8677D}" type="slidenum"/>
-          </a:p>
-        </p:txBody>
-      </p:sp>
-      <p:sp>
-        <p:nvSpPr>
-          <p:cNvPr id="349" name="Standardisierung mit der z-Transformation"/>
-          <p:cNvSpPr txBox="1"/>
-          <p:nvPr>
-            <p:ph type="body" idx="21"/>
-          </p:nvPr>
-        </p:nvSpPr>
-        <p:spPr>
-          <a:prstGeom prst="rect">
-            <a:avLst/>
-          </a:prstGeom>
-        </p:spPr>
-        <p:txBody>
-          <a:bodyPr/>
-          <a:lstStyle/>
-          <a:p>
-            <a:pPr/>
-            <a:r>
               <a:t>Standardisierung mit der z-Transformation</a:t>
             </a:r>
           </a:p>
@@ -17508,7 +18050,7 @@
       </p:sp>
       <p:sp>
         <p:nvSpPr>
-          <p:cNvPr id="350" name="Kennt man Mittelwert μ und Standardabweichung sd einer normalverteilten Variablen X, so kann man jeden Punkt auf dieser Verteilung (Kurve) bestimmen; damit kann man dann auch die Flächenanteile bestimmen.…"/>
+          <p:cNvPr id="451" name="Kennt man Mittelwert μ und Standardabweichung sd einer normalverteilten Variablen X, so kann man jeden Punkt auf dieser Verteilung (Kurve) bestimmen; damit kann man dann auch die Flächenanteile bestimmen.…"/>
           <p:cNvSpPr txBox="1"/>
           <p:nvPr>
             <p:ph type="body" idx="22"/>
@@ -17586,14 +18128,14 @@
       </p:sp>
       <p:sp>
         <p:nvSpPr>
-          <p:cNvPr id="351" name="Gleichung"/>
+          <p:cNvPr id="452" name="Gleichung"/>
           <p:cNvSpPr txBox="1"/>
           <p:nvPr/>
         </p:nvSpPr>
         <p:spPr>
           <a:xfrm>
-            <a:off x="4725316" y="7548728"/>
-            <a:ext cx="2413725" cy="1326235"/>
+            <a:off x="4725315" y="7548728"/>
+            <a:ext cx="2413726" cy="1326235"/>
           </a:xfrm>
           <a:prstGeom prst="rect">
             <a:avLst/>
@@ -17781,7 +18323,7 @@
 </p:sld>
 </file>
 
-<file path=ppt/slides/slide33.xml><?xml version="1.0" encoding="utf-8"?>
+<file path=ppt/slides/slide32.xml><?xml version="1.0" encoding="utf-8"?>
 <p:sld xmlns:a="http://schemas.openxmlformats.org/drawingml/2006/main" xmlns:r="http://schemas.openxmlformats.org/officeDocument/2006/relationships" xmlns:p="http://schemas.openxmlformats.org/presentationml/2006/main" xmlns:m="http://schemas.openxmlformats.org/officeDocument/2006/math" xmlns:a14="http://schemas.microsoft.com/office/drawing/2010/main" showMasterSp="1" showMasterPhAnim="1">
   <p:cSld>
     <p:spTree>
@@ -17800,7 +18342,7 @@
       </p:grpSpPr>
       <p:pic>
         <p:nvPicPr>
-          <p:cNvPr id="353" name="Bild" descr="Bild"/>
+          <p:cNvPr id="454" name="Bild" descr="Bild"/>
           <p:cNvPicPr>
             <a:picLocks noChangeAspect="1"/>
           </p:cNvPicPr>
@@ -17829,7 +18371,7 @@
       </p:pic>
       <p:pic>
         <p:nvPicPr>
-          <p:cNvPr id="354" name="Bild" descr="Bild"/>
+          <p:cNvPr id="455" name="Bild" descr="Bild"/>
           <p:cNvPicPr>
             <a:picLocks noChangeAspect="1"/>
           </p:cNvPicPr>
@@ -17858,7 +18400,7 @@
       </p:pic>
       <p:pic>
         <p:nvPicPr>
-          <p:cNvPr id="355" name="Bild" descr="Bild"/>
+          <p:cNvPr id="456" name="Bild" descr="Bild"/>
           <p:cNvPicPr>
             <a:picLocks noChangeAspect="1"/>
           </p:cNvPicPr>
@@ -17887,7 +18429,7 @@
       </p:pic>
       <p:pic>
         <p:nvPicPr>
-          <p:cNvPr id="356" name="Bild" descr="Bild"/>
+          <p:cNvPr id="457" name="Bild" descr="Bild"/>
           <p:cNvPicPr>
             <a:picLocks noChangeAspect="1"/>
           </p:cNvPicPr>
@@ -17916,7 +18458,7 @@
       </p:pic>
       <p:sp>
         <p:nvSpPr>
-          <p:cNvPr id="357" name="Foliennummer"/>
+          <p:cNvPr id="458" name="Foliennummer"/>
           <p:cNvSpPr txBox="1"/>
           <p:nvPr>
             <p:ph type="sldNum" sz="quarter" idx="2"/>
@@ -17943,7 +18485,7 @@
       </p:sp>
       <p:sp>
         <p:nvSpPr>
-          <p:cNvPr id="358" name="Einige Quantile der Normalverteilung"/>
+          <p:cNvPr id="459" name="Einige Quantile der Normalverteilung"/>
           <p:cNvSpPr txBox="1"/>
           <p:nvPr>
             <p:ph type="body" idx="21"/>
@@ -17967,7 +18509,7 @@
       </p:sp>
       <p:sp>
         <p:nvSpPr>
-          <p:cNvPr id="359" name="~84%"/>
+          <p:cNvPr id="460" name="~84%"/>
           <p:cNvSpPr txBox="1"/>
           <p:nvPr/>
         </p:nvSpPr>
@@ -18018,7 +18560,7 @@
       </p:sp>
       <p:sp>
         <p:nvSpPr>
-          <p:cNvPr id="360" name="50%"/>
+          <p:cNvPr id="461" name="50%"/>
           <p:cNvSpPr txBox="1"/>
           <p:nvPr/>
         </p:nvSpPr>
@@ -18069,7 +18611,7 @@
       </p:sp>
       <p:sp>
         <p:nvSpPr>
-          <p:cNvPr id="361" name="~95%"/>
+          <p:cNvPr id="462" name="~95%"/>
           <p:cNvSpPr txBox="1"/>
           <p:nvPr/>
         </p:nvSpPr>
@@ -18120,7 +18662,7 @@
       </p:sp>
       <p:sp>
         <p:nvSpPr>
-          <p:cNvPr id="362" name="~97.5%"/>
+          <p:cNvPr id="463" name="~97.5%"/>
           <p:cNvSpPr txBox="1"/>
           <p:nvPr/>
         </p:nvSpPr>
@@ -18166,6 +18708,564 @@
             <a:r>
               <a:t>~97.5%</a:t>
             </a:r>
+          </a:p>
+        </p:txBody>
+      </p:sp>
+    </p:spTree>
+  </p:cSld>
+  <p:clrMapOvr>
+    <a:masterClrMapping/>
+  </p:clrMapOvr>
+  <p:transition xmlns:p14="http://schemas.microsoft.com/office/powerpoint/2010/main" spd="med" advClick="1"/>
+</p:sld>
+</file>
+
+<file path=ppt/slides/slide33.xml><?xml version="1.0" encoding="utf-8"?>
+<p:sld xmlns:a="http://schemas.openxmlformats.org/drawingml/2006/main" xmlns:r="http://schemas.openxmlformats.org/officeDocument/2006/relationships" xmlns:p="http://schemas.openxmlformats.org/presentationml/2006/main" xmlns:m="http://schemas.openxmlformats.org/officeDocument/2006/math" xmlns:a14="http://schemas.microsoft.com/office/drawing/2010/main" showMasterSp="1" showMasterPhAnim="1">
+  <p:cSld>
+    <p:spTree>
+      <p:nvGrpSpPr>
+        <p:cNvPr id="1" name=""/>
+        <p:cNvGrpSpPr/>
+        <p:nvPr/>
+      </p:nvGrpSpPr>
+      <p:grpSpPr>
+        <a:xfrm>
+          <a:off x="0" y="0"/>
+          <a:ext cx="0" cy="0"/>
+          <a:chOff x="0" y="0"/>
+          <a:chExt cx="0" cy="0"/>
+        </a:xfrm>
+      </p:grpSpPr>
+      <p:sp>
+        <p:nvSpPr>
+          <p:cNvPr id="467" name="Foliennummer"/>
+          <p:cNvSpPr txBox="1"/>
+          <p:nvPr>
+            <p:ph type="sldNum" sz="quarter" idx="2"/>
+          </p:nvPr>
+        </p:nvSpPr>
+        <p:spPr>
+          <a:prstGeom prst="rect">
+            <a:avLst/>
+          </a:prstGeom>
+          <a:extLst>
+            <a:ext uri="{C572A759-6A51-4108-AA02-DFA0A04FC94B}">
+              <ma14:wrappingTextBoxFlag xmlns:ma14="http://schemas.microsoft.com/office/mac/drawingml/2011/main" val="1"/>
+            </a:ext>
+          </a:extLst>
+        </p:spPr>
+        <p:txBody>
+          <a:bodyPr/>
+          <a:lstStyle/>
+          <a:p>
+            <a:pPr/>
+            <a:fld id="{86CB4B4D-7CA3-9044-876B-883B54F8677D}" type="slidenum"/>
+          </a:p>
+        </p:txBody>
+      </p:sp>
+      <p:sp>
+        <p:nvSpPr>
+          <p:cNvPr id="468" name="Die Verteilungsfunktion"/>
+          <p:cNvSpPr txBox="1"/>
+          <p:nvPr>
+            <p:ph type="body" idx="21"/>
+          </p:nvPr>
+        </p:nvSpPr>
+        <p:spPr>
+          <a:prstGeom prst="rect">
+            <a:avLst/>
+          </a:prstGeom>
+        </p:spPr>
+        <p:txBody>
+          <a:bodyPr/>
+          <a:lstStyle/>
+          <a:p>
+            <a:pPr/>
+            <a:r>
+              <a:t>Die Verteilungsfunktion</a:t>
+            </a:r>
+          </a:p>
+        </p:txBody>
+      </p:sp>
+      <p:sp>
+        <p:nvSpPr>
+          <p:cNvPr id="469" name="Die empirische Verteilungsfunktion Fe(x) gibt an, welcher Anteil der Beobachtungen kleiner oder gleich x sind.…"/>
+          <p:cNvSpPr txBox="1"/>
+          <p:nvPr>
+            <p:ph type="body" idx="22"/>
+          </p:nvPr>
+        </p:nvSpPr>
+        <p:spPr>
+          <a:prstGeom prst="rect">
+            <a:avLst/>
+          </a:prstGeom>
+        </p:spPr>
+        <p:txBody>
+          <a:bodyPr/>
+          <a:lstStyle/>
+          <a:p>
+            <a:pPr/>
+            <a:r>
+              <a:t>Die empirische Verteilungsfunktion F</a:t>
+            </a:r>
+            <a:r>
+              <a:rPr baseline="-5999"/>
+              <a:t>e</a:t>
+            </a:r>
+            <a:r>
+              <a:t>(x) gibt an, welcher Anteil der Beobachtungen kleiner oder gleich </a:t>
+            </a:r>
+            <a:r>
+              <a:rPr i="1"/>
+              <a:t>x </a:t>
+            </a:r>
+            <a:r>
+              <a:t>sind.</a:t>
+            </a:r>
+          </a:p>
+          <a:p>
+            <a:pPr/>
+            <a:r>
+              <a:t>Sie sagt aus, wie wahrscheinlich es ist, einen Wert kleiner oder gleich x zu beobachten, liefert also eine Wahrscheinlichkeit als Funktionswert.</a:t>
+            </a:r>
+          </a:p>
+          <a:p>
+            <a:pPr/>
+            <a:r>
+              <a:t>Die theoretische Verteilungsfunktion F(x) gibt für eine bestimmte Verteilung (wie eine bestimmte Normalverteilung NV) an, wie wahrscheinlich es ist, einen Wert kleiner oder gleich x zu beobachten.</a:t>
+            </a:r>
+          </a:p>
+          <a:p>
+            <a:pPr/>
+            <a:r>
+              <a:t>Für die Verteilungfunktion der Normalverteilung wird auch der Buchstabe 𝛷 (Phi) verwendet.</a:t>
+            </a:r>
+          </a:p>
+        </p:txBody>
+      </p:sp>
+      <p:pic>
+        <p:nvPicPr>
+          <p:cNvPr id="470" name="Bild" descr="Bild"/>
+          <p:cNvPicPr>
+            <a:picLocks noChangeAspect="1"/>
+          </p:cNvPicPr>
+          <p:nvPr/>
+        </p:nvPicPr>
+        <p:blipFill>
+          <a:blip r:embed="rId3">
+            <a:extLst/>
+          </a:blip>
+          <a:stretch>
+            <a:fillRect/>
+          </a:stretch>
+        </p:blipFill>
+        <p:spPr>
+          <a:xfrm>
+            <a:off x="179054" y="3409007"/>
+            <a:ext cx="6048885" cy="4339418"/>
+          </a:xfrm>
+          <a:prstGeom prst="rect">
+            <a:avLst/>
+          </a:prstGeom>
+          <a:ln w="12700">
+            <a:miter lim="400000"/>
+          </a:ln>
+        </p:spPr>
+      </p:pic>
+      <p:sp>
+        <p:nvSpPr>
+          <p:cNvPr id="471" name="Verteilungsfunktion einer Normalverteilung  (MW = 0, SD = 1)"/>
+          <p:cNvSpPr txBox="1"/>
+          <p:nvPr/>
+        </p:nvSpPr>
+        <p:spPr>
+          <a:xfrm>
+            <a:off x="1172614" y="2436999"/>
+            <a:ext cx="4061765" cy="663449"/>
+          </a:xfrm>
+          <a:prstGeom prst="rect">
+            <a:avLst/>
+          </a:prstGeom>
+          <a:ln w="12700">
+            <a:miter lim="400000"/>
+          </a:ln>
+          <a:extLst>
+            <a:ext uri="{C572A759-6A51-4108-AA02-DFA0A04FC94B}">
+              <ma14:wrappingTextBoxFlag xmlns:ma14="http://schemas.microsoft.com/office/mac/drawingml/2011/main" val="1"/>
+            </a:ext>
+          </a:extLst>
+        </p:spPr>
+        <p:txBody>
+          <a:bodyPr wrap="none" lIns="65023" tIns="65023" rIns="65023" bIns="65023">
+            <a:spAutoFit/>
+          </a:bodyPr>
+          <a:lstStyle/>
+          <a:p>
+            <a:pPr algn="ctr"/>
+            <a:r>
+              <a:t>Verteilungsfunktion einer Normalverteilung </a:t>
+            </a:r>
+            <a:br/>
+            <a:r>
+              <a:t>(MW = 0, SD = 1)</a:t>
+            </a:r>
+          </a:p>
+        </p:txBody>
+      </p:sp>
+      <p:sp>
+        <p:nvSpPr>
+          <p:cNvPr id="472" name="Gleichung"/>
+          <p:cNvSpPr txBox="1"/>
+          <p:nvPr/>
+        </p:nvSpPr>
+        <p:spPr>
+          <a:xfrm>
+            <a:off x="6899566" y="6262604"/>
+            <a:ext cx="4698954" cy="731063"/>
+          </a:xfrm>
+          <a:prstGeom prst="rect">
+            <a:avLst/>
+          </a:prstGeom>
+          <a:ln w="12700">
+            <a:miter lim="400000"/>
+          </a:ln>
+        </p:spPr>
+        <p:txBody>
+          <a:bodyPr wrap="none" lIns="0" tIns="0" rIns="0" bIns="0">
+            <a:spAutoFit/>
+          </a:bodyPr>
+          <a:lstStyle/>
+          <a:p>
+            <a:pPr latinLnBrk="1">
+              <a:defRPr>
+                <a:solidFill>
+                  <a:srgbClr val="000000"/>
+                </a:solidFill>
+              </a:defRPr>
+            </a:pPr>
+            <a14:m>
+              <m:oMathPara>
+                <m:oMathParaPr>
+                  <m:jc m:val="centerGroup"/>
+                </m:oMathParaPr>
+                <m:oMath>
+                  <m:sSub>
+                    <m:e>
+                      <m:r>
+                        <a:rPr xmlns:a="http://schemas.openxmlformats.org/drawingml/2006/main" sz="2600" i="1">
+                          <a:solidFill>
+                            <a:srgbClr val="262626"/>
+                          </a:solidFill>
+                          <a:latin typeface="Cambria Math" panose="02040503050406030204" pitchFamily="18" charset="0"/>
+                        </a:rPr>
+                        <m:t>F</m:t>
+                      </m:r>
+                    </m:e>
+                    <m:sub>
+                      <m:r>
+                        <a:rPr xmlns:a="http://schemas.openxmlformats.org/drawingml/2006/main" sz="2600" i="1">
+                          <a:solidFill>
+                            <a:srgbClr val="262626"/>
+                          </a:solidFill>
+                          <a:latin typeface="Cambria Math" panose="02040503050406030204" pitchFamily="18" charset="0"/>
+                        </a:rPr>
+                        <m:t>e</m:t>
+                      </m:r>
+                    </m:sub>
+                  </m:sSub>
+                  <m:r>
+                    <a:rPr xmlns:a="http://schemas.openxmlformats.org/drawingml/2006/main" sz="2600" i="1">
+                      <a:solidFill>
+                        <a:srgbClr val="262626"/>
+                      </a:solidFill>
+                      <a:latin typeface="Cambria Math" panose="02040503050406030204" pitchFamily="18" charset="0"/>
+                    </a:rPr>
+                    <m:t>(</m:t>
+                  </m:r>
+                  <m:r>
+                    <a:rPr xmlns:a="http://schemas.openxmlformats.org/drawingml/2006/main" sz="2600" i="1">
+                      <a:solidFill>
+                        <a:srgbClr val="262626"/>
+                      </a:solidFill>
+                      <a:latin typeface="Cambria Math" panose="02040503050406030204" pitchFamily="18" charset="0"/>
+                    </a:rPr>
+                    <m:t>x</m:t>
+                  </m:r>
+                  <m:r>
+                    <a:rPr xmlns:a="http://schemas.openxmlformats.org/drawingml/2006/main" sz="2600" i="1">
+                      <a:solidFill>
+                        <a:srgbClr val="262626"/>
+                      </a:solidFill>
+                      <a:latin typeface="Cambria Math" panose="02040503050406030204" pitchFamily="18" charset="0"/>
+                    </a:rPr>
+                    <m:t>)</m:t>
+                  </m:r>
+                  <m:r>
+                    <a:rPr xmlns:a="http://schemas.openxmlformats.org/drawingml/2006/main" sz="2600" i="1">
+                      <a:solidFill>
+                        <a:srgbClr val="262626"/>
+                      </a:solidFill>
+                      <a:latin typeface="Cambria Math" panose="02040503050406030204" pitchFamily="18" charset="0"/>
+                    </a:rPr>
+                    <m:t>=</m:t>
+                  </m:r>
+                  <m:f>
+                    <m:fPr>
+                      <m:ctrlPr>
+                        <a:rPr xmlns:a="http://schemas.openxmlformats.org/drawingml/2006/main" sz="2600" i="1">
+                          <a:solidFill>
+                            <a:srgbClr val="262626"/>
+                          </a:solidFill>
+                          <a:latin typeface="Cambria Math" panose="02040503050406030204" pitchFamily="18" charset="0"/>
+                        </a:rPr>
+                      </m:ctrlPr>
+                      <m:type m:val="bar"/>
+                    </m:fPr>
+                    <m:num>
+                      <m:r>
+                        <m:rPr>
+                          <m:nor/>
+                        </m:rPr>
+                        <a:rPr xmlns:a="http://schemas.openxmlformats.org/drawingml/2006/main" sz="2600" i="1">
+                          <a:solidFill>
+                            <a:srgbClr val="262626"/>
+                          </a:solidFill>
+                          <a:latin typeface="Cambria Math" panose="02040503050406030204" pitchFamily="18" charset="0"/>
+                        </a:rPr>
+                        <m:t>Anzahl Beobachtungen</m:t>
+                      </m:r>
+                      <m:r>
+                        <a:rPr xmlns:a="http://schemas.openxmlformats.org/drawingml/2006/main" sz="2600" i="1">
+                          <a:solidFill>
+                            <a:srgbClr val="262626"/>
+                          </a:solidFill>
+                          <a:latin typeface="Cambria Math" panose="02040503050406030204" pitchFamily="18" charset="0"/>
+                        </a:rPr>
+                        <m:t>≤</m:t>
+                      </m:r>
+                      <m:r>
+                        <a:rPr xmlns:a="http://schemas.openxmlformats.org/drawingml/2006/main" sz="2600" i="1">
+                          <a:solidFill>
+                            <a:srgbClr val="262626"/>
+                          </a:solidFill>
+                          <a:latin typeface="Cambria Math" panose="02040503050406030204" pitchFamily="18" charset="0"/>
+                        </a:rPr>
+                        <m:t>x</m:t>
+                      </m:r>
+                    </m:num>
+                    <m:den>
+                      <m:r>
+                        <a:rPr xmlns:a="http://schemas.openxmlformats.org/drawingml/2006/main" sz="2600" i="1">
+                          <a:solidFill>
+                            <a:srgbClr val="262626"/>
+                          </a:solidFill>
+                          <a:latin typeface="Cambria Math" panose="02040503050406030204" pitchFamily="18" charset="0"/>
+                        </a:rPr>
+                        <m:t>n</m:t>
+                      </m:r>
+                    </m:den>
+                  </m:f>
+                </m:oMath>
+              </m:oMathPara>
+            </a14:m>
+            <a:endParaRPr sz="2600">
+              <a:solidFill>
+                <a:srgbClr val="262626"/>
+              </a:solidFill>
+            </a:endParaRPr>
+          </a:p>
+        </p:txBody>
+      </p:sp>
+      <p:sp>
+        <p:nvSpPr>
+          <p:cNvPr id="473" name="Gleichung"/>
+          <p:cNvSpPr txBox="1"/>
+          <p:nvPr/>
+        </p:nvSpPr>
+        <p:spPr>
+          <a:xfrm>
+            <a:off x="6863808" y="7640401"/>
+            <a:ext cx="2991078" cy="369599"/>
+          </a:xfrm>
+          <a:prstGeom prst="rect">
+            <a:avLst/>
+          </a:prstGeom>
+          <a:ln w="12700">
+            <a:miter lim="400000"/>
+          </a:ln>
+        </p:spPr>
+        <p:txBody>
+          <a:bodyPr wrap="none" lIns="0" tIns="0" rIns="0" bIns="0">
+            <a:spAutoFit/>
+          </a:bodyPr>
+          <a:lstStyle/>
+          <a:p>
+            <a:pPr latinLnBrk="1">
+              <a:defRPr>
+                <a:solidFill>
+                  <a:srgbClr val="000000"/>
+                </a:solidFill>
+              </a:defRPr>
+            </a:pPr>
+            <a14:m>
+              <m:oMathPara>
+                <m:oMathParaPr>
+                  <m:jc m:val="centerGroup"/>
+                </m:oMathParaPr>
+                <m:oMath>
+                  <m:sSub>
+                    <m:e>
+                      <m:r>
+                        <a:rPr xmlns:a="http://schemas.openxmlformats.org/drawingml/2006/main" sz="3100" i="1">
+                          <a:solidFill>
+                            <a:srgbClr val="262626"/>
+                          </a:solidFill>
+                          <a:latin typeface="Cambria Math" panose="02040503050406030204" pitchFamily="18" charset="0"/>
+                        </a:rPr>
+                        <m:t>F</m:t>
+                      </m:r>
+                    </m:e>
+                    <m:sub>
+                      <m:r>
+                        <a:rPr xmlns:a="http://schemas.openxmlformats.org/drawingml/2006/main" sz="3100" i="1">
+                          <a:solidFill>
+                            <a:srgbClr val="262626"/>
+                          </a:solidFill>
+                          <a:latin typeface="Cambria Math" panose="02040503050406030204" pitchFamily="18" charset="0"/>
+                        </a:rPr>
+                        <m:t>N</m:t>
+                      </m:r>
+                      <m:r>
+                        <a:rPr xmlns:a="http://schemas.openxmlformats.org/drawingml/2006/main" sz="3100" i="1">
+                          <a:solidFill>
+                            <a:srgbClr val="262626"/>
+                          </a:solidFill>
+                          <a:latin typeface="Cambria Math" panose="02040503050406030204" pitchFamily="18" charset="0"/>
+                        </a:rPr>
+                        <m:t>V</m:t>
+                      </m:r>
+                    </m:sub>
+                  </m:sSub>
+                  <m:r>
+                    <a:rPr xmlns:a="http://schemas.openxmlformats.org/drawingml/2006/main" sz="3100" i="1">
+                      <a:solidFill>
+                        <a:srgbClr val="262626"/>
+                      </a:solidFill>
+                      <a:latin typeface="Cambria Math" panose="02040503050406030204" pitchFamily="18" charset="0"/>
+                    </a:rPr>
+                    <m:t>(</m:t>
+                  </m:r>
+                  <m:r>
+                    <a:rPr xmlns:a="http://schemas.openxmlformats.org/drawingml/2006/main" sz="3100" i="1">
+                      <a:solidFill>
+                        <a:srgbClr val="262626"/>
+                      </a:solidFill>
+                      <a:latin typeface="Cambria Math" panose="02040503050406030204" pitchFamily="18" charset="0"/>
+                    </a:rPr>
+                    <m:t>x</m:t>
+                  </m:r>
+                  <m:r>
+                    <a:rPr xmlns:a="http://schemas.openxmlformats.org/drawingml/2006/main" sz="3100" i="1">
+                      <a:solidFill>
+                        <a:srgbClr val="262626"/>
+                      </a:solidFill>
+                      <a:latin typeface="Cambria Math" panose="02040503050406030204" pitchFamily="18" charset="0"/>
+                    </a:rPr>
+                    <m:t>)</m:t>
+                  </m:r>
+                  <m:r>
+                    <a:rPr xmlns:a="http://schemas.openxmlformats.org/drawingml/2006/main" sz="3100" i="1">
+                      <a:solidFill>
+                        <a:srgbClr val="262626"/>
+                      </a:solidFill>
+                      <a:latin typeface="Cambria Math" panose="02040503050406030204" pitchFamily="18" charset="0"/>
+                    </a:rPr>
+                    <m:t>=</m:t>
+                  </m:r>
+                  <m:r>
+                    <m:rPr>
+                      <m:sty m:val="p"/>
+                    </m:rPr>
+                    <a:rPr xmlns:a="http://schemas.openxmlformats.org/drawingml/2006/main" sz="3100" i="1">
+                      <a:solidFill>
+                        <a:srgbClr val="262626"/>
+                      </a:solidFill>
+                      <a:latin typeface="Cambria Math" panose="02040503050406030204" pitchFamily="18" charset="0"/>
+                    </a:rPr>
+                    <m:t>Φ</m:t>
+                  </m:r>
+                  <m:r>
+                    <a:rPr xmlns:a="http://schemas.openxmlformats.org/drawingml/2006/main" sz="3100" i="1">
+                      <a:solidFill>
+                        <a:srgbClr val="262626"/>
+                      </a:solidFill>
+                      <a:latin typeface="Cambria Math" panose="02040503050406030204" pitchFamily="18" charset="0"/>
+                    </a:rPr>
+                    <m:t>(</m:t>
+                  </m:r>
+                  <m:r>
+                    <a:rPr xmlns:a="http://schemas.openxmlformats.org/drawingml/2006/main" sz="3100" i="1">
+                      <a:solidFill>
+                        <a:srgbClr val="262626"/>
+                      </a:solidFill>
+                      <a:latin typeface="Cambria Math" panose="02040503050406030204" pitchFamily="18" charset="0"/>
+                    </a:rPr>
+                    <m:t>μ</m:t>
+                  </m:r>
+                  <m:r>
+                    <a:rPr xmlns:a="http://schemas.openxmlformats.org/drawingml/2006/main" sz="3100" i="1">
+                      <a:solidFill>
+                        <a:srgbClr val="262626"/>
+                      </a:solidFill>
+                      <a:latin typeface="Cambria Math" panose="02040503050406030204" pitchFamily="18" charset="0"/>
+                    </a:rPr>
+                    <m:t>,</m:t>
+                  </m:r>
+                  <m:r>
+                    <a:rPr xmlns:a="http://schemas.openxmlformats.org/drawingml/2006/main" sz="3100" i="1">
+                      <a:solidFill>
+                        <a:srgbClr val="262626"/>
+                      </a:solidFill>
+                      <a:latin typeface="Cambria Math" panose="02040503050406030204" pitchFamily="18" charset="0"/>
+                    </a:rPr>
+                    <m:t>σ</m:t>
+                  </m:r>
+                  <m:r>
+                    <a:rPr xmlns:a="http://schemas.openxmlformats.org/drawingml/2006/main" sz="3100" i="1">
+                      <a:solidFill>
+                        <a:srgbClr val="262626"/>
+                      </a:solidFill>
+                      <a:latin typeface="Cambria Math" panose="02040503050406030204" pitchFamily="18" charset="0"/>
+                    </a:rPr>
+                    <m:t>,</m:t>
+                  </m:r>
+                  <m:r>
+                    <a:rPr xmlns:a="http://schemas.openxmlformats.org/drawingml/2006/main" sz="3100" i="1">
+                      <a:solidFill>
+                        <a:srgbClr val="262626"/>
+                      </a:solidFill>
+                      <a:latin typeface="Cambria Math" panose="02040503050406030204" pitchFamily="18" charset="0"/>
+                    </a:rPr>
+                    <m:t>x</m:t>
+                  </m:r>
+                  <m:r>
+                    <a:rPr xmlns:a="http://schemas.openxmlformats.org/drawingml/2006/main" sz="3100" i="1">
+                      <a:solidFill>
+                        <a:srgbClr val="262626"/>
+                      </a:solidFill>
+                      <a:latin typeface="Cambria Math" panose="02040503050406030204" pitchFamily="18" charset="0"/>
+                    </a:rPr>
+                    <m:t>)</m:t>
+                  </m:r>
+                </m:oMath>
+              </m:oMathPara>
+            </a14:m>
+            <a:endParaRPr sz="3100">
+              <a:solidFill>
+                <a:srgbClr val="262626"/>
+              </a:solidFill>
+            </a:endParaRPr>
           </a:p>
         </p:txBody>
       </p:sp>
@@ -18197,13 +19297,17 @@
       </p:grpSpPr>
       <p:sp>
         <p:nvSpPr>
-          <p:cNvPr id="366" name="Foliennummer"/>
+          <p:cNvPr id="477" name="Foliennummer"/>
           <p:cNvSpPr txBox="1"/>
           <p:nvPr>
             <p:ph type="sldNum" sz="quarter" idx="2"/>
           </p:nvPr>
         </p:nvSpPr>
         <p:spPr>
+          <a:xfrm>
+            <a:off x="10795555" y="9142635"/>
+            <a:ext cx="2167467" cy="345949"/>
+          </a:xfrm>
           <a:prstGeom prst="rect">
             <a:avLst/>
           </a:prstGeom>
@@ -18215,7 +19319,16 @@
         </p:spPr>
         <p:txBody>
           <a:bodyPr/>
-          <a:lstStyle/>
+          <a:lstStyle>
+            <a:lvl1pPr>
+              <a:defRPr>
+                <a:latin typeface="Helvetica"/>
+                <a:ea typeface="Helvetica"/>
+                <a:cs typeface="Helvetica"/>
+                <a:sym typeface="Helvetica"/>
+              </a:defRPr>
+            </a:lvl1pPr>
+          </a:lstStyle>
           <a:p>
             <a:pPr/>
             <a:fld id="{86CB4B4D-7CA3-9044-876B-883B54F8677D}" type="slidenum"/>
@@ -18224,10 +19337,10 @@
       </p:sp>
       <p:sp>
         <p:nvSpPr>
-          <p:cNvPr id="367" name="Abschluss"/>
+          <p:cNvPr id="478" name="Frauen können schneller einparken als Männer, im Schnitt"/>
           <p:cNvSpPr txBox="1"/>
           <p:nvPr>
-            <p:ph type="title"/>
+            <p:ph type="body" idx="21"/>
           </p:nvPr>
         </p:nvSpPr>
         <p:spPr>
@@ -18237,12 +19350,580 @@
         </p:spPr>
         <p:txBody>
           <a:bodyPr/>
+          <a:lstStyle>
+            <a:lvl1pPr marL="116839" marR="116839" indent="116839" defTabSz="1196441">
+              <a:defRPr sz="5704"/>
+            </a:lvl1pPr>
+          </a:lstStyle>
+          <a:p>
+            <a:pPr/>
+            <a:r>
+              <a:t>Frauen können schneller einparken als Männer, im Schnitt</a:t>
+            </a:r>
+          </a:p>
+        </p:txBody>
+      </p:sp>
+      <p:sp>
+        <p:nvSpPr>
+          <p:cNvPr id="479" name="sehr wenig „Überlappung“: starker Effekt"/>
+          <p:cNvSpPr/>
+          <p:nvPr/>
+        </p:nvSpPr>
+        <p:spPr>
+          <a:xfrm>
+            <a:off x="7653016" y="4907898"/>
+            <a:ext cx="5275099" cy="434849"/>
+          </a:xfrm>
+          <a:prstGeom prst="rect">
+            <a:avLst/>
+          </a:prstGeom>
+          <a:ln w="12700">
+            <a:miter lim="400000"/>
+          </a:ln>
+          <a:extLst>
+            <a:ext uri="{C572A759-6A51-4108-AA02-DFA0A04FC94B}">
+              <ma14:wrappingTextBoxFlag xmlns:ma14="http://schemas.microsoft.com/office/mac/drawingml/2011/main" val="1"/>
+            </a:ext>
+          </a:extLst>
+        </p:spPr>
+        <p:txBody>
+          <a:bodyPr lIns="65023" tIns="65023" rIns="65023" bIns="65023">
+            <a:spAutoFit/>
+          </a:bodyPr>
           <a:lstStyle/>
           <a:p>
+            <a:pPr algn="r">
+              <a:buClr>
+                <a:srgbClr val="00998A"/>
+              </a:buClr>
+              <a:buFont typeface="Wingdings"/>
+              <a:defRPr sz="2000"/>
+            </a:pPr>
+            <a:r>
+              <a:t>sehr wenig „Überlappung“: </a:t>
+            </a:r>
+            <a:r>
+              <a:rPr i="1"/>
+              <a:t>starker</a:t>
+            </a:r>
+            <a:r>
+              <a:t> Effekt</a:t>
+            </a:r>
+          </a:p>
+        </p:txBody>
+      </p:sp>
+      <p:sp>
+        <p:nvSpPr>
+          <p:cNvPr id="480" name="sehr viel „Überlappung“: schwacher Effekt"/>
+          <p:cNvSpPr/>
+          <p:nvPr/>
+        </p:nvSpPr>
+        <p:spPr>
+          <a:xfrm>
+            <a:off x="217948" y="4907898"/>
+            <a:ext cx="5275100" cy="434849"/>
+          </a:xfrm>
+          <a:prstGeom prst="rect">
+            <a:avLst/>
+          </a:prstGeom>
+          <a:ln w="12700">
+            <a:miter lim="400000"/>
+          </a:ln>
+          <a:extLst>
+            <a:ext uri="{C572A759-6A51-4108-AA02-DFA0A04FC94B}">
+              <ma14:wrappingTextBoxFlag xmlns:ma14="http://schemas.microsoft.com/office/mac/drawingml/2011/main" val="1"/>
+            </a:ext>
+          </a:extLst>
+        </p:spPr>
+        <p:txBody>
+          <a:bodyPr lIns="65023" tIns="65023" rIns="65023" bIns="65023">
+            <a:spAutoFit/>
+          </a:bodyPr>
+          <a:lstStyle/>
+          <a:p>
+            <a:pPr>
+              <a:buClr>
+                <a:srgbClr val="00998A"/>
+              </a:buClr>
+              <a:buFont typeface="Wingdings"/>
+              <a:defRPr sz="2000"/>
+            </a:pPr>
+            <a:r>
+              <a:t>sehr viel „Überlappung“: </a:t>
+            </a:r>
+            <a:r>
+              <a:rPr i="1"/>
+              <a:t>schwacher</a:t>
+            </a:r>
+            <a:r>
+              <a:t> Effekt</a:t>
+            </a:r>
+          </a:p>
+        </p:txBody>
+      </p:sp>
+      <p:pic>
+        <p:nvPicPr>
+          <p:cNvPr id="481" name="Bild" descr="Bild"/>
+          <p:cNvPicPr>
+            <a:picLocks noChangeAspect="1"/>
+          </p:cNvPicPr>
+          <p:nvPr/>
+        </p:nvPicPr>
+        <p:blipFill>
+          <a:blip r:embed="rId3">
+            <a:extLst/>
+          </a:blip>
+          <a:stretch>
+            <a:fillRect/>
+          </a:stretch>
+        </p:blipFill>
+        <p:spPr>
+          <a:xfrm>
+            <a:off x="6531669" y="2341249"/>
+            <a:ext cx="3065361" cy="2642553"/>
+          </a:xfrm>
+          <a:prstGeom prst="rect">
+            <a:avLst/>
+          </a:prstGeom>
+          <a:ln w="12700">
+            <a:miter lim="400000"/>
+          </a:ln>
+        </p:spPr>
+      </p:pic>
+      <p:pic>
+        <p:nvPicPr>
+          <p:cNvPr id="482" name="Bild" descr="Bild"/>
+          <p:cNvPicPr>
+            <a:picLocks noChangeAspect="1"/>
+          </p:cNvPicPr>
+          <p:nvPr/>
+        </p:nvPicPr>
+        <p:blipFill>
+          <a:blip r:embed="rId4">
+            <a:extLst/>
+          </a:blip>
+          <a:stretch>
+            <a:fillRect/>
+          </a:stretch>
+        </p:blipFill>
+        <p:spPr>
+          <a:xfrm>
+            <a:off x="89386" y="2341249"/>
+            <a:ext cx="3065361" cy="2642553"/>
+          </a:xfrm>
+          <a:prstGeom prst="rect">
+            <a:avLst/>
+          </a:prstGeom>
+          <a:ln w="12700">
+            <a:miter lim="400000"/>
+          </a:ln>
+        </p:spPr>
+      </p:pic>
+      <p:pic>
+        <p:nvPicPr>
+          <p:cNvPr id="483" name="Bild" descr="Bild"/>
+          <p:cNvPicPr>
+            <a:picLocks noChangeAspect="1"/>
+          </p:cNvPicPr>
+          <p:nvPr/>
+        </p:nvPicPr>
+        <p:blipFill>
+          <a:blip r:embed="rId5">
+            <a:extLst/>
+          </a:blip>
+          <a:stretch>
+            <a:fillRect/>
+          </a:stretch>
+        </p:blipFill>
+        <p:spPr>
+          <a:xfrm>
+            <a:off x="9779169" y="2318811"/>
+            <a:ext cx="3091390" cy="2664991"/>
+          </a:xfrm>
+          <a:prstGeom prst="rect">
+            <a:avLst/>
+          </a:prstGeom>
+          <a:ln w="12700">
+            <a:miter lim="400000"/>
+          </a:ln>
+        </p:spPr>
+      </p:pic>
+      <p:pic>
+        <p:nvPicPr>
+          <p:cNvPr id="484" name="Bild" descr="Bild"/>
+          <p:cNvPicPr>
+            <a:picLocks noChangeAspect="1"/>
+          </p:cNvPicPr>
+          <p:nvPr/>
+        </p:nvPicPr>
+        <p:blipFill>
+          <a:blip r:embed="rId6">
+            <a:extLst/>
+          </a:blip>
+          <a:stretch>
+            <a:fillRect/>
+          </a:stretch>
+        </p:blipFill>
+        <p:spPr>
+          <a:xfrm>
+            <a:off x="3284168" y="2318811"/>
+            <a:ext cx="3065362" cy="2642553"/>
+          </a:xfrm>
+          <a:prstGeom prst="rect">
+            <a:avLst/>
+          </a:prstGeom>
+          <a:ln w="12700">
+            <a:miter lim="400000"/>
+          </a:ln>
+        </p:spPr>
+      </p:pic>
+      <p:sp>
+        <p:nvSpPr>
+          <p:cNvPr id="485" name="Verteilung der Einpark-Zeiten: Männer (blau) vs. Frauen (rot)"/>
+          <p:cNvSpPr/>
+          <p:nvPr/>
+        </p:nvSpPr>
+        <p:spPr>
+          <a:xfrm>
+            <a:off x="3072441" y="1933397"/>
+            <a:ext cx="5536057" cy="396749"/>
+          </a:xfrm>
+          <a:prstGeom prst="rect">
+            <a:avLst/>
+          </a:prstGeom>
+          <a:ln w="12700">
+            <a:miter lim="400000"/>
+          </a:ln>
+          <a:extLst>
+            <a:ext uri="{C572A759-6A51-4108-AA02-DFA0A04FC94B}">
+              <ma14:wrappingTextBoxFlag xmlns:ma14="http://schemas.microsoft.com/office/mac/drawingml/2011/main" val="1"/>
+            </a:ext>
+          </a:extLst>
+        </p:spPr>
+        <p:txBody>
+          <a:bodyPr wrap="none" lIns="65023" tIns="65023" rIns="65023" bIns="65023">
+            <a:spAutoFit/>
+          </a:bodyPr>
+          <a:lstStyle>
+            <a:lvl1pPr>
+              <a:buClr>
+                <a:srgbClr val="00998A"/>
+              </a:buClr>
+              <a:buFont typeface="Wingdings"/>
+            </a:lvl1pPr>
+          </a:lstStyle>
+          <a:p>
             <a:pPr/>
             <a:r>
-              <a:t>Abschluss</a:t>
-            </a:r>
+              <a:t>Verteilung der Einpark-Zeiten: Männer (blau) vs. Frauen (rot)</a:t>
+            </a:r>
+          </a:p>
+        </p:txBody>
+      </p:sp>
+      <p:sp>
+        <p:nvSpPr>
+          <p:cNvPr id="486" name="Anhand der „Überlappung“ der Kurven lässt sich die Stärke des „Einpark-Effekts“ (Unterschied zwischen den Gruppen) veranschaulichen.…"/>
+          <p:cNvSpPr txBox="1"/>
+          <p:nvPr/>
+        </p:nvSpPr>
+        <p:spPr>
+          <a:xfrm>
+            <a:off x="287673" y="5604653"/>
+            <a:ext cx="8782444" cy="3816645"/>
+          </a:xfrm>
+          <a:prstGeom prst="rect">
+            <a:avLst/>
+          </a:prstGeom>
+          <a:ln w="12700">
+            <a:miter lim="400000"/>
+          </a:ln>
+          <a:extLst>
+            <a:ext uri="{C572A759-6A51-4108-AA02-DFA0A04FC94B}">
+              <ma14:wrappingTextBoxFlag xmlns:ma14="http://schemas.microsoft.com/office/mac/drawingml/2011/main" val="1"/>
+            </a:ext>
+          </a:extLst>
+        </p:spPr>
+        <p:txBody>
+          <a:bodyPr lIns="65023" tIns="65023" rIns="65023" bIns="65023">
+            <a:spAutoFit/>
+          </a:bodyPr>
+          <a:lstStyle/>
+          <a:p>
+            <a:pPr marL="381000" indent="-381000">
+              <a:spcBef>
+                <a:spcPts val="1000"/>
+              </a:spcBef>
+              <a:buClr>
+                <a:schemeClr val="accent5"/>
+              </a:buClr>
+              <a:buSzPct val="70000"/>
+              <a:buFont typeface="Arial"/>
+              <a:buChar char="▶︎"/>
+              <a:defRPr sz="2000"/>
+            </a:pPr>
+            <a:r>
+              <a:t>Anhand der „Überlappung“ der Kurven lässt sich die Stärke des „Einpark-Effekts“ (Unterschied zwischen den Gruppen) veranschaulichen.</a:t>
+            </a:r>
+          </a:p>
+          <a:p>
+            <a:pPr marL="381000" indent="-381000">
+              <a:spcBef>
+                <a:spcPts val="1000"/>
+              </a:spcBef>
+              <a:buClr>
+                <a:schemeClr val="accent5"/>
+              </a:buClr>
+              <a:buSzPct val="70000"/>
+              <a:buFont typeface="Arial"/>
+              <a:buChar char="▶︎"/>
+              <a:defRPr sz="2000"/>
+            </a:pPr>
+            <a:r>
+              <a:t>Die Größe des Unterschieds (der Überlappung) hängt nicht nur von der Differenz der Mittelwerte (X̅1-X̅2) ab, sondern auch von der Streuung der Verteilungen.</a:t>
+            </a:r>
+          </a:p>
+          <a:p>
+            <a:pPr marL="381000" indent="-381000">
+              <a:spcBef>
+                <a:spcPts val="1000"/>
+              </a:spcBef>
+              <a:buClr>
+                <a:schemeClr val="accent5"/>
+              </a:buClr>
+              <a:buSzPct val="70000"/>
+              <a:buFont typeface="Arial"/>
+              <a:buChar char="▶︎"/>
+              <a:defRPr sz="2000"/>
+            </a:pPr>
+            <a:r>
+              <a:t>Das Verhältnis der Mittelwertsunterschiede zu mittlerer Streuung nennt man Cohens d.</a:t>
+            </a:r>
+          </a:p>
+          <a:p>
+            <a:pPr marL="381000" indent="-381000">
+              <a:spcBef>
+                <a:spcPts val="1000"/>
+              </a:spcBef>
+              <a:buClr>
+                <a:schemeClr val="accent5"/>
+              </a:buClr>
+              <a:buSzPct val="70000"/>
+              <a:buFont typeface="Arial"/>
+              <a:buChar char="▶︎"/>
+              <a:defRPr sz="2000"/>
+            </a:pPr>
+            <a:r>
+              <a:t>Cohens d ist ein Maß der Effektstärke, das die Differenz der Mittelwerte zweier Gruppen in Bezug zur Streuung setzt.</a:t>
+            </a:r>
+          </a:p>
+          <a:p>
+            <a:pPr marL="381000" indent="-381000">
+              <a:spcBef>
+                <a:spcPts val="1000"/>
+              </a:spcBef>
+              <a:buClr>
+                <a:schemeClr val="accent5"/>
+              </a:buClr>
+              <a:buSzPct val="70000"/>
+              <a:buFont typeface="Arial"/>
+              <a:buChar char="▶︎"/>
+              <a:defRPr sz="2000"/>
+            </a:pPr>
+            <a:r>
+              <a:rPr i="1"/>
+              <a:t>Grobe</a:t>
+            </a:r>
+            <a:r>
+              <a:t> Faustregel:  kleiner / mittlerer / großer Unterschied: d = 0.2 / 0.5 / 0.8.</a:t>
+            </a:r>
+          </a:p>
+        </p:txBody>
+      </p:sp>
+      <p:sp>
+        <p:nvSpPr>
+          <p:cNvPr id="487" name="Gleichung"/>
+          <p:cNvSpPr txBox="1"/>
+          <p:nvPr/>
+        </p:nvSpPr>
+        <p:spPr>
+          <a:xfrm>
+            <a:off x="10064258" y="6595655"/>
+            <a:ext cx="2018480" cy="935127"/>
+          </a:xfrm>
+          <a:prstGeom prst="rect">
+            <a:avLst/>
+          </a:prstGeom>
+          <a:ln w="12700">
+            <a:miter lim="400000"/>
+          </a:ln>
+        </p:spPr>
+        <p:txBody>
+          <a:bodyPr wrap="none" lIns="0" tIns="0" rIns="0" bIns="0">
+            <a:spAutoFit/>
+          </a:bodyPr>
+          <a:lstStyle/>
+          <a:p>
+            <a:pPr latinLnBrk="1">
+              <a:defRPr>
+                <a:solidFill>
+                  <a:srgbClr val="000000"/>
+                </a:solidFill>
+              </a:defRPr>
+            </a:pPr>
+            <a14:m>
+              <m:oMathPara>
+                <m:oMathParaPr>
+                  <m:jc m:val="centerGroup"/>
+                </m:oMathParaPr>
+                <m:oMath>
+                  <m:r>
+                    <a:rPr xmlns:a="http://schemas.openxmlformats.org/drawingml/2006/main" sz="3200" i="1">
+                      <a:solidFill>
+                        <a:srgbClr val="262626"/>
+                      </a:solidFill>
+                      <a:latin typeface="Cambria Math" panose="02040503050406030204" pitchFamily="18" charset="0"/>
+                    </a:rPr>
+                    <m:t>d</m:t>
+                  </m:r>
+                  <m:r>
+                    <a:rPr xmlns:a="http://schemas.openxmlformats.org/drawingml/2006/main" sz="3200" i="1">
+                      <a:solidFill>
+                        <a:srgbClr val="262626"/>
+                      </a:solidFill>
+                      <a:latin typeface="Cambria Math" panose="02040503050406030204" pitchFamily="18" charset="0"/>
+                    </a:rPr>
+                    <m:t>=</m:t>
+                  </m:r>
+                  <m:f>
+                    <m:fPr>
+                      <m:ctrlPr>
+                        <a:rPr xmlns:a="http://schemas.openxmlformats.org/drawingml/2006/main" sz="3200" i="1">
+                          <a:solidFill>
+                            <a:srgbClr val="262626"/>
+                          </a:solidFill>
+                          <a:latin typeface="Cambria Math" panose="02040503050406030204" pitchFamily="18" charset="0"/>
+                        </a:rPr>
+                      </m:ctrlPr>
+                      <m:type m:val="bar"/>
+                    </m:fPr>
+                    <m:num>
+                      <m:bar>
+                        <m:barPr>
+                          <m:ctrlPr>
+                            <a:rPr xmlns:a="http://schemas.openxmlformats.org/drawingml/2006/main" sz="3200" i="1">
+                              <a:solidFill>
+                                <a:srgbClr val="262626"/>
+                              </a:solidFill>
+                              <a:latin typeface="Cambria Math" panose="02040503050406030204" pitchFamily="18" charset="0"/>
+                            </a:rPr>
+                          </m:ctrlPr>
+                          <m:pos m:val="top"/>
+                        </m:barPr>
+                        <m:e>
+                          <m:sSub>
+                            <m:e>
+                              <m:r>
+                                <a:rPr xmlns:a="http://schemas.openxmlformats.org/drawingml/2006/main" sz="3200" i="1">
+                                  <a:solidFill>
+                                    <a:srgbClr val="262626"/>
+                                  </a:solidFill>
+                                  <a:latin typeface="Cambria Math" panose="02040503050406030204" pitchFamily="18" charset="0"/>
+                                </a:rPr>
+                                <m:t>X</m:t>
+                              </m:r>
+                            </m:e>
+                            <m:sub>
+                              <m:r>
+                                <a:rPr xmlns:a="http://schemas.openxmlformats.org/drawingml/2006/main" sz="3200" i="1">
+                                  <a:solidFill>
+                                    <a:srgbClr val="262626"/>
+                                  </a:solidFill>
+                                  <a:latin typeface="Cambria Math" panose="02040503050406030204" pitchFamily="18" charset="0"/>
+                                </a:rPr>
+                                <m:t>1</m:t>
+                              </m:r>
+                            </m:sub>
+                          </m:sSub>
+                        </m:e>
+                      </m:bar>
+                      <m:r>
+                        <a:rPr xmlns:a="http://schemas.openxmlformats.org/drawingml/2006/main" sz="3200" i="1">
+                          <a:solidFill>
+                            <a:srgbClr val="262626"/>
+                          </a:solidFill>
+                          <a:latin typeface="Cambria Math" panose="02040503050406030204" pitchFamily="18" charset="0"/>
+                        </a:rPr>
+                        <m:t>-</m:t>
+                      </m:r>
+                      <m:bar>
+                        <m:barPr>
+                          <m:ctrlPr>
+                            <a:rPr xmlns:a="http://schemas.openxmlformats.org/drawingml/2006/main" sz="3200" i="1">
+                              <a:solidFill>
+                                <a:srgbClr val="262626"/>
+                              </a:solidFill>
+                              <a:latin typeface="Cambria Math" panose="02040503050406030204" pitchFamily="18" charset="0"/>
+                            </a:rPr>
+                          </m:ctrlPr>
+                          <m:pos m:val="top"/>
+                        </m:barPr>
+                        <m:e>
+                          <m:sSub>
+                            <m:e>
+                              <m:r>
+                                <a:rPr xmlns:a="http://schemas.openxmlformats.org/drawingml/2006/main" sz="3200" i="1">
+                                  <a:solidFill>
+                                    <a:srgbClr val="262626"/>
+                                  </a:solidFill>
+                                  <a:latin typeface="Cambria Math" panose="02040503050406030204" pitchFamily="18" charset="0"/>
+                                </a:rPr>
+                                <m:t>X</m:t>
+                              </m:r>
+                            </m:e>
+                            <m:sub>
+                              <m:r>
+                                <a:rPr xmlns:a="http://schemas.openxmlformats.org/drawingml/2006/main" sz="3200" i="1">
+                                  <a:solidFill>
+                                    <a:srgbClr val="262626"/>
+                                  </a:solidFill>
+                                  <a:latin typeface="Cambria Math" panose="02040503050406030204" pitchFamily="18" charset="0"/>
+                                </a:rPr>
+                                <m:t>2</m:t>
+                              </m:r>
+                            </m:sub>
+                          </m:sSub>
+                        </m:e>
+                      </m:bar>
+                    </m:num>
+                    <m:den>
+                      <m:r>
+                        <a:rPr xmlns:a="http://schemas.openxmlformats.org/drawingml/2006/main" sz="3200" i="1">
+                          <a:solidFill>
+                            <a:srgbClr val="262626"/>
+                          </a:solidFill>
+                          <a:latin typeface="Cambria Math" panose="02040503050406030204" pitchFamily="18" charset="0"/>
+                        </a:rPr>
+                        <m:t>s</m:t>
+                      </m:r>
+                      <m:r>
+                        <a:rPr xmlns:a="http://schemas.openxmlformats.org/drawingml/2006/main" sz="3200" i="1">
+                          <a:solidFill>
+                            <a:srgbClr val="262626"/>
+                          </a:solidFill>
+                          <a:latin typeface="Cambria Math" panose="02040503050406030204" pitchFamily="18" charset="0"/>
+                        </a:rPr>
+                        <m:t>d</m:t>
+                      </m:r>
+                    </m:den>
+                  </m:f>
+                </m:oMath>
+              </m:oMathPara>
+            </a14:m>
+            <a:endParaRPr sz="3200">
+              <a:solidFill>
+                <a:srgbClr val="262626"/>
+              </a:solidFill>
+            </a:endParaRPr>
           </a:p>
         </p:txBody>
       </p:sp>
@@ -18274,7 +19955,7 @@
       </p:grpSpPr>
       <p:sp>
         <p:nvSpPr>
-          <p:cNvPr id="369" name="Foliennummer"/>
+          <p:cNvPr id="491" name="Foliennummer"/>
           <p:cNvSpPr txBox="1"/>
           <p:nvPr>
             <p:ph type="sldNum" sz="quarter" idx="2"/>
@@ -18301,7 +19982,7 @@
       </p:sp>
       <p:sp>
         <p:nvSpPr>
-          <p:cNvPr id="370" name="Hinweise"/>
+          <p:cNvPr id="492" name="Common Language Effect Size (CLES)"/>
           <p:cNvSpPr txBox="1"/>
           <p:nvPr>
             <p:ph type="body" idx="21"/>
@@ -18318,14 +19999,14 @@
           <a:p>
             <a:pPr/>
             <a:r>
-              <a:t>Hinweise</a:t>
-            </a:r>
-          </a:p>
-        </p:txBody>
-      </p:sp>
-      <p:sp>
-        <p:nvSpPr>
-          <p:cNvPr id="371" name="Dieses Dokument steht unter der Lizenz CC-BY 3.0.…"/>
+              <a:t>Common Language Effect Size (CLES)</a:t>
+            </a:r>
+          </a:p>
+        </p:txBody>
+      </p:sp>
+      <p:sp>
+        <p:nvSpPr>
+          <p:cNvPr id="493" name="Maße der Effektstärke wie Cohens d sind nützlich, um Verteilungen zu vergleichen, die sich sowohl in Lage als auch in Streuung unterscheiden.…"/>
           <p:cNvSpPr txBox="1"/>
           <p:nvPr>
             <p:ph type="body" idx="22"/>
@@ -18342,32 +20023,671 @@
           <a:p>
             <a:pPr/>
             <a:r>
-              <a:t>Dieses Dokument steht unter der Lizenz CC-BY 3.0.</a:t>
+              <a:t>Maße der Effektstärke wie Cohens d sind nützlich, um Verteilungen zu vergleichen, die sich sowohl in Lage als auch in Streuung unterscheiden.</a:t>
             </a:r>
           </a:p>
           <a:p>
             <a:pPr/>
             <a:r>
-              <a:t>Autor: Sebastian Sauer</a:t>
+              <a:t>Allerdings sind Aussagen von Cohens d wie „der Effekt beträgt eine halbe SD“ wenig anschaulich, zumindest für ungeübte Personen.</a:t>
             </a:r>
           </a:p>
           <a:p>
             <a:pPr/>
             <a:r>
-              <a:t>Für externe Links kann keine Haftung übernommen werden.</a:t>
+              <a:t>Das Common Language Effect Size (McGraw &amp; Wong, 1992) bietet eine leichter verständlichere Alternative für die Quantifizierung eines Mittelwerteffekts zwischen zwei Gruppen. </a:t>
             </a:r>
           </a:p>
           <a:p>
             <a:pPr/>
             <a:r>
-              <a:t>Dieses Dokument entstand mit reichlicher Unterstützung vieler Kolleginnen und Kollegen aus der FOM. Vielen Dank!</a:t>
+              <a:t>CLES liefert eine Wahrscheinlichkeit, 0&lt;P&lt;1, zurück.</a:t>
             </a:r>
           </a:p>
           <a:p>
             <a:pPr/>
             <a:r>
-              <a:t>Dieses Dokument baut in Teilen auf auf dem Skript zu quantitative Methoden des ifes-Instituts der FOM-Hochschule. </a:t>
-            </a:r>
+              <a:t>CELS ist definiert als</a:t>
+            </a:r>
+          </a:p>
+          <a:p>
+            <a:pPr lvl="1" marL="774700" indent="-190500">
+              <a:buClr>
+                <a:schemeClr val="accent5"/>
+              </a:buClr>
+              <a:buFont typeface="Arial"/>
+              <a:buChar char="▶︎"/>
+            </a:pPr>
+            <a:r>
+              <a:t>die Wahrscheinlichkeit </a:t>
+            </a:r>
+            <a:r>
+              <a:rPr i="1"/>
+              <a:t>P</a:t>
+            </a:r>
+            <a:r>
+              <a:t>, dass ein zufällig gewähltes Objekt aus Verteilung 1 einen größeren Wert (in X) aufweist als ein zufällig gewähltes Objekt aus Verteilung 2.</a:t>
+            </a:r>
+          </a:p>
+          <a:p>
+            <a:pPr lvl="1" marL="774700" indent="-190500">
+              <a:buClr>
+                <a:schemeClr val="accent5"/>
+              </a:buClr>
+              <a:buFont typeface="Arial"/>
+              <a:buChar char="▶︎"/>
+            </a:pPr>
+            <a:r>
+              <a:t>Für normalverteilte Werte kann CLES wie folgt berechnet werden:</a:t>
+            </a:r>
+          </a:p>
+        </p:txBody>
+      </p:sp>
+      <p:sp>
+        <p:nvSpPr>
+          <p:cNvPr id="494" name="Gleichung"/>
+          <p:cNvSpPr txBox="1"/>
+          <p:nvPr/>
+        </p:nvSpPr>
+        <p:spPr>
+          <a:xfrm>
+            <a:off x="3003525" y="6874991"/>
+            <a:ext cx="6262484" cy="1832498"/>
+          </a:xfrm>
+          <a:prstGeom prst="rect">
+            <a:avLst/>
+          </a:prstGeom>
+          <a:ln w="12700">
+            <a:miter lim="400000"/>
+          </a:ln>
+        </p:spPr>
+        <p:txBody>
+          <a:bodyPr wrap="none" lIns="0" tIns="0" rIns="0" bIns="0">
+            <a:spAutoFit/>
+          </a:bodyPr>
+          <a:lstStyle/>
+          <a:p>
+            <a:pPr latinLnBrk="1">
+              <a:defRPr>
+                <a:solidFill>
+                  <a:srgbClr val="000000"/>
+                </a:solidFill>
+              </a:defRPr>
+            </a:pPr>
+            <a14:m>
+              <m:oMathPara>
+                <m:oMathParaPr>
+                  <m:jc m:val="centerGroup"/>
+                </m:oMathParaPr>
+                <m:oMath>
+                  <m:m>
+                    <m:mPr>
+                      <m:ctrlPr>
+                        <a:rPr xmlns:a="http://schemas.openxmlformats.org/drawingml/2006/main" sz="3000" i="1">
+                          <a:solidFill>
+                            <a:srgbClr val="262626"/>
+                          </a:solidFill>
+                          <a:latin typeface="Cambria Math" panose="02040503050406030204" pitchFamily="18" charset="0"/>
+                        </a:rPr>
+                      </m:ctrlPr>
+                      <m:baseJc m:val="center"/>
+                      <m:plcHide m:val="on"/>
+                      <m:mcs>
+                        <m:mc>
+                          <m:mcPr>
+                            <m:count m:val="2"/>
+                            <m:mcJc m:val="center"/>
+                          </m:mcPr>
+                        </m:mc>
+                      </m:mcs>
+                    </m:mPr>
+                    <m:mr>
+                      <m:e>
+                        <m:r>
+                          <m:rPr>
+                            <m:nor/>
+                          </m:rPr>
+                          <a:rPr xmlns:a="http://schemas.openxmlformats.org/drawingml/2006/main" sz="3000" i="1">
+                            <a:solidFill>
+                              <a:srgbClr val="262626"/>
+                            </a:solidFill>
+                            <a:latin typeface="Cambria Math" panose="02040503050406030204" pitchFamily="18" charset="0"/>
+                          </a:rPr>
+                          <m:t>CLES</m:t>
+                        </m:r>
+                      </m:e>
+                      <m:e>
+                        <m:r>
+                          <a:rPr xmlns:a="http://schemas.openxmlformats.org/drawingml/2006/main" sz="3000" i="1">
+                            <a:solidFill>
+                              <a:srgbClr val="262626"/>
+                            </a:solidFill>
+                            <a:latin typeface="Cambria Math" panose="02040503050406030204" pitchFamily="18" charset="0"/>
+                          </a:rPr>
+                          <m:t>=</m:t>
+                        </m:r>
+                        <m:r>
+                          <a:rPr xmlns:a="http://schemas.openxmlformats.org/drawingml/2006/main" sz="3000" i="1">
+                            <a:solidFill>
+                              <a:srgbClr val="262626"/>
+                            </a:solidFill>
+                            <a:latin typeface="Cambria Math" panose="02040503050406030204" pitchFamily="18" charset="0"/>
+                          </a:rPr>
+                          <m:t>P</m:t>
+                        </m:r>
+                        <m:r>
+                          <a:rPr xmlns:a="http://schemas.openxmlformats.org/drawingml/2006/main" sz="3000" i="1">
+                            <a:solidFill>
+                              <a:srgbClr val="262626"/>
+                            </a:solidFill>
+                            <a:latin typeface="Cambria Math" panose="02040503050406030204" pitchFamily="18" charset="0"/>
+                          </a:rPr>
+                          <m:t>(</m:t>
+                        </m:r>
+                        <m:sSub>
+                          <m:e>
+                            <m:argPr>
+                              <m:scrLvl m:val="0"/>
+                            </m:argPr>
+                            <m:r>
+                              <a:rPr xmlns:a="http://schemas.openxmlformats.org/drawingml/2006/main" sz="3000" i="1">
+                                <a:solidFill>
+                                  <a:srgbClr val="262626"/>
+                                </a:solidFill>
+                                <a:latin typeface="Cambria Math" panose="02040503050406030204" pitchFamily="18" charset="0"/>
+                              </a:rPr>
+                              <m:t>X</m:t>
+                            </m:r>
+                          </m:e>
+                          <m:sub>
+                            <m:argPr>
+                              <m:scrLvl m:val="0"/>
+                            </m:argPr>
+                            <m:r>
+                              <a:rPr xmlns:a="http://schemas.openxmlformats.org/drawingml/2006/main" sz="3000" i="1">
+                                <a:solidFill>
+                                  <a:srgbClr val="262626"/>
+                                </a:solidFill>
+                                <a:latin typeface="Cambria Math" panose="02040503050406030204" pitchFamily="18" charset="0"/>
+                              </a:rPr>
+                              <m:t>1</m:t>
+                            </m:r>
+                          </m:sub>
+                        </m:sSub>
+                        <m:r>
+                          <a:rPr xmlns:a="http://schemas.openxmlformats.org/drawingml/2006/main" sz="3000" i="1">
+                            <a:solidFill>
+                              <a:srgbClr val="262626"/>
+                            </a:solidFill>
+                            <a:latin typeface="Cambria Math" panose="02040503050406030204" pitchFamily="18" charset="0"/>
+                          </a:rPr>
+                          <m:t>&gt;</m:t>
+                        </m:r>
+                        <m:sSub>
+                          <m:e>
+                            <m:argPr>
+                              <m:scrLvl m:val="0"/>
+                            </m:argPr>
+                            <m:r>
+                              <a:rPr xmlns:a="http://schemas.openxmlformats.org/drawingml/2006/main" sz="3000" i="1">
+                                <a:solidFill>
+                                  <a:srgbClr val="262626"/>
+                                </a:solidFill>
+                                <a:latin typeface="Cambria Math" panose="02040503050406030204" pitchFamily="18" charset="0"/>
+                              </a:rPr>
+                              <m:t>X</m:t>
+                            </m:r>
+                          </m:e>
+                          <m:sub>
+                            <m:argPr>
+                              <m:scrLvl m:val="0"/>
+                            </m:argPr>
+                            <m:r>
+                              <a:rPr xmlns:a="http://schemas.openxmlformats.org/drawingml/2006/main" sz="3000" i="1">
+                                <a:solidFill>
+                                  <a:srgbClr val="262626"/>
+                                </a:solidFill>
+                                <a:latin typeface="Cambria Math" panose="02040503050406030204" pitchFamily="18" charset="0"/>
+                              </a:rPr>
+                              <m:t>2</m:t>
+                            </m:r>
+                          </m:sub>
+                        </m:sSub>
+                        <m:r>
+                          <a:rPr xmlns:a="http://schemas.openxmlformats.org/drawingml/2006/main" sz="3000" i="1">
+                            <a:solidFill>
+                              <a:srgbClr val="262626"/>
+                            </a:solidFill>
+                            <a:latin typeface="Cambria Math" panose="02040503050406030204" pitchFamily="18" charset="0"/>
+                          </a:rPr>
+                          <m:t>)</m:t>
+                        </m:r>
+                      </m:e>
+                    </m:mr>
+                    <m:mr>
+                      <m:e/>
+                      <m:e>
+                        <m:r>
+                          <a:rPr xmlns:a="http://schemas.openxmlformats.org/drawingml/2006/main" sz="3000" i="1">
+                            <a:solidFill>
+                              <a:srgbClr val="262626"/>
+                            </a:solidFill>
+                            <a:latin typeface="Cambria Math" panose="02040503050406030204" pitchFamily="18" charset="0"/>
+                          </a:rPr>
+                          <m:t>=</m:t>
+                        </m:r>
+                        <m:r>
+                          <a:rPr xmlns:a="http://schemas.openxmlformats.org/drawingml/2006/main" sz="3000" i="1">
+                            <a:solidFill>
+                              <a:srgbClr val="262626"/>
+                            </a:solidFill>
+                            <a:latin typeface="Cambria Math" panose="02040503050406030204" pitchFamily="18" charset="0"/>
+                          </a:rPr>
+                          <m:t>P</m:t>
+                        </m:r>
+                        <m:r>
+                          <a:rPr xmlns:a="http://schemas.openxmlformats.org/drawingml/2006/main" sz="3000" i="1">
+                            <a:solidFill>
+                              <a:srgbClr val="262626"/>
+                            </a:solidFill>
+                            <a:latin typeface="Cambria Math" panose="02040503050406030204" pitchFamily="18" charset="0"/>
+                          </a:rPr>
+                          <m:t>(</m:t>
+                        </m:r>
+                        <m:sSub>
+                          <m:e>
+                            <m:argPr>
+                              <m:scrLvl m:val="0"/>
+                            </m:argPr>
+                            <m:r>
+                              <a:rPr xmlns:a="http://schemas.openxmlformats.org/drawingml/2006/main" sz="3000" i="1">
+                                <a:solidFill>
+                                  <a:srgbClr val="262626"/>
+                                </a:solidFill>
+                                <a:latin typeface="Cambria Math" panose="02040503050406030204" pitchFamily="18" charset="0"/>
+                              </a:rPr>
+                              <m:t>X</m:t>
+                            </m:r>
+                          </m:e>
+                          <m:sub>
+                            <m:argPr>
+                              <m:scrLvl m:val="0"/>
+                            </m:argPr>
+                            <m:r>
+                              <a:rPr xmlns:a="http://schemas.openxmlformats.org/drawingml/2006/main" sz="3000" i="1">
+                                <a:solidFill>
+                                  <a:srgbClr val="262626"/>
+                                </a:solidFill>
+                                <a:latin typeface="Cambria Math" panose="02040503050406030204" pitchFamily="18" charset="0"/>
+                              </a:rPr>
+                              <m:t>1</m:t>
+                            </m:r>
+                          </m:sub>
+                        </m:sSub>
+                        <m:r>
+                          <a:rPr xmlns:a="http://schemas.openxmlformats.org/drawingml/2006/main" sz="3000" i="1">
+                            <a:solidFill>
+                              <a:srgbClr val="262626"/>
+                            </a:solidFill>
+                            <a:latin typeface="Cambria Math" panose="02040503050406030204" pitchFamily="18" charset="0"/>
+                          </a:rPr>
+                          <m:t>-</m:t>
+                        </m:r>
+                        <m:sSub>
+                          <m:e>
+                            <m:argPr>
+                              <m:scrLvl m:val="0"/>
+                            </m:argPr>
+                            <m:r>
+                              <a:rPr xmlns:a="http://schemas.openxmlformats.org/drawingml/2006/main" sz="3000" i="1">
+                                <a:solidFill>
+                                  <a:srgbClr val="262626"/>
+                                </a:solidFill>
+                                <a:latin typeface="Cambria Math" panose="02040503050406030204" pitchFamily="18" charset="0"/>
+                              </a:rPr>
+                              <m:t>X</m:t>
+                            </m:r>
+                          </m:e>
+                          <m:sub>
+                            <m:argPr>
+                              <m:scrLvl m:val="0"/>
+                            </m:argPr>
+                            <m:r>
+                              <a:rPr xmlns:a="http://schemas.openxmlformats.org/drawingml/2006/main" sz="3000" i="1">
+                                <a:solidFill>
+                                  <a:srgbClr val="262626"/>
+                                </a:solidFill>
+                                <a:latin typeface="Cambria Math" panose="02040503050406030204" pitchFamily="18" charset="0"/>
+                              </a:rPr>
+                              <m:t>2</m:t>
+                            </m:r>
+                          </m:sub>
+                        </m:sSub>
+                        <m:r>
+                          <a:rPr xmlns:a="http://schemas.openxmlformats.org/drawingml/2006/main" sz="3000" i="1">
+                            <a:solidFill>
+                              <a:srgbClr val="262626"/>
+                            </a:solidFill>
+                            <a:latin typeface="Cambria Math" panose="02040503050406030204" pitchFamily="18" charset="0"/>
+                          </a:rPr>
+                          <m:t>&gt;</m:t>
+                        </m:r>
+                        <m:r>
+                          <a:rPr xmlns:a="http://schemas.openxmlformats.org/drawingml/2006/main" sz="3000" i="1">
+                            <a:solidFill>
+                              <a:srgbClr val="262626"/>
+                            </a:solidFill>
+                            <a:latin typeface="Cambria Math" panose="02040503050406030204" pitchFamily="18" charset="0"/>
+                          </a:rPr>
+                          <m:t>0</m:t>
+                        </m:r>
+                        <m:r>
+                          <a:rPr xmlns:a="http://schemas.openxmlformats.org/drawingml/2006/main" sz="3000" i="1">
+                            <a:solidFill>
+                              <a:srgbClr val="262626"/>
+                            </a:solidFill>
+                            <a:latin typeface="Cambria Math" panose="02040503050406030204" pitchFamily="18" charset="0"/>
+                          </a:rPr>
+                          <m:t>)</m:t>
+                        </m:r>
+                      </m:e>
+                    </m:mr>
+                    <m:mr>
+                      <m:e/>
+                      <m:e>
+                        <m:r>
+                          <a:rPr xmlns:a="http://schemas.openxmlformats.org/drawingml/2006/main" sz="3000" i="1">
+                            <a:solidFill>
+                              <a:srgbClr val="262626"/>
+                            </a:solidFill>
+                            <a:latin typeface="Cambria Math" panose="02040503050406030204" pitchFamily="18" charset="0"/>
+                          </a:rPr>
+                          <m:t>=</m:t>
+                        </m:r>
+                        <m:r>
+                          <m:rPr>
+                            <m:sty m:val="p"/>
+                          </m:rPr>
+                          <a:rPr xmlns:a="http://schemas.openxmlformats.org/drawingml/2006/main" sz="3000" i="1">
+                            <a:solidFill>
+                              <a:srgbClr val="262626"/>
+                            </a:solidFill>
+                            <a:latin typeface="Cambria Math" panose="02040503050406030204" pitchFamily="18" charset="0"/>
+                          </a:rPr>
+                          <m:t>Φ</m:t>
+                        </m:r>
+                        <m:r>
+                          <a:rPr xmlns:a="http://schemas.openxmlformats.org/drawingml/2006/main" sz="3000" i="1">
+                            <a:solidFill>
+                              <a:srgbClr val="262626"/>
+                            </a:solidFill>
+                            <a:latin typeface="Cambria Math" panose="02040503050406030204" pitchFamily="18" charset="0"/>
+                          </a:rPr>
+                          <m:t>(</m:t>
+                        </m:r>
+                        <m:r>
+                          <a:rPr xmlns:a="http://schemas.openxmlformats.org/drawingml/2006/main" sz="3000" i="1">
+                            <a:solidFill>
+                              <a:srgbClr val="262626"/>
+                            </a:solidFill>
+                            <a:latin typeface="Cambria Math" panose="02040503050406030204" pitchFamily="18" charset="0"/>
+                          </a:rPr>
+                          <m:t>μ</m:t>
+                        </m:r>
+                        <m:r>
+                          <a:rPr xmlns:a="http://schemas.openxmlformats.org/drawingml/2006/main" sz="3000" i="1">
+                            <a:solidFill>
+                              <a:srgbClr val="262626"/>
+                            </a:solidFill>
+                            <a:latin typeface="Cambria Math" panose="02040503050406030204" pitchFamily="18" charset="0"/>
+                          </a:rPr>
+                          <m:t>=</m:t>
+                        </m:r>
+                        <m:r>
+                          <a:rPr xmlns:a="http://schemas.openxmlformats.org/drawingml/2006/main" sz="3000" i="1">
+                            <a:solidFill>
+                              <a:srgbClr val="262626"/>
+                            </a:solidFill>
+                            <a:latin typeface="Cambria Math" panose="02040503050406030204" pitchFamily="18" charset="0"/>
+                          </a:rPr>
+                          <m:t>0,</m:t>
+                        </m:r>
+                        <m:r>
+                          <a:rPr xmlns:a="http://schemas.openxmlformats.org/drawingml/2006/main" sz="3000" i="1">
+                            <a:solidFill>
+                              <a:srgbClr val="262626"/>
+                            </a:solidFill>
+                            <a:latin typeface="Cambria Math" panose="02040503050406030204" pitchFamily="18" charset="0"/>
+                          </a:rPr>
+                          <m:t>σ</m:t>
+                        </m:r>
+                        <m:r>
+                          <a:rPr xmlns:a="http://schemas.openxmlformats.org/drawingml/2006/main" sz="3000" i="1">
+                            <a:solidFill>
+                              <a:srgbClr val="262626"/>
+                            </a:solidFill>
+                            <a:latin typeface="Cambria Math" panose="02040503050406030204" pitchFamily="18" charset="0"/>
+                          </a:rPr>
+                          <m:t>=</m:t>
+                        </m:r>
+                        <m:rad>
+                          <m:radPr>
+                            <m:ctrlPr>
+                              <a:rPr xmlns:a="http://schemas.openxmlformats.org/drawingml/2006/main" sz="3000" i="1">
+                                <a:solidFill>
+                                  <a:srgbClr val="262626"/>
+                                </a:solidFill>
+                                <a:latin typeface="Cambria Math" panose="02040503050406030204" pitchFamily="18" charset="0"/>
+                              </a:rPr>
+                            </m:ctrlPr>
+                            <m:degHide m:val="on"/>
+                          </m:radPr>
+                          <m:deg>
+                            <m:argPr>
+                              <m:scrLvl m:val="0"/>
+                            </m:argPr>
+                          </m:deg>
+                          <m:e>
+                            <m:argPr>
+                              <m:scrLvl m:val="0"/>
+                            </m:argPr>
+                            <m:sSubSup>
+                              <m:e>
+                                <m:argPr>
+                                  <m:scrLvl m:val="0"/>
+                                </m:argPr>
+                                <m:r>
+                                  <a:rPr xmlns:a="http://schemas.openxmlformats.org/drawingml/2006/main" sz="3000" i="1">
+                                    <a:solidFill>
+                                      <a:srgbClr val="262626"/>
+                                    </a:solidFill>
+                                    <a:latin typeface="Cambria Math" panose="02040503050406030204" pitchFamily="18" charset="0"/>
+                                  </a:rPr>
+                                  <m:t>σ</m:t>
+                                </m:r>
+                              </m:e>
+                              <m:sub>
+                                <m:argPr>
+                                  <m:scrLvl m:val="0"/>
+                                </m:argPr>
+                                <m:r>
+                                  <a:rPr xmlns:a="http://schemas.openxmlformats.org/drawingml/2006/main" sz="3000" i="1">
+                                    <a:solidFill>
+                                      <a:srgbClr val="262626"/>
+                                    </a:solidFill>
+                                    <a:latin typeface="Cambria Math" panose="02040503050406030204" pitchFamily="18" charset="0"/>
+                                  </a:rPr>
+                                  <m:t>1</m:t>
+                                </m:r>
+                              </m:sub>
+                              <m:sup>
+                                <m:argPr>
+                                  <m:scrLvl m:val="0"/>
+                                </m:argPr>
+                                <m:r>
+                                  <a:rPr xmlns:a="http://schemas.openxmlformats.org/drawingml/2006/main" sz="3000" i="1">
+                                    <a:solidFill>
+                                      <a:srgbClr val="262626"/>
+                                    </a:solidFill>
+                                    <a:latin typeface="Cambria Math" panose="02040503050406030204" pitchFamily="18" charset="0"/>
+                                  </a:rPr>
+                                  <m:t>2</m:t>
+                                </m:r>
+                              </m:sup>
+                            </m:sSubSup>
+                            <m:r>
+                              <a:rPr xmlns:a="http://schemas.openxmlformats.org/drawingml/2006/main" sz="3000" i="1">
+                                <a:solidFill>
+                                  <a:srgbClr val="262626"/>
+                                </a:solidFill>
+                                <a:latin typeface="Cambria Math" panose="02040503050406030204" pitchFamily="18" charset="0"/>
+                              </a:rPr>
+                              <m:t>+</m:t>
+                            </m:r>
+                            <m:sSubSup>
+                              <m:e>
+                                <m:argPr>
+                                  <m:scrLvl m:val="0"/>
+                                </m:argPr>
+                                <m:r>
+                                  <a:rPr xmlns:a="http://schemas.openxmlformats.org/drawingml/2006/main" sz="3000" i="1">
+                                    <a:solidFill>
+                                      <a:srgbClr val="262626"/>
+                                    </a:solidFill>
+                                    <a:latin typeface="Cambria Math" panose="02040503050406030204" pitchFamily="18" charset="0"/>
+                                  </a:rPr>
+                                  <m:t>σ</m:t>
+                                </m:r>
+                              </m:e>
+                              <m:sub>
+                                <m:argPr>
+                                  <m:scrLvl m:val="0"/>
+                                </m:argPr>
+                                <m:r>
+                                  <a:rPr xmlns:a="http://schemas.openxmlformats.org/drawingml/2006/main" sz="3000" i="1">
+                                    <a:solidFill>
+                                      <a:srgbClr val="262626"/>
+                                    </a:solidFill>
+                                    <a:latin typeface="Cambria Math" panose="02040503050406030204" pitchFamily="18" charset="0"/>
+                                  </a:rPr>
+                                  <m:t>2</m:t>
+                                </m:r>
+                              </m:sub>
+                              <m:sup>
+                                <m:argPr>
+                                  <m:scrLvl m:val="0"/>
+                                </m:argPr>
+                                <m:r>
+                                  <a:rPr xmlns:a="http://schemas.openxmlformats.org/drawingml/2006/main" sz="3000" i="1">
+                                    <a:solidFill>
+                                      <a:srgbClr val="262626"/>
+                                    </a:solidFill>
+                                    <a:latin typeface="Cambria Math" panose="02040503050406030204" pitchFamily="18" charset="0"/>
+                                  </a:rPr>
+                                  <m:t>2</m:t>
+                                </m:r>
+                              </m:sup>
+                            </m:sSubSup>
+                          </m:e>
+                        </m:rad>
+                        <m:r>
+                          <a:rPr xmlns:a="http://schemas.openxmlformats.org/drawingml/2006/main" sz="3000" i="1">
+                            <a:solidFill>
+                              <a:srgbClr val="262626"/>
+                            </a:solidFill>
+                            <a:latin typeface="Cambria Math" panose="02040503050406030204" pitchFamily="18" charset="0"/>
+                          </a:rPr>
+                          <m:t>,</m:t>
+                        </m:r>
+                        <m:sSub>
+                          <m:e>
+                            <m:argPr>
+                              <m:scrLvl m:val="0"/>
+                            </m:argPr>
+                            <m:r>
+                              <a:rPr xmlns:a="http://schemas.openxmlformats.org/drawingml/2006/main" sz="3000" i="1">
+                                <a:solidFill>
+                                  <a:srgbClr val="262626"/>
+                                </a:solidFill>
+                                <a:latin typeface="Cambria Math" panose="02040503050406030204" pitchFamily="18" charset="0"/>
+                              </a:rPr>
+                              <m:t>X</m:t>
+                            </m:r>
+                          </m:e>
+                          <m:sub>
+                            <m:argPr>
+                              <m:scrLvl m:val="0"/>
+                            </m:argPr>
+                            <m:r>
+                              <a:rPr xmlns:a="http://schemas.openxmlformats.org/drawingml/2006/main" sz="3000" i="1">
+                                <a:solidFill>
+                                  <a:srgbClr val="262626"/>
+                                </a:solidFill>
+                                <a:latin typeface="Cambria Math" panose="02040503050406030204" pitchFamily="18" charset="0"/>
+                              </a:rPr>
+                              <m:t>1</m:t>
+                            </m:r>
+                          </m:sub>
+                        </m:sSub>
+                        <m:r>
+                          <a:rPr xmlns:a="http://schemas.openxmlformats.org/drawingml/2006/main" sz="3000" i="1">
+                            <a:solidFill>
+                              <a:srgbClr val="262626"/>
+                            </a:solidFill>
+                            <a:latin typeface="Cambria Math" panose="02040503050406030204" pitchFamily="18" charset="0"/>
+                          </a:rPr>
+                          <m:t>-</m:t>
+                        </m:r>
+                        <m:sSub>
+                          <m:e>
+                            <m:argPr>
+                              <m:scrLvl m:val="0"/>
+                            </m:argPr>
+                            <m:r>
+                              <a:rPr xmlns:a="http://schemas.openxmlformats.org/drawingml/2006/main" sz="3000" i="1">
+                                <a:solidFill>
+                                  <a:srgbClr val="262626"/>
+                                </a:solidFill>
+                                <a:latin typeface="Cambria Math" panose="02040503050406030204" pitchFamily="18" charset="0"/>
+                              </a:rPr>
+                              <m:t>X</m:t>
+                            </m:r>
+                          </m:e>
+                          <m:sub>
+                            <m:argPr>
+                              <m:scrLvl m:val="0"/>
+                            </m:argPr>
+                            <m:r>
+                              <a:rPr xmlns:a="http://schemas.openxmlformats.org/drawingml/2006/main" sz="3000" i="1">
+                                <a:solidFill>
+                                  <a:srgbClr val="262626"/>
+                                </a:solidFill>
+                                <a:latin typeface="Cambria Math" panose="02040503050406030204" pitchFamily="18" charset="0"/>
+                              </a:rPr>
+                              <m:t>2</m:t>
+                            </m:r>
+                          </m:sub>
+                        </m:sSub>
+                        <m:r>
+                          <a:rPr xmlns:a="http://schemas.openxmlformats.org/drawingml/2006/main" sz="3000" i="1">
+                            <a:solidFill>
+                              <a:srgbClr val="262626"/>
+                            </a:solidFill>
+                            <a:latin typeface="Cambria Math" panose="02040503050406030204" pitchFamily="18" charset="0"/>
+                          </a:rPr>
+                          <m:t>)</m:t>
+                        </m:r>
+                      </m:e>
+                    </m:mr>
+                  </m:m>
+                </m:oMath>
+              </m:oMathPara>
+            </a14:m>
+            <a:endParaRPr sz="3000">
+              <a:solidFill>
+                <a:srgbClr val="262626"/>
+              </a:solidFill>
+            </a:endParaRPr>
           </a:p>
         </p:txBody>
       </p:sp>
@@ -18399,7 +20719,7 @@
       </p:grpSpPr>
       <p:sp>
         <p:nvSpPr>
-          <p:cNvPr id="373" name="Foliennummer"/>
+          <p:cNvPr id="498" name="Foliennummer"/>
           <p:cNvSpPr txBox="1"/>
           <p:nvPr>
             <p:ph type="sldNum" sz="quarter" idx="2"/>
@@ -18426,7 +20746,84 @@
       </p:sp>
       <p:sp>
         <p:nvSpPr>
-          <p:cNvPr id="374" name="Hinweise"/>
+          <p:cNvPr id="499" name="Abschluss"/>
+          <p:cNvSpPr txBox="1"/>
+          <p:nvPr>
+            <p:ph type="title"/>
+          </p:nvPr>
+        </p:nvSpPr>
+        <p:spPr>
+          <a:prstGeom prst="rect">
+            <a:avLst/>
+          </a:prstGeom>
+        </p:spPr>
+        <p:txBody>
+          <a:bodyPr/>
+          <a:lstStyle/>
+          <a:p>
+            <a:pPr/>
+            <a:r>
+              <a:t>Abschluss</a:t>
+            </a:r>
+          </a:p>
+        </p:txBody>
+      </p:sp>
+    </p:spTree>
+  </p:cSld>
+  <p:clrMapOvr>
+    <a:masterClrMapping/>
+  </p:clrMapOvr>
+  <p:transition xmlns:p14="http://schemas.microsoft.com/office/powerpoint/2010/main" spd="med" advClick="1"/>
+</p:sld>
+</file>
+
+<file path=ppt/slides/slide37.xml><?xml version="1.0" encoding="utf-8"?>
+<p:sld xmlns:a="http://schemas.openxmlformats.org/drawingml/2006/main" xmlns:r="http://schemas.openxmlformats.org/officeDocument/2006/relationships" xmlns:p="http://schemas.openxmlformats.org/presentationml/2006/main" xmlns:m="http://schemas.openxmlformats.org/officeDocument/2006/math" xmlns:a14="http://schemas.microsoft.com/office/drawing/2010/main" showMasterSp="1" showMasterPhAnim="1">
+  <p:cSld>
+    <p:spTree>
+      <p:nvGrpSpPr>
+        <p:cNvPr id="1" name=""/>
+        <p:cNvGrpSpPr/>
+        <p:nvPr/>
+      </p:nvGrpSpPr>
+      <p:grpSpPr>
+        <a:xfrm>
+          <a:off x="0" y="0"/>
+          <a:ext cx="0" cy="0"/>
+          <a:chOff x="0" y="0"/>
+          <a:chExt cx="0" cy="0"/>
+        </a:xfrm>
+      </p:grpSpPr>
+      <p:sp>
+        <p:nvSpPr>
+          <p:cNvPr id="501" name="Foliennummer"/>
+          <p:cNvSpPr txBox="1"/>
+          <p:nvPr>
+            <p:ph type="sldNum" sz="quarter" idx="2"/>
+          </p:nvPr>
+        </p:nvSpPr>
+        <p:spPr>
+          <a:prstGeom prst="rect">
+            <a:avLst/>
+          </a:prstGeom>
+          <a:extLst>
+            <a:ext uri="{C572A759-6A51-4108-AA02-DFA0A04FC94B}">
+              <ma14:wrappingTextBoxFlag xmlns:ma14="http://schemas.microsoft.com/office/mac/drawingml/2011/main" val="1"/>
+            </a:ext>
+          </a:extLst>
+        </p:spPr>
+        <p:txBody>
+          <a:bodyPr/>
+          <a:lstStyle/>
+          <a:p>
+            <a:pPr/>
+            <a:fld id="{86CB4B4D-7CA3-9044-876B-883B54F8677D}" type="slidenum"/>
+          </a:p>
+        </p:txBody>
+      </p:sp>
+      <p:sp>
+        <p:nvSpPr>
+          <p:cNvPr id="502" name="Hinweise"/>
           <p:cNvSpPr txBox="1"/>
           <p:nvPr>
             <p:ph type="body" idx="21"/>
@@ -18450,7 +20847,132 @@
       </p:sp>
       <p:sp>
         <p:nvSpPr>
-          <p:cNvPr id="375" name="Textebene 1"/>
+          <p:cNvPr id="503" name="Dieses Dokument steht unter der Lizenz CC-BY 3.0.…"/>
+          <p:cNvSpPr txBox="1"/>
+          <p:nvPr>
+            <p:ph type="body" idx="22"/>
+          </p:nvPr>
+        </p:nvSpPr>
+        <p:spPr>
+          <a:prstGeom prst="rect">
+            <a:avLst/>
+          </a:prstGeom>
+        </p:spPr>
+        <p:txBody>
+          <a:bodyPr/>
+          <a:lstStyle/>
+          <a:p>
+            <a:pPr/>
+            <a:r>
+              <a:t>Dieses Dokument steht unter der Lizenz CC-BY 3.0.</a:t>
+            </a:r>
+          </a:p>
+          <a:p>
+            <a:pPr/>
+            <a:r>
+              <a:t>Autor: Sebastian Sauer</a:t>
+            </a:r>
+          </a:p>
+          <a:p>
+            <a:pPr/>
+            <a:r>
+              <a:t>Für externe Links kann keine Haftung übernommen werden.</a:t>
+            </a:r>
+          </a:p>
+          <a:p>
+            <a:pPr/>
+            <a:r>
+              <a:t>Dieses Dokument entstand mit reichlicher Unterstützung vieler Kolleginnen und Kollegen aus der FOM. Vielen Dank!</a:t>
+            </a:r>
+          </a:p>
+          <a:p>
+            <a:pPr/>
+            <a:r>
+              <a:t>Dieses Dokument baut in Teilen auf auf dem Skript zu quantitative Methoden des ifes-Instituts der FOM-Hochschule. </a:t>
+            </a:r>
+          </a:p>
+        </p:txBody>
+      </p:sp>
+    </p:spTree>
+  </p:cSld>
+  <p:clrMapOvr>
+    <a:masterClrMapping/>
+  </p:clrMapOvr>
+  <p:transition xmlns:p14="http://schemas.microsoft.com/office/powerpoint/2010/main" spd="med" advClick="1"/>
+</p:sld>
+</file>
+
+<file path=ppt/slides/slide38.xml><?xml version="1.0" encoding="utf-8"?>
+<p:sld xmlns:a="http://schemas.openxmlformats.org/drawingml/2006/main" xmlns:r="http://schemas.openxmlformats.org/officeDocument/2006/relationships" xmlns:p="http://schemas.openxmlformats.org/presentationml/2006/main" xmlns:m="http://schemas.openxmlformats.org/officeDocument/2006/math" xmlns:a14="http://schemas.microsoft.com/office/drawing/2010/main" showMasterSp="1" showMasterPhAnim="1">
+  <p:cSld>
+    <p:spTree>
+      <p:nvGrpSpPr>
+        <p:cNvPr id="1" name=""/>
+        <p:cNvGrpSpPr/>
+        <p:nvPr/>
+      </p:nvGrpSpPr>
+      <p:grpSpPr>
+        <a:xfrm>
+          <a:off x="0" y="0"/>
+          <a:ext cx="0" cy="0"/>
+          <a:chOff x="0" y="0"/>
+          <a:chExt cx="0" cy="0"/>
+        </a:xfrm>
+      </p:grpSpPr>
+      <p:sp>
+        <p:nvSpPr>
+          <p:cNvPr id="505" name="Foliennummer"/>
+          <p:cNvSpPr txBox="1"/>
+          <p:nvPr>
+            <p:ph type="sldNum" sz="quarter" idx="2"/>
+          </p:nvPr>
+        </p:nvSpPr>
+        <p:spPr>
+          <a:prstGeom prst="rect">
+            <a:avLst/>
+          </a:prstGeom>
+          <a:extLst>
+            <a:ext uri="{C572A759-6A51-4108-AA02-DFA0A04FC94B}">
+              <ma14:wrappingTextBoxFlag xmlns:ma14="http://schemas.microsoft.com/office/mac/drawingml/2011/main" val="1"/>
+            </a:ext>
+          </a:extLst>
+        </p:spPr>
+        <p:txBody>
+          <a:bodyPr/>
+          <a:lstStyle/>
+          <a:p>
+            <a:pPr/>
+            <a:fld id="{86CB4B4D-7CA3-9044-876B-883B54F8677D}" type="slidenum"/>
+          </a:p>
+        </p:txBody>
+      </p:sp>
+      <p:sp>
+        <p:nvSpPr>
+          <p:cNvPr id="506" name="Hinweise"/>
+          <p:cNvSpPr txBox="1"/>
+          <p:nvPr>
+            <p:ph type="body" idx="21"/>
+          </p:nvPr>
+        </p:nvSpPr>
+        <p:spPr>
+          <a:prstGeom prst="rect">
+            <a:avLst/>
+          </a:prstGeom>
+        </p:spPr>
+        <p:txBody>
+          <a:bodyPr/>
+          <a:lstStyle/>
+          <a:p>
+            <a:pPr/>
+            <a:r>
+              <a:t>Hinweise</a:t>
+            </a:r>
+          </a:p>
+        </p:txBody>
+      </p:sp>
+      <p:sp>
+        <p:nvSpPr>
+          <p:cNvPr id="507" name="Textebene 1"/>
           <p:cNvSpPr txBox="1"/>
           <p:nvPr>
             <p:ph type="body" idx="22"/>
@@ -18500,7 +21022,7 @@
       </p:grpSpPr>
       <p:sp>
         <p:nvSpPr>
-          <p:cNvPr id="140" name="Foliennummer"/>
+          <p:cNvPr id="250" name="Foliennummer"/>
           <p:cNvSpPr txBox="1"/>
           <p:nvPr>
             <p:ph type="sldNum" sz="quarter" idx="2"/>
@@ -18527,7 +21049,7 @@
       </p:sp>
       <p:sp>
         <p:nvSpPr>
-          <p:cNvPr id="141" name="Die deskriptive Statistik fasst Datenmassen zusammen"/>
+          <p:cNvPr id="251" name="Die deskriptive Statistik fasst Datenmassen zusammen"/>
           <p:cNvSpPr txBox="1"/>
           <p:nvPr>
             <p:ph type="body" idx="21"/>
@@ -18555,7 +21077,7 @@
       </p:sp>
       <p:sp>
         <p:nvSpPr>
-          <p:cNvPr id="142" name="Vorbereitungszeit für die Klausur im Schnitt"/>
+          <p:cNvPr id="252" name="Vorbereitungszeit für die Klausur im Schnitt"/>
           <p:cNvSpPr/>
           <p:nvPr/>
         </p:nvSpPr>
@@ -18618,7 +21140,7 @@
       </p:sp>
       <p:graphicFrame>
         <p:nvGraphicFramePr>
-          <p:cNvPr id="143" name="Tabelle"/>
+          <p:cNvPr id="253" name="Tabelle"/>
           <p:cNvGraphicFramePr/>
           <p:nvPr/>
         </p:nvGraphicFramePr>
@@ -18921,7 +21443,7 @@
       </p:graphicFrame>
       <p:sp>
         <p:nvSpPr>
-          <p:cNvPr id="144" name="Rechteck"/>
+          <p:cNvPr id="254" name="Rechteck"/>
           <p:cNvSpPr/>
           <p:nvPr/>
         </p:nvSpPr>
@@ -18965,13 +21487,13 @@
       </p:sp>
       <p:sp>
         <p:nvSpPr>
-          <p:cNvPr id="145" name="Linie"/>
+          <p:cNvPr id="255" name="Linie"/>
           <p:cNvSpPr/>
           <p:nvPr/>
         </p:nvSpPr>
         <p:spPr>
           <a:xfrm>
-            <a:off x="3308569" y="7694854"/>
+            <a:off x="3308569" y="7694855"/>
             <a:ext cx="2465526" cy="1"/>
           </a:xfrm>
           <a:prstGeom prst="line">
@@ -19012,7 +21534,7 @@
       </p:sp>
       <p:sp>
         <p:nvSpPr>
-          <p:cNvPr id="146" name="Zusammenfassen"/>
+          <p:cNvPr id="256" name="Zusammenfassen"/>
           <p:cNvSpPr txBox="1"/>
           <p:nvPr/>
         </p:nvSpPr>
@@ -19059,7 +21581,7 @@
       </p:sp>
       <p:graphicFrame>
         <p:nvGraphicFramePr>
-          <p:cNvPr id="147" name="Tabelle"/>
+          <p:cNvPr id="257" name="Tabelle"/>
           <p:cNvGraphicFramePr/>
           <p:nvPr/>
         </p:nvGraphicFramePr>
@@ -19182,7 +21704,7 @@
       </p:graphicFrame>
       <p:sp>
         <p:nvSpPr>
-          <p:cNvPr id="148" name="Aus Spalte wird Zahl"/>
+          <p:cNvPr id="258" name="Aus Spalte wird Zahl"/>
           <p:cNvSpPr txBox="1"/>
           <p:nvPr/>
         </p:nvSpPr>
@@ -19229,7 +21751,7 @@
       </p:sp>
       <p:pic>
         <p:nvPicPr>
-          <p:cNvPr id="149" name="image131.png" descr="image131.png"/>
+          <p:cNvPr id="259" name="image131.png" descr="image131.png"/>
           <p:cNvPicPr>
             <a:picLocks noChangeAspect="1"/>
           </p:cNvPicPr>
@@ -19258,7 +21780,7 @@
       </p:pic>
       <p:sp>
         <p:nvSpPr>
-          <p:cNvPr id="150" name="19.8"/>
+          <p:cNvPr id="260" name="19.8"/>
           <p:cNvSpPr/>
           <p:nvPr/>
         </p:nvSpPr>
@@ -19315,7 +21837,7 @@
       </p:sp>
       <p:grpSp>
         <p:nvGrpSpPr>
-          <p:cNvPr id="155" name="Gruppieren"/>
+          <p:cNvPr id="265" name="Gruppieren"/>
           <p:cNvGrpSpPr/>
           <p:nvPr/>
         </p:nvGrpSpPr>
@@ -19329,7 +21851,7 @@
         </p:grpSpPr>
         <p:sp>
           <p:nvSpPr>
-            <p:cNvPr id="151" name="Prof. Dr. I. Ch. Weiß-Ois"/>
+            <p:cNvPr id="261" name="Prof. Dr. I. Ch. Weiß-Ois"/>
             <p:cNvSpPr txBox="1"/>
             <p:nvPr/>
           </p:nvSpPr>
@@ -19368,7 +21890,7 @@
         </p:sp>
         <p:grpSp>
           <p:nvGrpSpPr>
-            <p:cNvPr id="154" name="Gruppieren"/>
+            <p:cNvPr id="264" name="Gruppieren"/>
             <p:cNvGrpSpPr/>
             <p:nvPr/>
           </p:nvGrpSpPr>
@@ -19382,7 +21904,7 @@
           </p:grpSpPr>
           <p:pic>
             <p:nvPicPr>
-              <p:cNvPr id="152" name="Bild" descr="Bild"/>
+              <p:cNvPr id="262" name="Bild" descr="Bild"/>
               <p:cNvPicPr>
                 <a:picLocks noChangeAspect="1"/>
               </p:cNvPicPr>
@@ -19413,7 +21935,7 @@
           </p:pic>
           <p:sp>
             <p:nvSpPr>
-              <p:cNvPr id="153" name="Quelle"/>
+              <p:cNvPr id="263" name="Quelle"/>
               <p:cNvSpPr txBox="1"/>
               <p:nvPr/>
             </p:nvSpPr>
@@ -19486,7 +22008,7 @@
       </p:grpSp>
       <p:sp>
         <p:nvSpPr>
-          <p:cNvPr id="156" name="Ah! 20 Stunden lernen die Studis im Schnitt! Viel zu wenig natürlich!"/>
+          <p:cNvPr id="266" name="Ah! 20 Stunden lernen die Studis im Schnitt! Viel zu wenig natürlich!"/>
           <p:cNvSpPr/>
           <p:nvPr/>
         </p:nvSpPr>
@@ -19621,7 +22143,7 @@
       </p:grpSpPr>
       <p:sp>
         <p:nvSpPr>
-          <p:cNvPr id="158" name="Foliennummer"/>
+          <p:cNvPr id="268" name="Foliennummer"/>
           <p:cNvSpPr txBox="1"/>
           <p:nvPr>
             <p:ph type="sldNum" sz="quarter" idx="2"/>
@@ -19648,7 +22170,7 @@
       </p:sp>
       <p:sp>
         <p:nvSpPr>
-          <p:cNvPr id="159" name="Lagemaße"/>
+          <p:cNvPr id="269" name="Lagemaße"/>
           <p:cNvSpPr txBox="1"/>
           <p:nvPr>
             <p:ph type="title"/>
@@ -19698,7 +22220,7 @@
       </p:grpSpPr>
       <p:sp>
         <p:nvSpPr>
-          <p:cNvPr id="161" name="Rechteck"/>
+          <p:cNvPr id="271" name="Rechteck"/>
           <p:cNvSpPr/>
           <p:nvPr/>
         </p:nvSpPr>
@@ -19741,7 +22263,7 @@
       </p:sp>
       <p:sp>
         <p:nvSpPr>
-          <p:cNvPr id="162" name="5"/>
+          <p:cNvPr id="272" name="5"/>
           <p:cNvSpPr/>
           <p:nvPr/>
         </p:nvSpPr>
@@ -19801,7 +22323,7 @@
       </p:sp>
       <p:sp>
         <p:nvSpPr>
-          <p:cNvPr id="163" name="Rechteck"/>
+          <p:cNvPr id="273" name="Rechteck"/>
           <p:cNvSpPr/>
           <p:nvPr/>
         </p:nvSpPr>
@@ -19844,7 +22366,7 @@
       </p:sp>
       <p:sp>
         <p:nvSpPr>
-          <p:cNvPr id="164" name="5"/>
+          <p:cNvPr id="274" name="5"/>
           <p:cNvSpPr/>
           <p:nvPr/>
         </p:nvSpPr>
@@ -19904,7 +22426,7 @@
       </p:sp>
       <p:sp>
         <p:nvSpPr>
-          <p:cNvPr id="165" name="Foliennummer"/>
+          <p:cNvPr id="275" name="Foliennummer"/>
           <p:cNvSpPr txBox="1"/>
           <p:nvPr>
             <p:ph type="sldNum" sz="quarter" idx="2"/>
@@ -19931,7 +22453,7 @@
       </p:sp>
       <p:sp>
         <p:nvSpPr>
-          <p:cNvPr id="166" name="Ein Lagemaß sucht einen „typischen“ Vertreter"/>
+          <p:cNvPr id="276" name="Ein Lagemaß sucht einen „typischen“ Vertreter"/>
           <p:cNvSpPr txBox="1"/>
           <p:nvPr>
             <p:ph type="body" idx="21"/>
@@ -19955,7 +22477,7 @@
       </p:sp>
       <p:sp>
         <p:nvSpPr>
-          <p:cNvPr id="167" name="Ein Lagemaß gibt die Lage des typischen Werts in einer Reihe von Werte (Verteilung) an.  Entsprechend spricht man auch von der „zentralen Tendenz“ einer Verteilung.…"/>
+          <p:cNvPr id="277" name="Ein Lagemaß gibt die Lage des typischen Werts in einer Reihe von Werte (Verteilung) an.  Entsprechend spricht man auch von der „zentralen Tendenz“ einer Verteilung.…"/>
           <p:cNvSpPr/>
           <p:nvPr/>
         </p:nvSpPr>
@@ -20143,7 +22665,7 @@
       </p:sp>
       <p:sp>
         <p:nvSpPr>
-          <p:cNvPr id="168" name="Rechteck"/>
+          <p:cNvPr id="278" name="Rechteck"/>
           <p:cNvSpPr/>
           <p:nvPr/>
         </p:nvSpPr>
@@ -20189,7 +22711,7 @@
       </p:sp>
       <p:sp>
         <p:nvSpPr>
-          <p:cNvPr id="169" name="3"/>
+          <p:cNvPr id="279" name="3"/>
           <p:cNvSpPr/>
           <p:nvPr/>
         </p:nvSpPr>
@@ -20249,7 +22771,7 @@
       </p:sp>
       <p:sp>
         <p:nvSpPr>
-          <p:cNvPr id="170" name="Rechteck"/>
+          <p:cNvPr id="280" name="Rechteck"/>
           <p:cNvSpPr/>
           <p:nvPr/>
         </p:nvSpPr>
@@ -20295,7 +22817,7 @@
       </p:sp>
       <p:sp>
         <p:nvSpPr>
-          <p:cNvPr id="171" name="4"/>
+          <p:cNvPr id="281" name="4"/>
           <p:cNvSpPr/>
           <p:nvPr/>
         </p:nvSpPr>
@@ -20355,7 +22877,7 @@
       </p:sp>
       <p:sp>
         <p:nvSpPr>
-          <p:cNvPr id="172" name="Rechteck"/>
+          <p:cNvPr id="282" name="Rechteck"/>
           <p:cNvSpPr/>
           <p:nvPr/>
         </p:nvSpPr>
@@ -20401,7 +22923,7 @@
       </p:sp>
       <p:sp>
         <p:nvSpPr>
-          <p:cNvPr id="173" name="8"/>
+          <p:cNvPr id="283" name="8"/>
           <p:cNvSpPr/>
           <p:nvPr/>
         </p:nvSpPr>
@@ -20461,7 +22983,7 @@
       </p:sp>
       <p:sp>
         <p:nvSpPr>
-          <p:cNvPr id="174" name="Rechteck"/>
+          <p:cNvPr id="284" name="Rechteck"/>
           <p:cNvSpPr/>
           <p:nvPr/>
         </p:nvSpPr>
@@ -20507,7 +23029,7 @@
       </p:sp>
       <p:sp>
         <p:nvSpPr>
-          <p:cNvPr id="175" name="5"/>
+          <p:cNvPr id="285" name="5"/>
           <p:cNvSpPr/>
           <p:nvPr/>
         </p:nvSpPr>
@@ -20567,7 +23089,7 @@
       </p:sp>
       <p:sp>
         <p:nvSpPr>
-          <p:cNvPr id="176" name="Linie"/>
+          <p:cNvPr id="286" name="Linie"/>
           <p:cNvSpPr/>
           <p:nvPr/>
         </p:nvSpPr>
@@ -20608,7 +23130,7 @@
       </p:sp>
       <p:sp>
         <p:nvSpPr>
-          <p:cNvPr id="177" name="Textblase"/>
+          <p:cNvPr id="287" name="Textblase"/>
           <p:cNvSpPr/>
           <p:nvPr/>
         </p:nvSpPr>
@@ -20709,7 +23231,7 @@
       </p:sp>
       <p:sp>
         <p:nvSpPr>
-          <p:cNvPr id="178" name="Ich (Fünf) bin der typische Vertreter der Werte links!"/>
+          <p:cNvPr id="288" name="Ich (Fünf) bin der typische Vertreter der Werte links!"/>
           <p:cNvSpPr txBox="1"/>
           <p:nvPr/>
         </p:nvSpPr>
@@ -20791,7 +23313,7 @@
       </p:grpSpPr>
       <p:sp>
         <p:nvSpPr>
-          <p:cNvPr id="180" name="Foliennummer"/>
+          <p:cNvPr id="290" name="Foliennummer"/>
           <p:cNvSpPr txBox="1"/>
           <p:nvPr>
             <p:ph type="sldNum" sz="quarter" idx="2"/>
@@ -20818,7 +23340,7 @@
       </p:sp>
       <p:sp>
         <p:nvSpPr>
-          <p:cNvPr id="181" name="Das arithmetische Mittel ist ein Beispiel für ein Lagemaß"/>
+          <p:cNvPr id="291" name="Das arithmetische Mittel ist ein Beispiel für ein Lagemaß"/>
           <p:cNvSpPr txBox="1"/>
           <p:nvPr>
             <p:ph type="body" idx="21"/>
@@ -20846,7 +23368,7 @@
       </p:sp>
       <p:sp>
         <p:nvSpPr>
-          <p:cNvPr id="182" name="Synonym: Mittelwert, M, MW, aM, Durchschnitt, Mittel, X̄ oder ∅(X)…"/>
+          <p:cNvPr id="292" name="Synonym: Mittelwert, M, MW, aM, Durchschnitt, Mittel, X̄ oder ∅(X)…"/>
           <p:cNvSpPr/>
           <p:nvPr/>
         </p:nvSpPr>
@@ -20990,7 +23512,7 @@
       </p:sp>
       <p:sp>
         <p:nvSpPr>
-          <p:cNvPr id="183" name="Gleichung"/>
+          <p:cNvPr id="293" name="Gleichung"/>
           <p:cNvSpPr txBox="1"/>
           <p:nvPr/>
         </p:nvSpPr>
@@ -21394,7 +23916,7 @@
                                       <p:cBhvr>
                                         <p:cTn id="6" fill="hold"/>
                                         <p:tgtEl>
-                                          <p:spTgt spid="182">
+                                          <p:spTgt spid="292">
                                             <p:txEl>
                                               <p:pRg st="2" end="2"/>
                                             </p:txEl>
@@ -21442,7 +23964,7 @@
                                       <p:cBhvr>
                                         <p:cTn id="10" fill="hold"/>
                                         <p:tgtEl>
-                                          <p:spTgt spid="182">
+                                          <p:spTgt spid="292">
                                             <p:txEl>
                                               <p:pRg st="3" end="3"/>
                                             </p:txEl>
@@ -21487,7 +24009,7 @@
       </p:par>
     </p:tnLst>
     <p:bldLst>
-      <p:bldP build="p" bldLvl="5" animBg="1" rev="0" advAuto="0" spid="182" grpId="1"/>
+      <p:bldP build="p" bldLvl="5" animBg="1" rev="0" advAuto="0" spid="292" grpId="1"/>
     </p:bldLst>
   </p:timing>
 </p:sld>
@@ -21512,7 +24034,7 @@
       </p:grpSpPr>
       <p:sp>
         <p:nvSpPr>
-          <p:cNvPr id="185" name="Foliennummer"/>
+          <p:cNvPr id="295" name="Foliennummer"/>
           <p:cNvSpPr txBox="1"/>
           <p:nvPr>
             <p:ph type="sldNum" sz="quarter" idx="2"/>
@@ -21539,7 +24061,7 @@
       </p:sp>
       <p:sp>
         <p:nvSpPr>
-          <p:cNvPr id="186" name="Das arithmetische Mittel als Waage oder Wippe"/>
+          <p:cNvPr id="296" name="Das arithmetische Mittel als Waage oder Wippe"/>
           <p:cNvSpPr txBox="1"/>
           <p:nvPr>
             <p:ph type="body" idx="21"/>
@@ -21563,7 +24085,7 @@
       </p:sp>
       <p:pic>
         <p:nvPicPr>
-          <p:cNvPr id="187" name="image153.png" descr="image153.png"/>
+          <p:cNvPr id="297" name="image153.png" descr="image153.png"/>
           <p:cNvPicPr>
             <a:picLocks noChangeAspect="1"/>
           </p:cNvPicPr>
@@ -21592,13 +24114,13 @@
       </p:pic>
       <p:grpSp>
         <p:nvGrpSpPr>
-          <p:cNvPr id="190" name="Gruppieren"/>
+          <p:cNvPr id="300" name="Gruppieren"/>
           <p:cNvGrpSpPr/>
           <p:nvPr/>
         </p:nvGrpSpPr>
         <p:grpSpPr>
           <a:xfrm>
-            <a:off x="2257638" y="4353648"/>
+            <a:off x="2257638" y="4353649"/>
             <a:ext cx="381801" cy="2457874"/>
             <a:chOff x="0" y="0"/>
             <a:chExt cx="381800" cy="2457873"/>
@@ -21606,7 +24128,7 @@
         </p:grpSpPr>
         <p:sp>
           <p:nvSpPr>
-            <p:cNvPr id="188" name="Rechteck"/>
+            <p:cNvPr id="298" name="Rechteck"/>
             <p:cNvSpPr/>
             <p:nvPr/>
           </p:nvSpPr>
@@ -21650,7 +24172,7 @@
         </p:sp>
         <p:sp>
           <p:nvSpPr>
-            <p:cNvPr id="189" name="Häufigkeit"/>
+            <p:cNvPr id="299" name="Häufigkeit"/>
             <p:cNvSpPr/>
             <p:nvPr/>
           </p:nvSpPr>
@@ -21706,7 +24228,7 @@
       </p:grpSp>
       <p:grpSp>
         <p:nvGrpSpPr>
-          <p:cNvPr id="193" name="Gruppieren"/>
+          <p:cNvPr id="303" name="Gruppieren"/>
           <p:cNvGrpSpPr/>
           <p:nvPr/>
         </p:nvGrpSpPr>
@@ -21720,7 +24242,7 @@
         </p:grpSpPr>
         <p:sp>
           <p:nvSpPr>
-            <p:cNvPr id="191" name="Rechteck"/>
+            <p:cNvPr id="301" name="Rechteck"/>
             <p:cNvSpPr/>
             <p:nvPr/>
           </p:nvSpPr>
@@ -21764,7 +24286,7 @@
         </p:sp>
         <p:sp>
           <p:nvSpPr>
-            <p:cNvPr id="192" name="Messwerte"/>
+            <p:cNvPr id="302" name="Messwerte"/>
             <p:cNvSpPr/>
             <p:nvPr/>
           </p:nvSpPr>
@@ -21820,7 +24342,7 @@
       </p:grpSp>
       <p:sp>
         <p:nvSpPr>
-          <p:cNvPr id="194" name="Dreieck"/>
+          <p:cNvPr id="304" name="Dreieck"/>
           <p:cNvSpPr/>
           <p:nvPr/>
         </p:nvSpPr>
@@ -21894,7 +24416,7 @@
       </p:sp>
       <p:sp>
         <p:nvSpPr>
-          <p:cNvPr id="195" name="Der Mittelwert kann als der Wert einer Wippe veranschaulicht werden, an dem die Wippe im Schwerpunkt liegt. Die Messwerte sind dabei wie Legosteine auf der Wippe aufgereiht."/>
+          <p:cNvPr id="305" name="Der Mittelwert kann als der Wert einer Wippe veranschaulicht werden, an dem die Wippe im Schwerpunkt liegt. Die Messwerte sind dabei wie Legosteine auf der Wippe aufgereiht."/>
           <p:cNvSpPr txBox="1"/>
           <p:nvPr/>
         </p:nvSpPr>
@@ -21971,7 +24493,7 @@
       </p:grpSpPr>
       <p:sp>
         <p:nvSpPr>
-          <p:cNvPr id="199" name="Foliennummer"/>
+          <p:cNvPr id="309" name="Foliennummer"/>
           <p:cNvSpPr txBox="1"/>
           <p:nvPr>
             <p:ph type="sldNum" sz="quarter" idx="2"/>
@@ -21998,7 +24520,7 @@
       </p:sp>
       <p:sp>
         <p:nvSpPr>
-          <p:cNvPr id="200" name="Die Abweichungen vom Mittelwert summieren sich zu Null auf"/>
+          <p:cNvPr id="310" name="Die Abweichungen vom Mittelwert summieren sich zu Null auf"/>
           <p:cNvSpPr txBox="1"/>
           <p:nvPr>
             <p:ph type="body" idx="21"/>
@@ -22026,7 +24548,7 @@
       </p:sp>
       <p:pic>
         <p:nvPicPr>
-          <p:cNvPr id="201" name="Bild" descr="Bild"/>
+          <p:cNvPr id="311" name="Bild" descr="Bild"/>
           <p:cNvPicPr>
             <a:picLocks noChangeAspect="1"/>
           </p:cNvPicPr>
@@ -22055,14 +24577,14 @@
       </p:pic>
       <p:sp>
         <p:nvSpPr>
-          <p:cNvPr id="202" name="Gleichung"/>
+          <p:cNvPr id="312" name="Gleichung"/>
           <p:cNvSpPr txBox="1"/>
           <p:nvPr/>
         </p:nvSpPr>
         <p:spPr>
           <a:xfrm>
             <a:off x="2887756" y="6921806"/>
-            <a:ext cx="7229288" cy="1158270"/>
+            <a:ext cx="7229289" cy="1158270"/>
           </a:xfrm>
           <a:prstGeom prst="rect">
             <a:avLst/>
@@ -22584,30 +25106,72 @@
     <a:fmtScheme name="Default">
       <a:fillStyleLst>
         <a:solidFill>
-          <a:srgbClr val="FFFFFF"/>
+          <a:schemeClr val="phClr"/>
         </a:solidFill>
-        <a:solidFill>
-          <a:srgbClr val="FFFFFF"/>
-        </a:solidFill>
-        <a:solidFill>
-          <a:srgbClr val="FFFFFF"/>
-        </a:solidFill>
+        <a:gradFill rotWithShape="1">
+          <a:gsLst>
+            <a:gs pos="0">
+              <a:schemeClr val="phClr">
+                <a:tint val="50000"/>
+                <a:satMod val="300000"/>
+              </a:schemeClr>
+            </a:gs>
+            <a:gs pos="35000">
+              <a:schemeClr val="phClr">
+                <a:tint val="37000"/>
+                <a:satMod val="300000"/>
+              </a:schemeClr>
+            </a:gs>
+            <a:gs pos="100000">
+              <a:schemeClr val="phClr">
+                <a:tint val="15000"/>
+                <a:satMod val="350000"/>
+              </a:schemeClr>
+            </a:gs>
+          </a:gsLst>
+          <a:lin ang="16200000" scaled="1"/>
+        </a:gradFill>
+        <a:gradFill rotWithShape="1">
+          <a:gsLst>
+            <a:gs pos="0">
+              <a:schemeClr val="phClr">
+                <a:tint val="100000"/>
+                <a:shade val="100000"/>
+                <a:satMod val="129999"/>
+              </a:schemeClr>
+            </a:gs>
+            <a:gs pos="100000">
+              <a:schemeClr val="phClr">
+                <a:tint val="50000"/>
+                <a:shade val="100000"/>
+                <a:satMod val="350000"/>
+              </a:schemeClr>
+            </a:gs>
+          </a:gsLst>
+          <a:lin ang="16200000" scaled="0"/>
+        </a:gradFill>
       </a:fillStyleLst>
       <a:lnStyleLst>
-        <a:ln>
+        <a:ln w="9525" cap="flat" cmpd="sng" algn="ctr">
           <a:solidFill>
-            <a:srgbClr val="000000"/>
+            <a:schemeClr val="phClr">
+              <a:shade val="95000"/>
+              <a:satMod val="104999"/>
+            </a:schemeClr>
           </a:solidFill>
+          <a:prstDash val="solid"/>
         </a:ln>
-        <a:ln>
+        <a:ln w="25400" cap="flat" cmpd="sng" algn="ctr">
           <a:solidFill>
-            <a:srgbClr val="000000"/>
+            <a:schemeClr val="phClr"/>
           </a:solidFill>
+          <a:prstDash val="solid"/>
         </a:ln>
-        <a:ln>
+        <a:ln w="38100" cap="flat" cmpd="sng" algn="ctr">
           <a:solidFill>
-            <a:srgbClr val="000000"/>
+            <a:schemeClr val="phClr"/>
           </a:solidFill>
+          <a:prstDash val="solid"/>
         </a:ln>
       </a:lnStyleLst>
       <a:effectStyleLst>
@@ -22623,14 +25187,53 @@
       </a:effectStyleLst>
       <a:bgFillStyleLst>
         <a:solidFill>
-          <a:srgbClr val="FFFFFF"/>
+          <a:schemeClr val="phClr"/>
         </a:solidFill>
-        <a:solidFill>
-          <a:srgbClr val="FFFFFF"/>
-        </a:solidFill>
-        <a:solidFill>
-          <a:srgbClr val="FFFFFF"/>
-        </a:solidFill>
+        <a:gradFill rotWithShape="1">
+          <a:gsLst>
+            <a:gs pos="0">
+              <a:schemeClr val="phClr">
+                <a:tint val="40000"/>
+                <a:satMod val="350000"/>
+              </a:schemeClr>
+            </a:gs>
+            <a:gs pos="40000">
+              <a:schemeClr val="phClr">
+                <a:tint val="45000"/>
+                <a:shade val="99000"/>
+                <a:satMod val="350000"/>
+              </a:schemeClr>
+            </a:gs>
+            <a:gs pos="100000">
+              <a:schemeClr val="phClr">
+                <a:shade val="20000"/>
+                <a:satMod val="255000"/>
+              </a:schemeClr>
+            </a:gs>
+          </a:gsLst>
+          <a:path path="circle">
+            <a:fillToRect l="50000" t="-80000" r="50000" b="180000"/>
+          </a:path>
+        </a:gradFill>
+        <a:gradFill rotWithShape="1">
+          <a:gsLst>
+            <a:gs pos="0">
+              <a:schemeClr val="phClr">
+                <a:tint val="80000"/>
+                <a:satMod val="300000"/>
+              </a:schemeClr>
+            </a:gs>
+            <a:gs pos="100000">
+              <a:schemeClr val="phClr">
+                <a:shade val="30000"/>
+                <a:satMod val="200000"/>
+              </a:schemeClr>
+            </a:gs>
+          </a:gsLst>
+          <a:path path="circle">
+            <a:fillToRect l="50000" t="50000" r="50000" b="50000"/>
+          </a:path>
+        </a:gradFill>
       </a:bgFillStyleLst>
     </a:fmtScheme>
   </a:themeElements>
@@ -23564,30 +26167,72 @@
     <a:fmtScheme name="Default">
       <a:fillStyleLst>
         <a:solidFill>
-          <a:srgbClr val="FFFFFF"/>
+          <a:schemeClr val="phClr"/>
         </a:solidFill>
-        <a:solidFill>
-          <a:srgbClr val="FFFFFF"/>
-        </a:solidFill>
-        <a:solidFill>
-          <a:srgbClr val="FFFFFF"/>
-        </a:solidFill>
+        <a:gradFill rotWithShape="1">
+          <a:gsLst>
+            <a:gs pos="0">
+              <a:schemeClr val="phClr">
+                <a:tint val="50000"/>
+                <a:satMod val="300000"/>
+              </a:schemeClr>
+            </a:gs>
+            <a:gs pos="35000">
+              <a:schemeClr val="phClr">
+                <a:tint val="37000"/>
+                <a:satMod val="300000"/>
+              </a:schemeClr>
+            </a:gs>
+            <a:gs pos="100000">
+              <a:schemeClr val="phClr">
+                <a:tint val="15000"/>
+                <a:satMod val="350000"/>
+              </a:schemeClr>
+            </a:gs>
+          </a:gsLst>
+          <a:lin ang="16200000" scaled="1"/>
+        </a:gradFill>
+        <a:gradFill rotWithShape="1">
+          <a:gsLst>
+            <a:gs pos="0">
+              <a:schemeClr val="phClr">
+                <a:tint val="100000"/>
+                <a:shade val="100000"/>
+                <a:satMod val="129999"/>
+              </a:schemeClr>
+            </a:gs>
+            <a:gs pos="100000">
+              <a:schemeClr val="phClr">
+                <a:tint val="50000"/>
+                <a:shade val="100000"/>
+                <a:satMod val="350000"/>
+              </a:schemeClr>
+            </a:gs>
+          </a:gsLst>
+          <a:lin ang="16200000" scaled="0"/>
+        </a:gradFill>
       </a:fillStyleLst>
       <a:lnStyleLst>
-        <a:ln>
+        <a:ln w="9525" cap="flat" cmpd="sng" algn="ctr">
           <a:solidFill>
-            <a:srgbClr val="000000"/>
+            <a:schemeClr val="phClr">
+              <a:shade val="95000"/>
+              <a:satMod val="104999"/>
+            </a:schemeClr>
           </a:solidFill>
+          <a:prstDash val="solid"/>
         </a:ln>
-        <a:ln>
+        <a:ln w="25400" cap="flat" cmpd="sng" algn="ctr">
           <a:solidFill>
-            <a:srgbClr val="000000"/>
+            <a:schemeClr val="phClr"/>
           </a:solidFill>
+          <a:prstDash val="solid"/>
         </a:ln>
-        <a:ln>
+        <a:ln w="38100" cap="flat" cmpd="sng" algn="ctr">
           <a:solidFill>
-            <a:srgbClr val="000000"/>
+            <a:schemeClr val="phClr"/>
           </a:solidFill>
+          <a:prstDash val="solid"/>
         </a:ln>
       </a:lnStyleLst>
       <a:effectStyleLst>
@@ -23603,14 +26248,53 @@
       </a:effectStyleLst>
       <a:bgFillStyleLst>
         <a:solidFill>
-          <a:srgbClr val="FFFFFF"/>
+          <a:schemeClr val="phClr"/>
         </a:solidFill>
-        <a:solidFill>
-          <a:srgbClr val="FFFFFF"/>
-        </a:solidFill>
-        <a:solidFill>
-          <a:srgbClr val="FFFFFF"/>
-        </a:solidFill>
+        <a:gradFill rotWithShape="1">
+          <a:gsLst>
+            <a:gs pos="0">
+              <a:schemeClr val="phClr">
+                <a:tint val="40000"/>
+                <a:satMod val="350000"/>
+              </a:schemeClr>
+            </a:gs>
+            <a:gs pos="40000">
+              <a:schemeClr val="phClr">
+                <a:tint val="45000"/>
+                <a:shade val="99000"/>
+                <a:satMod val="350000"/>
+              </a:schemeClr>
+            </a:gs>
+            <a:gs pos="100000">
+              <a:schemeClr val="phClr">
+                <a:shade val="20000"/>
+                <a:satMod val="255000"/>
+              </a:schemeClr>
+            </a:gs>
+          </a:gsLst>
+          <a:path path="circle">
+            <a:fillToRect l="50000" t="-80000" r="50000" b="180000"/>
+          </a:path>
+        </a:gradFill>
+        <a:gradFill rotWithShape="1">
+          <a:gsLst>
+            <a:gs pos="0">
+              <a:schemeClr val="phClr">
+                <a:tint val="80000"/>
+                <a:satMod val="300000"/>
+              </a:schemeClr>
+            </a:gs>
+            <a:gs pos="100000">
+              <a:schemeClr val="phClr">
+                <a:shade val="30000"/>
+                <a:satMod val="200000"/>
+              </a:schemeClr>
+            </a:gs>
+          </a:gsLst>
+          <a:path path="circle">
+            <a:fillToRect l="50000" t="50000" r="50000" b="50000"/>
+          </a:path>
+        </a:gradFill>
       </a:bgFillStyleLst>
     </a:fmtScheme>
   </a:themeElements>

--- a/Skript-Folien/QM1-Thema04.pptx
+++ b/Skript-Folien/QM1-Thema04.pptx
@@ -18979,7 +18979,7 @@
               <a:buChar char="‣"/>
             </a:pPr>
             <a:r>
-              <a:t>„2. Quartil!“ bei Person 50, (50% kleiner, Größe 1.65m)</a:t>
+              <a:t>„2. Quartil!“ bei Person 50, (50% kleiner, Größe 1.80m)</a:t>
             </a:r>
           </a:p>
           <a:p>
@@ -18994,8 +18994,14 @@
               <a:buChar char="‣"/>
             </a:pPr>
             <a:r>
-              <a:t>„1. Quartil!“ bei Person 25, (25% kleiner, Größe 1.65m)</a:t>
-            </a:r>
+              <a:t>„3. Quartil!“ bei Person 75, (75% kleiner, Größe 1.95m)</a:t>
+            </a:r>
+          </a:p>
+          <a:p>
+            <a:pPr indent="0">
+              <a:buClrTx/>
+              <a:buFontTx/>
+            </a:pPr>
           </a:p>
           <a:p>
             <a:pPr marL="317500" indent="-317500">
@@ -19009,9 +19015,15 @@
               <a:buChar char="‣"/>
             </a:pPr>
             <a:r>
-              <a:t>„1. Quartil!“ bei Person 25, (25% kleiner, Größe 1.65m)</a:t>
-            </a:r>
-            <a:br/>
+              <a:t>Das </a:t>
+            </a:r>
+            <a:r>
+              <a:rPr i="1"/>
+              <a:t>1. Quartil</a:t>
+            </a:r>
+            <a:r>
+              <a:t> kennzeichnet denjenigen Wert der Körpergröße der Studentis, für den gilt, dass ein Viertel der Studentis kleiner (und drei Viertel größer sind).</a:t>
+            </a:r>
           </a:p>
           <a:p>
             <a:pPr marL="317500" indent="-317500">
@@ -19024,9 +19036,6 @@
               <a:buFontTx/>
               <a:buChar char="‣"/>
             </a:pPr>
-            <a:r>
-              <a:t>Das 1. Quartil kennzeichnet denjenigen Wert der Körpergröße der Studentis, für den gilt, dass ein Viertel der Studentis kleiner (und drei Viertel größer sind).</a:t>
-            </a:r>
           </a:p>
           <a:p>
             <a:pPr marL="317500" indent="-317500">
@@ -19039,18 +19048,6 @@
               <a:buFontTx/>
               <a:buChar char="‣"/>
             </a:pPr>
-          </a:p>
-          <a:p>
-            <a:pPr marL="317500" indent="-317500">
-              <a:buClr>
-                <a:schemeClr val="accent5">
-                  <a:lumOff val="-7647"/>
-                </a:schemeClr>
-              </a:buClr>
-              <a:buSzPct val="200000"/>
-              <a:buFontTx/>
-              <a:buChar char="‣"/>
-            </a:pPr>
             <a:r>
               <a:t>Ein Quartil … </a:t>
             </a:r>
@@ -19067,8 +19064,13 @@
               <a:buChar char="‣"/>
             </a:pPr>
             <a:r>
-              <a:t>ist eine bestimmte Art von Quantil</a:t>
-            </a:r>
+              <a:t>ist eine</a:t>
+            </a:r>
+            <a:r>
+              <a:rPr i="1"/>
+              <a:t> bestimmte Art von Quantil</a:t>
+            </a:r>
+            <a:endParaRPr i="1"/>
           </a:p>
           <a:p>
             <a:pPr lvl="1" marL="581526" indent="-200526">
@@ -19082,7 +19084,11 @@
               <a:buChar char="‣"/>
             </a:pPr>
             <a:r>
-              <a:t>verallgemeinert den Median, da der Median dem 2. Quartil entspricht</a:t>
+              <a:rPr i="1"/>
+              <a:t>verallgemeinert den Median</a:t>
+            </a:r>
+            <a:r>
+              <a:t>, da der Median dem 2. Quartil entspricht</a:t>
             </a:r>
           </a:p>
           <a:p>
@@ -19360,7 +19366,14 @@
               <a:buChar char="‣"/>
             </a:pPr>
             <a:r>
-              <a:t>Gängige Quantile sind</a:t>
+              <a:t>Gängige </a:t>
+            </a:r>
+            <a:r>
+              <a:rPr i="1"/>
+              <a:t>Quantile</a:t>
+            </a:r>
+            <a:r>
+              <a:t> sind</a:t>
             </a:r>
           </a:p>
           <a:p>
@@ -19375,7 +19388,11 @@
               <a:buChar char="‣"/>
             </a:pPr>
             <a:r>
-              <a:t>Quartile (Viertel)</a:t>
+              <a:rPr i="1"/>
+              <a:t>Quartile</a:t>
+            </a:r>
+            <a:r>
+              <a:t> (Viertel)</a:t>
             </a:r>
           </a:p>
           <a:p>
@@ -19390,7 +19407,11 @@
               <a:buChar char="‣"/>
             </a:pPr>
             <a:r>
-              <a:t>Quantile (Fünftel)</a:t>
+              <a:rPr i="1"/>
+              <a:t>Quintile</a:t>
+            </a:r>
+            <a:r>
+              <a:t> (Fünftel)</a:t>
             </a:r>
           </a:p>
           <a:p>
@@ -19405,7 +19426,11 @@
               <a:buChar char="‣"/>
             </a:pPr>
             <a:r>
-              <a:t>Dezile (Zehntel)</a:t>
+              <a:rPr i="1"/>
+              <a:t>Dezile</a:t>
+            </a:r>
+            <a:r>
+              <a:t> (Zehntel)</a:t>
             </a:r>
           </a:p>
           <a:p>
@@ -19420,7 +19445,11 @@
               <a:buChar char="‣"/>
             </a:pPr>
             <a:r>
-              <a:t>Perzentile (Hundertstel)</a:t>
+              <a:rPr i="1"/>
+              <a:t>Perzentile</a:t>
+            </a:r>
+            <a:r>
+              <a:t> (Hundertstel)</a:t>
             </a:r>
           </a:p>
           <a:p>
@@ -19435,7 +19464,14 @@
               <a:buChar char="‣"/>
             </a:pPr>
             <a:r>
-              <a:t>Ein Quantil ist also ein Oberbegriff für die Aufteilung einer Verteilung in eine bestimmte Anzahl an Bereichen gleicher Größe.</a:t>
+              <a:t>Ein Quantil ist also ein </a:t>
+            </a:r>
+            <a:r>
+              <a:rPr i="1"/>
+              <a:t>Oberbegriff</a:t>
+            </a:r>
+            <a:r>
+              <a:t> für die Aufteilung einer Verteilung in eine bestimmte Anzahl an Bereichen gleicher Größe.</a:t>
             </a:r>
           </a:p>
           <a:p>
